--- a/CapstoneIV/CycleGAN.pptx
+++ b/CapstoneIV/CycleGAN.pptx
@@ -12,8 +12,8 @@
     <p:sldId id="260" r:id="rId3"/>
     <p:sldId id="262" r:id="rId4"/>
     <p:sldId id="263" r:id="rId5"/>
-    <p:sldId id="264" r:id="rId6"/>
-    <p:sldId id="268" r:id="rId7"/>
+    <p:sldId id="268" r:id="rId6"/>
+    <p:sldId id="264" r:id="rId7"/>
     <p:sldId id="265" r:id="rId8"/>
     <p:sldId id="266" r:id="rId9"/>
     <p:sldId id="267" r:id="rId10"/>
@@ -1021,6 +1021,875 @@
     <dgm:fillClrLst meth="repeat">
       <a:schemeClr val="accent2">
         <a:tint val="40000"/>
+      </a:schemeClr>
+    </dgm:fillClrLst>
+    <dgm:linClrLst meth="repeat">
+      <a:schemeClr val="lt1"/>
+    </dgm:linClrLst>
+    <dgm:effectClrLst/>
+    <dgm:txLinClrLst/>
+    <dgm:txFillClrLst meth="repeat">
+      <a:schemeClr val="dk1"/>
+    </dgm:txFillClrLst>
+    <dgm:txEffectClrLst/>
+  </dgm:styleLbl>
+  <dgm:styleLbl name="revTx">
+    <dgm:fillClrLst meth="repeat">
+      <a:schemeClr val="lt1">
+        <a:alpha val="0"/>
+      </a:schemeClr>
+    </dgm:fillClrLst>
+    <dgm:linClrLst meth="repeat">
+      <a:schemeClr val="dk1">
+        <a:alpha val="0"/>
+      </a:schemeClr>
+    </dgm:linClrLst>
+    <dgm:effectClrLst/>
+    <dgm:txLinClrLst/>
+    <dgm:txFillClrLst meth="repeat">
+      <a:schemeClr val="tx1"/>
+    </dgm:txFillClrLst>
+    <dgm:txEffectClrLst/>
+  </dgm:styleLbl>
+</dgm:colorsDef>
+</file>
+
+<file path=ppt/diagrams/colors2.xml><?xml version="1.0" encoding="utf-8"?>
+<dgm:colorsDef xmlns:dgm="http://schemas.openxmlformats.org/drawingml/2006/diagram" xmlns:a="http://schemas.openxmlformats.org/drawingml/2006/main" uniqueId="urn:microsoft.com/office/officeart/2005/8/colors/accent2_4">
+  <dgm:title val=""/>
+  <dgm:desc val=""/>
+  <dgm:catLst>
+    <dgm:cat type="accent2" pri="11400"/>
+  </dgm:catLst>
+  <dgm:styleLbl name="node0">
+    <dgm:fillClrLst meth="cycle">
+      <a:schemeClr val="accent2">
+        <a:shade val="60000"/>
+      </a:schemeClr>
+    </dgm:fillClrLst>
+    <dgm:linClrLst meth="repeat">
+      <a:schemeClr val="lt1"/>
+    </dgm:linClrLst>
+    <dgm:effectClrLst/>
+    <dgm:txLinClrLst/>
+    <dgm:txFillClrLst/>
+    <dgm:txEffectClrLst/>
+  </dgm:styleLbl>
+  <dgm:styleLbl name="node1">
+    <dgm:fillClrLst meth="cycle">
+      <a:schemeClr val="accent2">
+        <a:shade val="50000"/>
+      </a:schemeClr>
+      <a:schemeClr val="accent2">
+        <a:tint val="45000"/>
+      </a:schemeClr>
+    </dgm:fillClrLst>
+    <dgm:linClrLst meth="repeat">
+      <a:schemeClr val="lt1"/>
+    </dgm:linClrLst>
+    <dgm:effectClrLst/>
+    <dgm:txLinClrLst/>
+    <dgm:txFillClrLst/>
+    <dgm:txEffectClrLst/>
+  </dgm:styleLbl>
+  <dgm:styleLbl name="alignNode1">
+    <dgm:fillClrLst meth="cycle">
+      <a:schemeClr val="accent2">
+        <a:shade val="50000"/>
+      </a:schemeClr>
+      <a:schemeClr val="accent2">
+        <a:tint val="45000"/>
+      </a:schemeClr>
+    </dgm:fillClrLst>
+    <dgm:linClrLst meth="cycle">
+      <a:schemeClr val="accent2">
+        <a:shade val="50000"/>
+      </a:schemeClr>
+      <a:schemeClr val="accent2">
+        <a:tint val="45000"/>
+      </a:schemeClr>
+    </dgm:linClrLst>
+    <dgm:effectClrLst/>
+    <dgm:txLinClrLst/>
+    <dgm:txFillClrLst/>
+    <dgm:txEffectClrLst/>
+  </dgm:styleLbl>
+  <dgm:styleLbl name="lnNode1">
+    <dgm:fillClrLst meth="cycle">
+      <a:schemeClr val="accent2">
+        <a:shade val="50000"/>
+      </a:schemeClr>
+      <a:schemeClr val="accent2">
+        <a:tint val="45000"/>
+      </a:schemeClr>
+    </dgm:fillClrLst>
+    <dgm:linClrLst meth="repeat">
+      <a:schemeClr val="lt1"/>
+    </dgm:linClrLst>
+    <dgm:effectClrLst/>
+    <dgm:txLinClrLst/>
+    <dgm:txFillClrLst/>
+    <dgm:txEffectClrLst/>
+  </dgm:styleLbl>
+  <dgm:styleLbl name="vennNode1">
+    <dgm:fillClrLst meth="cycle">
+      <a:schemeClr val="accent2">
+        <a:shade val="80000"/>
+        <a:alpha val="50000"/>
+      </a:schemeClr>
+      <a:schemeClr val="accent2">
+        <a:tint val="45000"/>
+        <a:alpha val="50000"/>
+      </a:schemeClr>
+    </dgm:fillClrLst>
+    <dgm:linClrLst meth="repeat">
+      <a:schemeClr val="lt1"/>
+    </dgm:linClrLst>
+    <dgm:effectClrLst/>
+    <dgm:txLinClrLst/>
+    <dgm:txFillClrLst/>
+    <dgm:txEffectClrLst/>
+  </dgm:styleLbl>
+  <dgm:styleLbl name="node2">
+    <dgm:fillClrLst>
+      <a:schemeClr val="accent2">
+        <a:shade val="80000"/>
+      </a:schemeClr>
+    </dgm:fillClrLst>
+    <dgm:linClrLst meth="repeat">
+      <a:schemeClr val="lt1"/>
+    </dgm:linClrLst>
+    <dgm:effectClrLst/>
+    <dgm:txLinClrLst/>
+    <dgm:txFillClrLst/>
+    <dgm:txEffectClrLst/>
+  </dgm:styleLbl>
+  <dgm:styleLbl name="node3">
+    <dgm:fillClrLst>
+      <a:schemeClr val="accent2">
+        <a:tint val="99000"/>
+      </a:schemeClr>
+    </dgm:fillClrLst>
+    <dgm:linClrLst meth="repeat">
+      <a:schemeClr val="lt1"/>
+    </dgm:linClrLst>
+    <dgm:effectClrLst/>
+    <dgm:txLinClrLst/>
+    <dgm:txFillClrLst/>
+    <dgm:txEffectClrLst/>
+  </dgm:styleLbl>
+  <dgm:styleLbl name="node4">
+    <dgm:fillClrLst>
+      <a:schemeClr val="accent2">
+        <a:tint val="70000"/>
+      </a:schemeClr>
+    </dgm:fillClrLst>
+    <dgm:linClrLst meth="repeat">
+      <a:schemeClr val="lt1"/>
+    </dgm:linClrLst>
+    <dgm:effectClrLst/>
+    <dgm:txLinClrLst/>
+    <dgm:txFillClrLst/>
+    <dgm:txEffectClrLst/>
+  </dgm:styleLbl>
+  <dgm:styleLbl name="fgImgPlace1">
+    <dgm:fillClrLst>
+      <a:schemeClr val="accent2">
+        <a:tint val="50000"/>
+      </a:schemeClr>
+      <a:schemeClr val="accent2">
+        <a:tint val="55000"/>
+      </a:schemeClr>
+    </dgm:fillClrLst>
+    <dgm:linClrLst meth="repeat">
+      <a:schemeClr val="lt1"/>
+    </dgm:linClrLst>
+    <dgm:effectClrLst/>
+    <dgm:txLinClrLst/>
+    <dgm:txFillClrLst meth="repeat">
+      <a:schemeClr val="lt1"/>
+    </dgm:txFillClrLst>
+    <dgm:txEffectClrLst/>
+  </dgm:styleLbl>
+  <dgm:styleLbl name="alignImgPlace1">
+    <dgm:fillClrLst>
+      <a:schemeClr val="accent2">
+        <a:tint val="50000"/>
+      </a:schemeClr>
+      <a:schemeClr val="accent2">
+        <a:tint val="55000"/>
+      </a:schemeClr>
+    </dgm:fillClrLst>
+    <dgm:linClrLst meth="repeat">
+      <a:schemeClr val="lt1"/>
+    </dgm:linClrLst>
+    <dgm:effectClrLst/>
+    <dgm:txLinClrLst/>
+    <dgm:txFillClrLst meth="repeat">
+      <a:schemeClr val="lt1"/>
+    </dgm:txFillClrLst>
+    <dgm:txEffectClrLst/>
+  </dgm:styleLbl>
+  <dgm:styleLbl name="bgImgPlace1">
+    <dgm:fillClrLst>
+      <a:schemeClr val="accent2">
+        <a:tint val="50000"/>
+      </a:schemeClr>
+      <a:schemeClr val="accent2">
+        <a:tint val="55000"/>
+      </a:schemeClr>
+    </dgm:fillClrLst>
+    <dgm:linClrLst meth="repeat">
+      <a:schemeClr val="lt1"/>
+    </dgm:linClrLst>
+    <dgm:effectClrLst/>
+    <dgm:txLinClrLst/>
+    <dgm:txFillClrLst meth="repeat">
+      <a:schemeClr val="lt1"/>
+    </dgm:txFillClrLst>
+    <dgm:txEffectClrLst/>
+  </dgm:styleLbl>
+  <dgm:styleLbl name="sibTrans2D1">
+    <dgm:fillClrLst meth="cycle">
+      <a:schemeClr val="accent2">
+        <a:shade val="90000"/>
+      </a:schemeClr>
+      <a:schemeClr val="accent2">
+        <a:tint val="50000"/>
+      </a:schemeClr>
+    </dgm:fillClrLst>
+    <dgm:linClrLst meth="cycle">
+      <a:schemeClr val="accent2">
+        <a:shade val="90000"/>
+      </a:schemeClr>
+      <a:schemeClr val="accent2">
+        <a:tint val="50000"/>
+      </a:schemeClr>
+    </dgm:linClrLst>
+    <dgm:effectClrLst/>
+    <dgm:txLinClrLst/>
+    <dgm:txFillClrLst/>
+    <dgm:txEffectClrLst/>
+  </dgm:styleLbl>
+  <dgm:styleLbl name="fgSibTrans2D1">
+    <dgm:fillClrLst meth="cycle">
+      <a:schemeClr val="accent2">
+        <a:shade val="90000"/>
+      </a:schemeClr>
+      <a:schemeClr val="accent2">
+        <a:tint val="50000"/>
+      </a:schemeClr>
+    </dgm:fillClrLst>
+    <dgm:linClrLst meth="cycle">
+      <a:schemeClr val="accent2">
+        <a:shade val="90000"/>
+      </a:schemeClr>
+      <a:schemeClr val="accent2">
+        <a:tint val="50000"/>
+      </a:schemeClr>
+    </dgm:linClrLst>
+    <dgm:effectClrLst/>
+    <dgm:txLinClrLst/>
+    <dgm:txFillClrLst/>
+    <dgm:txEffectClrLst/>
+  </dgm:styleLbl>
+  <dgm:styleLbl name="bgSibTrans2D1">
+    <dgm:fillClrLst meth="cycle">
+      <a:schemeClr val="accent2">
+        <a:shade val="90000"/>
+      </a:schemeClr>
+      <a:schemeClr val="accent2">
+        <a:tint val="50000"/>
+      </a:schemeClr>
+    </dgm:fillClrLst>
+    <dgm:linClrLst meth="cycle">
+      <a:schemeClr val="accent2">
+        <a:shade val="90000"/>
+      </a:schemeClr>
+      <a:schemeClr val="accent2">
+        <a:tint val="50000"/>
+      </a:schemeClr>
+    </dgm:linClrLst>
+    <dgm:effectClrLst/>
+    <dgm:txLinClrLst/>
+    <dgm:txFillClrLst/>
+    <dgm:txEffectClrLst/>
+  </dgm:styleLbl>
+  <dgm:styleLbl name="sibTrans1D1">
+    <dgm:fillClrLst meth="cycle">
+      <a:schemeClr val="accent2">
+        <a:shade val="90000"/>
+      </a:schemeClr>
+      <a:schemeClr val="accent2">
+        <a:tint val="50000"/>
+      </a:schemeClr>
+    </dgm:fillClrLst>
+    <dgm:linClrLst meth="cycle">
+      <a:schemeClr val="accent2">
+        <a:shade val="90000"/>
+      </a:schemeClr>
+      <a:schemeClr val="accent2">
+        <a:tint val="50000"/>
+      </a:schemeClr>
+    </dgm:linClrLst>
+    <dgm:effectClrLst/>
+    <dgm:txLinClrLst/>
+    <dgm:txFillClrLst meth="repeat">
+      <a:schemeClr val="tx1"/>
+    </dgm:txFillClrLst>
+    <dgm:txEffectClrLst/>
+  </dgm:styleLbl>
+  <dgm:styleLbl name="callout">
+    <dgm:fillClrLst meth="repeat">
+      <a:schemeClr val="accent2"/>
+    </dgm:fillClrLst>
+    <dgm:linClrLst meth="repeat">
+      <a:schemeClr val="accent2"/>
+    </dgm:linClrLst>
+    <dgm:effectClrLst/>
+    <dgm:txLinClrLst/>
+    <dgm:txFillClrLst meth="repeat">
+      <a:schemeClr val="tx1"/>
+    </dgm:txFillClrLst>
+    <dgm:txEffectClrLst/>
+  </dgm:styleLbl>
+  <dgm:styleLbl name="asst0">
+    <dgm:fillClrLst meth="repeat">
+      <a:schemeClr val="accent2">
+        <a:shade val="80000"/>
+      </a:schemeClr>
+    </dgm:fillClrLst>
+    <dgm:linClrLst meth="repeat">
+      <a:schemeClr val="lt1"/>
+    </dgm:linClrLst>
+    <dgm:effectClrLst/>
+    <dgm:txLinClrLst/>
+    <dgm:txFillClrLst/>
+    <dgm:txEffectClrLst/>
+  </dgm:styleLbl>
+  <dgm:styleLbl name="asst1">
+    <dgm:fillClrLst meth="repeat">
+      <a:schemeClr val="accent2">
+        <a:shade val="80000"/>
+      </a:schemeClr>
+    </dgm:fillClrLst>
+    <dgm:linClrLst meth="repeat">
+      <a:schemeClr val="lt1"/>
+    </dgm:linClrLst>
+    <dgm:effectClrLst/>
+    <dgm:txLinClrLst/>
+    <dgm:txFillClrLst/>
+    <dgm:txEffectClrLst/>
+  </dgm:styleLbl>
+  <dgm:styleLbl name="asst2">
+    <dgm:fillClrLst>
+      <a:schemeClr val="accent2">
+        <a:tint val="90000"/>
+      </a:schemeClr>
+    </dgm:fillClrLst>
+    <dgm:linClrLst meth="repeat">
+      <a:schemeClr val="lt1"/>
+    </dgm:linClrLst>
+    <dgm:effectClrLst/>
+    <dgm:txLinClrLst/>
+    <dgm:txFillClrLst/>
+    <dgm:txEffectClrLst/>
+  </dgm:styleLbl>
+  <dgm:styleLbl name="asst3">
+    <dgm:fillClrLst>
+      <a:schemeClr val="accent2">
+        <a:tint val="70000"/>
+      </a:schemeClr>
+    </dgm:fillClrLst>
+    <dgm:linClrLst meth="repeat">
+      <a:schemeClr val="lt1"/>
+    </dgm:linClrLst>
+    <dgm:effectClrLst/>
+    <dgm:txLinClrLst/>
+    <dgm:txFillClrLst/>
+    <dgm:txEffectClrLst/>
+  </dgm:styleLbl>
+  <dgm:styleLbl name="asst4">
+    <dgm:fillClrLst>
+      <a:schemeClr val="accent2">
+        <a:tint val="50000"/>
+      </a:schemeClr>
+    </dgm:fillClrLst>
+    <dgm:linClrLst meth="repeat">
+      <a:schemeClr val="lt1"/>
+    </dgm:linClrLst>
+    <dgm:effectClrLst/>
+    <dgm:txLinClrLst/>
+    <dgm:txFillClrLst/>
+    <dgm:txEffectClrLst/>
+  </dgm:styleLbl>
+  <dgm:styleLbl name="parChTrans2D1">
+    <dgm:fillClrLst meth="repeat">
+      <a:schemeClr val="accent2">
+        <a:tint val="60000"/>
+      </a:schemeClr>
+    </dgm:fillClrLst>
+    <dgm:linClrLst meth="repeat">
+      <a:schemeClr val="accent2">
+        <a:shade val="80000"/>
+      </a:schemeClr>
+    </dgm:linClrLst>
+    <dgm:effectClrLst/>
+    <dgm:txLinClrLst/>
+    <dgm:txFillClrLst/>
+    <dgm:txEffectClrLst/>
+  </dgm:styleLbl>
+  <dgm:styleLbl name="parChTrans2D2">
+    <dgm:fillClrLst meth="repeat">
+      <a:schemeClr val="accent2">
+        <a:tint val="90000"/>
+      </a:schemeClr>
+    </dgm:fillClrLst>
+    <dgm:linClrLst meth="repeat">
+      <a:schemeClr val="accent2">
+        <a:tint val="90000"/>
+      </a:schemeClr>
+    </dgm:linClrLst>
+    <dgm:effectClrLst/>
+    <dgm:txLinClrLst/>
+    <dgm:txFillClrLst/>
+    <dgm:txEffectClrLst/>
+  </dgm:styleLbl>
+  <dgm:styleLbl name="parChTrans2D3">
+    <dgm:fillClrLst meth="repeat">
+      <a:schemeClr val="accent2">
+        <a:tint val="70000"/>
+      </a:schemeClr>
+    </dgm:fillClrLst>
+    <dgm:linClrLst meth="repeat">
+      <a:schemeClr val="accent2">
+        <a:tint val="70000"/>
+      </a:schemeClr>
+    </dgm:linClrLst>
+    <dgm:effectClrLst/>
+    <dgm:txLinClrLst/>
+    <dgm:txFillClrLst/>
+    <dgm:txEffectClrLst/>
+  </dgm:styleLbl>
+  <dgm:styleLbl name="parChTrans2D4">
+    <dgm:fillClrLst meth="repeat">
+      <a:schemeClr val="accent2">
+        <a:tint val="50000"/>
+      </a:schemeClr>
+    </dgm:fillClrLst>
+    <dgm:linClrLst meth="repeat">
+      <a:schemeClr val="accent2">
+        <a:tint val="50000"/>
+      </a:schemeClr>
+    </dgm:linClrLst>
+    <dgm:effectClrLst/>
+    <dgm:txLinClrLst/>
+    <dgm:txFillClrLst meth="repeat">
+      <a:schemeClr val="dk1"/>
+    </dgm:txFillClrLst>
+    <dgm:txEffectClrLst/>
+  </dgm:styleLbl>
+  <dgm:styleLbl name="parChTrans1D1">
+    <dgm:fillClrLst meth="repeat">
+      <a:schemeClr val="accent2">
+        <a:shade val="80000"/>
+      </a:schemeClr>
+    </dgm:fillClrLst>
+    <dgm:linClrLst meth="repeat">
+      <a:schemeClr val="accent2">
+        <a:shade val="80000"/>
+      </a:schemeClr>
+    </dgm:linClrLst>
+    <dgm:effectClrLst/>
+    <dgm:txLinClrLst/>
+    <dgm:txFillClrLst meth="repeat">
+      <a:schemeClr val="tx1"/>
+    </dgm:txFillClrLst>
+    <dgm:txEffectClrLst/>
+  </dgm:styleLbl>
+  <dgm:styleLbl name="parChTrans1D2">
+    <dgm:fillClrLst meth="repeat">
+      <a:schemeClr val="accent2">
+        <a:tint val="90000"/>
+      </a:schemeClr>
+    </dgm:fillClrLst>
+    <dgm:linClrLst meth="repeat">
+      <a:schemeClr val="accent2">
+        <a:tint val="90000"/>
+      </a:schemeClr>
+    </dgm:linClrLst>
+    <dgm:effectClrLst/>
+    <dgm:txLinClrLst/>
+    <dgm:txFillClrLst meth="repeat">
+      <a:schemeClr val="tx1"/>
+    </dgm:txFillClrLst>
+    <dgm:txEffectClrLst/>
+  </dgm:styleLbl>
+  <dgm:styleLbl name="parChTrans1D3">
+    <dgm:fillClrLst meth="repeat">
+      <a:schemeClr val="accent2">
+        <a:tint val="70000"/>
+      </a:schemeClr>
+    </dgm:fillClrLst>
+    <dgm:linClrLst meth="repeat">
+      <a:schemeClr val="accent2">
+        <a:tint val="70000"/>
+      </a:schemeClr>
+    </dgm:linClrLst>
+    <dgm:effectClrLst/>
+    <dgm:txLinClrLst/>
+    <dgm:txFillClrLst meth="repeat">
+      <a:schemeClr val="tx1"/>
+    </dgm:txFillClrLst>
+    <dgm:txEffectClrLst/>
+  </dgm:styleLbl>
+  <dgm:styleLbl name="parChTrans1D4">
+    <dgm:fillClrLst meth="repeat">
+      <a:schemeClr val="accent2">
+        <a:tint val="50000"/>
+      </a:schemeClr>
+    </dgm:fillClrLst>
+    <dgm:linClrLst meth="repeat">
+      <a:schemeClr val="accent2">
+        <a:tint val="50000"/>
+      </a:schemeClr>
+    </dgm:linClrLst>
+    <dgm:effectClrLst/>
+    <dgm:txLinClrLst/>
+    <dgm:txFillClrLst meth="repeat">
+      <a:schemeClr val="tx1"/>
+    </dgm:txFillClrLst>
+    <dgm:txEffectClrLst/>
+  </dgm:styleLbl>
+  <dgm:styleLbl name="fgAcc1">
+    <dgm:fillClrLst meth="repeat">
+      <a:schemeClr val="lt1">
+        <a:alpha val="90000"/>
+      </a:schemeClr>
+    </dgm:fillClrLst>
+    <dgm:linClrLst meth="cycle">
+      <a:schemeClr val="accent2">
+        <a:shade val="50000"/>
+      </a:schemeClr>
+      <a:schemeClr val="accent2">
+        <a:tint val="55000"/>
+      </a:schemeClr>
+    </dgm:linClrLst>
+    <dgm:effectClrLst/>
+    <dgm:txLinClrLst/>
+    <dgm:txFillClrLst meth="repeat">
+      <a:schemeClr val="dk1"/>
+    </dgm:txFillClrLst>
+    <dgm:txEffectClrLst/>
+  </dgm:styleLbl>
+  <dgm:styleLbl name="conFgAcc1">
+    <dgm:fillClrLst meth="repeat">
+      <a:schemeClr val="lt1">
+        <a:alpha val="90000"/>
+      </a:schemeClr>
+    </dgm:fillClrLst>
+    <dgm:linClrLst meth="cycle">
+      <a:schemeClr val="accent2">
+        <a:shade val="50000"/>
+      </a:schemeClr>
+      <a:schemeClr val="accent2">
+        <a:tint val="55000"/>
+      </a:schemeClr>
+    </dgm:linClrLst>
+    <dgm:effectClrLst/>
+    <dgm:txLinClrLst/>
+    <dgm:txFillClrLst meth="repeat">
+      <a:schemeClr val="dk1"/>
+    </dgm:txFillClrLst>
+    <dgm:txEffectClrLst/>
+  </dgm:styleLbl>
+  <dgm:styleLbl name="alignAcc1">
+    <dgm:fillClrLst meth="repeat">
+      <a:schemeClr val="lt1">
+        <a:alpha val="90000"/>
+      </a:schemeClr>
+    </dgm:fillClrLst>
+    <dgm:linClrLst meth="cycle">
+      <a:schemeClr val="accent2">
+        <a:shade val="50000"/>
+      </a:schemeClr>
+      <a:schemeClr val="accent2">
+        <a:tint val="55000"/>
+      </a:schemeClr>
+    </dgm:linClrLst>
+    <dgm:effectClrLst/>
+    <dgm:txLinClrLst/>
+    <dgm:txFillClrLst meth="repeat">
+      <a:schemeClr val="dk1"/>
+    </dgm:txFillClrLst>
+    <dgm:txEffectClrLst/>
+  </dgm:styleLbl>
+  <dgm:styleLbl name="trAlignAcc1">
+    <dgm:fillClrLst meth="repeat">
+      <a:schemeClr val="lt1">
+        <a:alpha val="55000"/>
+      </a:schemeClr>
+    </dgm:fillClrLst>
+    <dgm:linClrLst meth="repeat">
+      <a:schemeClr val="accent2"/>
+    </dgm:linClrLst>
+    <dgm:effectClrLst/>
+    <dgm:txLinClrLst/>
+    <dgm:txFillClrLst meth="repeat">
+      <a:schemeClr val="dk1"/>
+    </dgm:txFillClrLst>
+    <dgm:txEffectClrLst/>
+  </dgm:styleLbl>
+  <dgm:styleLbl name="bgAcc1">
+    <dgm:fillClrLst meth="repeat">
+      <a:schemeClr val="lt1">
+        <a:alpha val="90000"/>
+      </a:schemeClr>
+    </dgm:fillClrLst>
+    <dgm:linClrLst meth="cycle">
+      <a:schemeClr val="accent2">
+        <a:shade val="50000"/>
+      </a:schemeClr>
+      <a:schemeClr val="accent2">
+        <a:tint val="55000"/>
+      </a:schemeClr>
+    </dgm:linClrLst>
+    <dgm:effectClrLst/>
+    <dgm:txLinClrLst/>
+    <dgm:txFillClrLst meth="repeat">
+      <a:schemeClr val="dk1"/>
+    </dgm:txFillClrLst>
+    <dgm:txEffectClrLst/>
+  </dgm:styleLbl>
+  <dgm:styleLbl name="solidFgAcc1">
+    <dgm:fillClrLst meth="repeat">
+      <a:schemeClr val="lt1"/>
+    </dgm:fillClrLst>
+    <dgm:linClrLst meth="cycle">
+      <a:schemeClr val="accent2">
+        <a:shade val="50000"/>
+      </a:schemeClr>
+      <a:schemeClr val="accent2">
+        <a:tint val="55000"/>
+      </a:schemeClr>
+    </dgm:linClrLst>
+    <dgm:effectClrLst/>
+    <dgm:txLinClrLst/>
+    <dgm:txFillClrLst meth="repeat">
+      <a:schemeClr val="dk1"/>
+    </dgm:txFillClrLst>
+    <dgm:txEffectClrLst/>
+  </dgm:styleLbl>
+  <dgm:styleLbl name="solidAlignAcc1">
+    <dgm:fillClrLst meth="repeat">
+      <a:schemeClr val="lt1"/>
+    </dgm:fillClrLst>
+    <dgm:linClrLst meth="repeat">
+      <a:schemeClr val="accent2"/>
+    </dgm:linClrLst>
+    <dgm:effectClrLst/>
+    <dgm:txLinClrLst/>
+    <dgm:txFillClrLst meth="repeat">
+      <a:schemeClr val="dk1"/>
+    </dgm:txFillClrLst>
+    <dgm:txEffectClrLst/>
+  </dgm:styleLbl>
+  <dgm:styleLbl name="solidBgAcc1">
+    <dgm:fillClrLst meth="repeat">
+      <a:schemeClr val="lt1"/>
+    </dgm:fillClrLst>
+    <dgm:linClrLst meth="repeat">
+      <a:schemeClr val="accent2"/>
+    </dgm:linClrLst>
+    <dgm:effectClrLst/>
+    <dgm:txLinClrLst/>
+    <dgm:txFillClrLst meth="repeat">
+      <a:schemeClr val="dk1"/>
+    </dgm:txFillClrLst>
+    <dgm:txEffectClrLst/>
+  </dgm:styleLbl>
+  <dgm:styleLbl name="fgAccFollowNode1">
+    <dgm:fillClrLst meth="repeat">
+      <a:schemeClr val="accent2">
+        <a:alpha val="90000"/>
+        <a:tint val="55000"/>
+      </a:schemeClr>
+    </dgm:fillClrLst>
+    <dgm:linClrLst meth="repeat">
+      <a:schemeClr val="accent2">
+        <a:alpha val="90000"/>
+        <a:tint val="55000"/>
+      </a:schemeClr>
+    </dgm:linClrLst>
+    <dgm:effectClrLst/>
+    <dgm:txLinClrLst/>
+    <dgm:txFillClrLst meth="repeat">
+      <a:schemeClr val="dk1"/>
+    </dgm:txFillClrLst>
+    <dgm:txEffectClrLst/>
+  </dgm:styleLbl>
+  <dgm:styleLbl name="alignAccFollowNode1">
+    <dgm:fillClrLst meth="repeat">
+      <a:schemeClr val="accent2">
+        <a:alpha val="90000"/>
+        <a:tint val="55000"/>
+      </a:schemeClr>
+    </dgm:fillClrLst>
+    <dgm:linClrLst meth="repeat">
+      <a:schemeClr val="accent2">
+        <a:alpha val="90000"/>
+        <a:tint val="55000"/>
+      </a:schemeClr>
+    </dgm:linClrLst>
+    <dgm:effectClrLst/>
+    <dgm:txLinClrLst/>
+    <dgm:txFillClrLst meth="repeat">
+      <a:schemeClr val="dk1"/>
+    </dgm:txFillClrLst>
+    <dgm:txEffectClrLst/>
+  </dgm:styleLbl>
+  <dgm:styleLbl name="bgAccFollowNode1">
+    <dgm:fillClrLst meth="repeat">
+      <a:schemeClr val="accent2">
+        <a:alpha val="90000"/>
+        <a:tint val="55000"/>
+      </a:schemeClr>
+    </dgm:fillClrLst>
+    <dgm:linClrLst meth="repeat">
+      <a:schemeClr val="lt1"/>
+    </dgm:linClrLst>
+    <dgm:effectClrLst/>
+    <dgm:txLinClrLst/>
+    <dgm:txFillClrLst meth="repeat">
+      <a:schemeClr val="dk1"/>
+    </dgm:txFillClrLst>
+    <dgm:txEffectClrLst/>
+  </dgm:styleLbl>
+  <dgm:styleLbl name="fgAcc0">
+    <dgm:fillClrLst meth="repeat">
+      <a:schemeClr val="lt1">
+        <a:alpha val="90000"/>
+      </a:schemeClr>
+    </dgm:fillClrLst>
+    <dgm:linClrLst meth="repeat">
+      <a:schemeClr val="accent2">
+        <a:shade val="80000"/>
+      </a:schemeClr>
+    </dgm:linClrLst>
+    <dgm:effectClrLst/>
+    <dgm:txLinClrLst/>
+    <dgm:txFillClrLst meth="repeat">
+      <a:schemeClr val="dk1"/>
+    </dgm:txFillClrLst>
+    <dgm:txEffectClrLst/>
+  </dgm:styleLbl>
+  <dgm:styleLbl name="fgAcc2">
+    <dgm:fillClrLst meth="repeat">
+      <a:schemeClr val="lt1">
+        <a:alpha val="90000"/>
+      </a:schemeClr>
+    </dgm:fillClrLst>
+    <dgm:linClrLst meth="repeat">
+      <a:schemeClr val="accent2">
+        <a:tint val="90000"/>
+      </a:schemeClr>
+    </dgm:linClrLst>
+    <dgm:effectClrLst/>
+    <dgm:txLinClrLst/>
+    <dgm:txFillClrLst meth="repeat">
+      <a:schemeClr val="dk1"/>
+    </dgm:txFillClrLst>
+    <dgm:txEffectClrLst/>
+  </dgm:styleLbl>
+  <dgm:styleLbl name="fgAcc3">
+    <dgm:fillClrLst meth="repeat">
+      <a:schemeClr val="lt1">
+        <a:alpha val="90000"/>
+      </a:schemeClr>
+    </dgm:fillClrLst>
+    <dgm:linClrLst meth="repeat">
+      <a:schemeClr val="accent2">
+        <a:tint val="70000"/>
+      </a:schemeClr>
+    </dgm:linClrLst>
+    <dgm:effectClrLst/>
+    <dgm:txLinClrLst/>
+    <dgm:txFillClrLst meth="repeat">
+      <a:schemeClr val="dk1"/>
+    </dgm:txFillClrLst>
+    <dgm:txEffectClrLst/>
+  </dgm:styleLbl>
+  <dgm:styleLbl name="fgAcc4">
+    <dgm:fillClrLst meth="repeat">
+      <a:schemeClr val="lt1">
+        <a:alpha val="90000"/>
+      </a:schemeClr>
+    </dgm:fillClrLst>
+    <dgm:linClrLst meth="repeat">
+      <a:schemeClr val="accent2">
+        <a:tint val="50000"/>
+      </a:schemeClr>
+    </dgm:linClrLst>
+    <dgm:effectClrLst/>
+    <dgm:txLinClrLst/>
+    <dgm:txFillClrLst meth="repeat">
+      <a:schemeClr val="dk1"/>
+    </dgm:txFillClrLst>
+    <dgm:txEffectClrLst/>
+  </dgm:styleLbl>
+  <dgm:styleLbl name="bgShp">
+    <dgm:fillClrLst meth="repeat">
+      <a:schemeClr val="accent2">
+        <a:tint val="55000"/>
+      </a:schemeClr>
+    </dgm:fillClrLst>
+    <dgm:linClrLst meth="repeat">
+      <a:schemeClr val="dk1"/>
+    </dgm:linClrLst>
+    <dgm:effectClrLst/>
+    <dgm:txLinClrLst/>
+    <dgm:txFillClrLst meth="repeat">
+      <a:schemeClr val="dk1"/>
+    </dgm:txFillClrLst>
+    <dgm:txEffectClrLst/>
+  </dgm:styleLbl>
+  <dgm:styleLbl name="dkBgShp">
+    <dgm:fillClrLst meth="repeat">
+      <a:schemeClr val="accent2">
+        <a:shade val="90000"/>
+      </a:schemeClr>
+    </dgm:fillClrLst>
+    <dgm:linClrLst meth="repeat">
+      <a:schemeClr val="dk1"/>
+    </dgm:linClrLst>
+    <dgm:effectClrLst/>
+    <dgm:txLinClrLst/>
+    <dgm:txFillClrLst meth="repeat">
+      <a:schemeClr val="lt1"/>
+    </dgm:txFillClrLst>
+    <dgm:txEffectClrLst/>
+  </dgm:styleLbl>
+  <dgm:styleLbl name="trBgShp">
+    <dgm:fillClrLst meth="repeat">
+      <a:schemeClr val="accent2">
+        <a:tint val="50000"/>
+        <a:alpha val="55000"/>
+      </a:schemeClr>
+    </dgm:fillClrLst>
+    <dgm:linClrLst meth="repeat">
+      <a:schemeClr val="accent2"/>
+    </dgm:linClrLst>
+    <dgm:effectClrLst/>
+    <dgm:txLinClrLst/>
+    <dgm:txFillClrLst meth="repeat">
+      <a:schemeClr val="lt1"/>
+    </dgm:txFillClrLst>
+    <dgm:txEffectClrLst/>
+  </dgm:styleLbl>
+  <dgm:styleLbl name="fgShp">
+    <dgm:fillClrLst meth="repeat">
+      <a:schemeClr val="accent2">
+        <a:tint val="55000"/>
       </a:schemeClr>
     </dgm:fillClrLst>
     <dgm:linClrLst meth="repeat">
@@ -1651,6 +2520,413 @@
     </a:ext>
     <a:ext uri="{C62137D5-CB1D-491B-B009-E17868A290BF}">
       <dgm14:recolorImg xmlns:dgm14="http://schemas.microsoft.com/office/drawing/2010/diagram" val="1"/>
+    </a:ext>
+  </dgm:extLst>
+</dgm:dataModel>
+</file>
+
+<file path=ppt/diagrams/data2.xml><?xml version="1.0" encoding="utf-8"?>
+<dgm:dataModel xmlns:dgm="http://schemas.openxmlformats.org/drawingml/2006/diagram" xmlns:a="http://schemas.openxmlformats.org/drawingml/2006/main">
+  <dgm:ptLst>
+    <dgm:pt modelId="{9743DA5B-7A07-4BF8-B155-C2826EC5D1A1}" type="doc">
+      <dgm:prSet loTypeId="urn:microsoft.com/office/officeart/2008/layout/HalfCircleOrganizationChart" loCatId="hierarchy" qsTypeId="urn:microsoft.com/office/officeart/2005/8/quickstyle/3d3" qsCatId="3D" csTypeId="urn:microsoft.com/office/officeart/2005/8/colors/accent2_4" csCatId="accent2" phldr="1"/>
+      <dgm:spPr/>
+      <dgm:t>
+        <a:bodyPr/>
+        <a:lstStyle/>
+        <a:p>
+          <a:endParaRPr lang="en-US"/>
+        </a:p>
+      </dgm:t>
+    </dgm:pt>
+    <dgm:pt modelId="{1C5A101F-3650-4994-A079-19FE63035558}">
+      <dgm:prSet phldrT="[Text]"/>
+      <dgm:spPr/>
+      <dgm:t>
+        <a:bodyPr/>
+        <a:lstStyle/>
+        <a:p>
+          <a:r>
+            <a:rPr lang="en-US" dirty="0"/>
+            <a:t>Collection of Images</a:t>
+          </a:r>
+        </a:p>
+      </dgm:t>
+    </dgm:pt>
+    <dgm:pt modelId="{EE4D215A-5DB5-4541-B4A1-022BADD49E08}" type="parTrans" cxnId="{8C9FCEEA-5CB4-438F-9EA8-561DD0A3B9AF}">
+      <dgm:prSet/>
+      <dgm:spPr/>
+      <dgm:t>
+        <a:bodyPr/>
+        <a:lstStyle/>
+        <a:p>
+          <a:endParaRPr lang="en-US"/>
+        </a:p>
+      </dgm:t>
+    </dgm:pt>
+    <dgm:pt modelId="{A373A579-9FA6-40B6-9A3F-7DE258DFB30A}" type="sibTrans" cxnId="{8C9FCEEA-5CB4-438F-9EA8-561DD0A3B9AF}">
+      <dgm:prSet/>
+      <dgm:spPr/>
+      <dgm:t>
+        <a:bodyPr/>
+        <a:lstStyle/>
+        <a:p>
+          <a:endParaRPr lang="en-US"/>
+        </a:p>
+      </dgm:t>
+    </dgm:pt>
+    <dgm:pt modelId="{5FBBDFB9-BBF3-4ECA-94B4-E72A2192CEC9}">
+      <dgm:prSet phldrT="[Text]"/>
+      <dgm:spPr/>
+      <dgm:t>
+        <a:bodyPr/>
+        <a:lstStyle/>
+        <a:p>
+          <a:r>
+            <a:rPr lang="en-US" dirty="0"/>
+            <a:t>Male</a:t>
+          </a:r>
+        </a:p>
+      </dgm:t>
+    </dgm:pt>
+    <dgm:pt modelId="{98A9630A-32CA-4E15-93AB-82711BCE6C62}" type="parTrans" cxnId="{BCD49A5F-5E0B-40F5-91A1-E82111B57CF0}">
+      <dgm:prSet/>
+      <dgm:spPr/>
+      <dgm:t>
+        <a:bodyPr/>
+        <a:lstStyle/>
+        <a:p>
+          <a:endParaRPr lang="en-US"/>
+        </a:p>
+      </dgm:t>
+    </dgm:pt>
+    <dgm:pt modelId="{6A9E5AEA-17C0-4225-B094-A52B1C2904EB}" type="sibTrans" cxnId="{BCD49A5F-5E0B-40F5-91A1-E82111B57CF0}">
+      <dgm:prSet/>
+      <dgm:spPr/>
+      <dgm:t>
+        <a:bodyPr/>
+        <a:lstStyle/>
+        <a:p>
+          <a:endParaRPr lang="en-US"/>
+        </a:p>
+      </dgm:t>
+    </dgm:pt>
+    <dgm:pt modelId="{4AE01A7D-585E-4F04-853D-28FB60FB0B9D}">
+      <dgm:prSet phldrT="[Text]"/>
+      <dgm:spPr/>
+      <dgm:t>
+        <a:bodyPr/>
+        <a:lstStyle/>
+        <a:p>
+          <a:r>
+            <a:rPr lang="en-US" dirty="0"/>
+            <a:t>Female</a:t>
+          </a:r>
+        </a:p>
+      </dgm:t>
+    </dgm:pt>
+    <dgm:pt modelId="{2D048B49-12CE-40D0-A621-0BC3FB85A7C6}" type="parTrans" cxnId="{BF504077-B8BF-4EF3-AC73-599DE8080E2E}">
+      <dgm:prSet/>
+      <dgm:spPr/>
+      <dgm:t>
+        <a:bodyPr/>
+        <a:lstStyle/>
+        <a:p>
+          <a:endParaRPr lang="en-US"/>
+        </a:p>
+      </dgm:t>
+    </dgm:pt>
+    <dgm:pt modelId="{C8628563-E62E-42B2-AC5D-0307D35AB54D}" type="sibTrans" cxnId="{BF504077-B8BF-4EF3-AC73-599DE8080E2E}">
+      <dgm:prSet/>
+      <dgm:spPr/>
+      <dgm:t>
+        <a:bodyPr/>
+        <a:lstStyle/>
+        <a:p>
+          <a:endParaRPr lang="en-US"/>
+        </a:p>
+      </dgm:t>
+    </dgm:pt>
+    <dgm:pt modelId="{7B7FE1AD-C5EC-4267-98A2-4013D6A8B21E}" type="asst">
+      <dgm:prSet phldrT="[Text]"/>
+      <dgm:spPr/>
+      <dgm:t>
+        <a:bodyPr/>
+        <a:lstStyle/>
+        <a:p>
+          <a:r>
+            <a:rPr lang="en-US" dirty="0"/>
+            <a:t>Filter ‘Age’ group from 20 to 70</a:t>
+          </a:r>
+        </a:p>
+      </dgm:t>
+    </dgm:pt>
+    <dgm:pt modelId="{DBFA612C-8B87-483C-97A7-CF6969970AA2}" type="sibTrans" cxnId="{7FCDB06C-DA9C-42E1-B915-CC3A7430CD77}">
+      <dgm:prSet/>
+      <dgm:spPr/>
+      <dgm:t>
+        <a:bodyPr/>
+        <a:lstStyle/>
+        <a:p>
+          <a:endParaRPr lang="en-US"/>
+        </a:p>
+      </dgm:t>
+    </dgm:pt>
+    <dgm:pt modelId="{65A0B482-A03A-4A4D-9496-69D94606EA38}" type="parTrans" cxnId="{7FCDB06C-DA9C-42E1-B915-CC3A7430CD77}">
+      <dgm:prSet/>
+      <dgm:spPr/>
+      <dgm:t>
+        <a:bodyPr/>
+        <a:lstStyle/>
+        <a:p>
+          <a:endParaRPr lang="en-US"/>
+        </a:p>
+      </dgm:t>
+    </dgm:pt>
+    <dgm:pt modelId="{52B35055-C241-4042-91DF-65EA77D220D4}" type="pres">
+      <dgm:prSet presAssocID="{9743DA5B-7A07-4BF8-B155-C2826EC5D1A1}" presName="Name0" presStyleCnt="0">
+        <dgm:presLayoutVars>
+          <dgm:orgChart val="1"/>
+          <dgm:chPref val="1"/>
+          <dgm:dir/>
+          <dgm:animOne val="branch"/>
+          <dgm:animLvl val="lvl"/>
+          <dgm:resizeHandles/>
+        </dgm:presLayoutVars>
+      </dgm:prSet>
+      <dgm:spPr/>
+    </dgm:pt>
+    <dgm:pt modelId="{8B94182B-35C1-4847-B253-B6AB99057E1F}" type="pres">
+      <dgm:prSet presAssocID="{1C5A101F-3650-4994-A079-19FE63035558}" presName="hierRoot1" presStyleCnt="0">
+        <dgm:presLayoutVars>
+          <dgm:hierBranch val="init"/>
+        </dgm:presLayoutVars>
+      </dgm:prSet>
+      <dgm:spPr/>
+    </dgm:pt>
+    <dgm:pt modelId="{8DF2A16D-3DCC-4732-BA8A-484DAEC2766E}" type="pres">
+      <dgm:prSet presAssocID="{1C5A101F-3650-4994-A079-19FE63035558}" presName="rootComposite1" presStyleCnt="0"/>
+      <dgm:spPr/>
+    </dgm:pt>
+    <dgm:pt modelId="{F4837BEC-2569-4146-87FB-67F0490BA5AA}" type="pres">
+      <dgm:prSet presAssocID="{1C5A101F-3650-4994-A079-19FE63035558}" presName="rootText1" presStyleLbl="alignAcc1" presStyleIdx="0" presStyleCnt="0">
+        <dgm:presLayoutVars>
+          <dgm:chPref val="3"/>
+        </dgm:presLayoutVars>
+      </dgm:prSet>
+      <dgm:spPr/>
+    </dgm:pt>
+    <dgm:pt modelId="{7F28030A-5388-409A-9D38-8FC7F72B6D65}" type="pres">
+      <dgm:prSet presAssocID="{1C5A101F-3650-4994-A079-19FE63035558}" presName="topArc1" presStyleLbl="parChTrans1D1" presStyleIdx="0" presStyleCnt="8"/>
+      <dgm:spPr/>
+    </dgm:pt>
+    <dgm:pt modelId="{A779663E-9523-4BB1-A6ED-EFED650C15F5}" type="pres">
+      <dgm:prSet presAssocID="{1C5A101F-3650-4994-A079-19FE63035558}" presName="bottomArc1" presStyleLbl="parChTrans1D1" presStyleIdx="1" presStyleCnt="8"/>
+      <dgm:spPr/>
+    </dgm:pt>
+    <dgm:pt modelId="{8B4584A8-87D2-4B09-80EA-5BCC598A96D4}" type="pres">
+      <dgm:prSet presAssocID="{1C5A101F-3650-4994-A079-19FE63035558}" presName="topConnNode1" presStyleLbl="node1" presStyleIdx="0" presStyleCnt="0"/>
+      <dgm:spPr/>
+    </dgm:pt>
+    <dgm:pt modelId="{72C53818-FCEA-4170-8E4D-F3100CDA9D54}" type="pres">
+      <dgm:prSet presAssocID="{1C5A101F-3650-4994-A079-19FE63035558}" presName="hierChild2" presStyleCnt="0"/>
+      <dgm:spPr/>
+    </dgm:pt>
+    <dgm:pt modelId="{E9D59613-C1ED-42C8-A18E-4D22D2C00712}" type="pres">
+      <dgm:prSet presAssocID="{98A9630A-32CA-4E15-93AB-82711BCE6C62}" presName="Name28" presStyleLbl="parChTrans1D2" presStyleIdx="0" presStyleCnt="3"/>
+      <dgm:spPr/>
+    </dgm:pt>
+    <dgm:pt modelId="{B047EAE3-1B47-4FF3-96DB-36BF19FF7E48}" type="pres">
+      <dgm:prSet presAssocID="{5FBBDFB9-BBF3-4ECA-94B4-E72A2192CEC9}" presName="hierRoot2" presStyleCnt="0">
+        <dgm:presLayoutVars>
+          <dgm:hierBranch val="init"/>
+        </dgm:presLayoutVars>
+      </dgm:prSet>
+      <dgm:spPr/>
+    </dgm:pt>
+    <dgm:pt modelId="{1308D0DA-DE4D-4042-959C-46E92539EB67}" type="pres">
+      <dgm:prSet presAssocID="{5FBBDFB9-BBF3-4ECA-94B4-E72A2192CEC9}" presName="rootComposite2" presStyleCnt="0"/>
+      <dgm:spPr/>
+    </dgm:pt>
+    <dgm:pt modelId="{73158F17-7167-41A3-B2E6-578DD2DAB482}" type="pres">
+      <dgm:prSet presAssocID="{5FBBDFB9-BBF3-4ECA-94B4-E72A2192CEC9}" presName="rootText2" presStyleLbl="alignAcc1" presStyleIdx="0" presStyleCnt="0">
+        <dgm:presLayoutVars>
+          <dgm:chPref val="3"/>
+        </dgm:presLayoutVars>
+      </dgm:prSet>
+      <dgm:spPr/>
+    </dgm:pt>
+    <dgm:pt modelId="{DE490BFD-66B7-47D0-AE2F-B6267E21E90B}" type="pres">
+      <dgm:prSet presAssocID="{5FBBDFB9-BBF3-4ECA-94B4-E72A2192CEC9}" presName="topArc2" presStyleLbl="parChTrans1D1" presStyleIdx="2" presStyleCnt="8"/>
+      <dgm:spPr/>
+    </dgm:pt>
+    <dgm:pt modelId="{976B8EB1-2CC0-46E8-999C-5D2D60F9EAA4}" type="pres">
+      <dgm:prSet presAssocID="{5FBBDFB9-BBF3-4ECA-94B4-E72A2192CEC9}" presName="bottomArc2" presStyleLbl="parChTrans1D1" presStyleIdx="3" presStyleCnt="8"/>
+      <dgm:spPr/>
+    </dgm:pt>
+    <dgm:pt modelId="{DF13B161-AAFA-4ABD-BC84-CDBC7BECC55C}" type="pres">
+      <dgm:prSet presAssocID="{5FBBDFB9-BBF3-4ECA-94B4-E72A2192CEC9}" presName="topConnNode2" presStyleLbl="node2" presStyleIdx="0" presStyleCnt="0"/>
+      <dgm:spPr/>
+    </dgm:pt>
+    <dgm:pt modelId="{F542DCEA-9F55-4BFF-A6F4-11C6EF2EA87B}" type="pres">
+      <dgm:prSet presAssocID="{5FBBDFB9-BBF3-4ECA-94B4-E72A2192CEC9}" presName="hierChild4" presStyleCnt="0"/>
+      <dgm:spPr/>
+    </dgm:pt>
+    <dgm:pt modelId="{C4791FA8-8977-473B-9111-5C977EEC7544}" type="pres">
+      <dgm:prSet presAssocID="{5FBBDFB9-BBF3-4ECA-94B4-E72A2192CEC9}" presName="hierChild5" presStyleCnt="0"/>
+      <dgm:spPr/>
+    </dgm:pt>
+    <dgm:pt modelId="{D7BBF33A-A29B-4AD1-BC59-51FC26118CEA}" type="pres">
+      <dgm:prSet presAssocID="{2D048B49-12CE-40D0-A621-0BC3FB85A7C6}" presName="Name28" presStyleLbl="parChTrans1D2" presStyleIdx="1" presStyleCnt="3"/>
+      <dgm:spPr/>
+    </dgm:pt>
+    <dgm:pt modelId="{82706E0D-FF6B-461F-8C9D-9CBD68027D9E}" type="pres">
+      <dgm:prSet presAssocID="{4AE01A7D-585E-4F04-853D-28FB60FB0B9D}" presName="hierRoot2" presStyleCnt="0">
+        <dgm:presLayoutVars>
+          <dgm:hierBranch val="init"/>
+        </dgm:presLayoutVars>
+      </dgm:prSet>
+      <dgm:spPr/>
+    </dgm:pt>
+    <dgm:pt modelId="{00234403-8D40-4503-B906-1138C500A707}" type="pres">
+      <dgm:prSet presAssocID="{4AE01A7D-585E-4F04-853D-28FB60FB0B9D}" presName="rootComposite2" presStyleCnt="0"/>
+      <dgm:spPr/>
+    </dgm:pt>
+    <dgm:pt modelId="{5BEE86AC-421F-4D02-B3F1-F34D827C7343}" type="pres">
+      <dgm:prSet presAssocID="{4AE01A7D-585E-4F04-853D-28FB60FB0B9D}" presName="rootText2" presStyleLbl="alignAcc1" presStyleIdx="0" presStyleCnt="0">
+        <dgm:presLayoutVars>
+          <dgm:chPref val="3"/>
+        </dgm:presLayoutVars>
+      </dgm:prSet>
+      <dgm:spPr/>
+    </dgm:pt>
+    <dgm:pt modelId="{9549B647-EF19-4FB8-88BF-8E4B47D75C5B}" type="pres">
+      <dgm:prSet presAssocID="{4AE01A7D-585E-4F04-853D-28FB60FB0B9D}" presName="topArc2" presStyleLbl="parChTrans1D1" presStyleIdx="4" presStyleCnt="8"/>
+      <dgm:spPr/>
+    </dgm:pt>
+    <dgm:pt modelId="{9432E752-7A30-4180-87F0-86605C7466E0}" type="pres">
+      <dgm:prSet presAssocID="{4AE01A7D-585E-4F04-853D-28FB60FB0B9D}" presName="bottomArc2" presStyleLbl="parChTrans1D1" presStyleIdx="5" presStyleCnt="8"/>
+      <dgm:spPr/>
+    </dgm:pt>
+    <dgm:pt modelId="{DDAE4C00-46FD-43C3-B252-E5694547A6E4}" type="pres">
+      <dgm:prSet presAssocID="{4AE01A7D-585E-4F04-853D-28FB60FB0B9D}" presName="topConnNode2" presStyleLbl="node2" presStyleIdx="0" presStyleCnt="0"/>
+      <dgm:spPr/>
+    </dgm:pt>
+    <dgm:pt modelId="{810A1D44-C51A-4170-AD1C-EAE451C31DED}" type="pres">
+      <dgm:prSet presAssocID="{4AE01A7D-585E-4F04-853D-28FB60FB0B9D}" presName="hierChild4" presStyleCnt="0"/>
+      <dgm:spPr/>
+    </dgm:pt>
+    <dgm:pt modelId="{C15ECC88-4173-426C-8603-8E2203BAF9A4}" type="pres">
+      <dgm:prSet presAssocID="{4AE01A7D-585E-4F04-853D-28FB60FB0B9D}" presName="hierChild5" presStyleCnt="0"/>
+      <dgm:spPr/>
+    </dgm:pt>
+    <dgm:pt modelId="{892BE8B8-23D9-4328-B7E6-42B6D2F6658C}" type="pres">
+      <dgm:prSet presAssocID="{1C5A101F-3650-4994-A079-19FE63035558}" presName="hierChild3" presStyleCnt="0"/>
+      <dgm:spPr/>
+    </dgm:pt>
+    <dgm:pt modelId="{5FFAA37F-836C-4657-9EFF-5071135DDD61}" type="pres">
+      <dgm:prSet presAssocID="{65A0B482-A03A-4A4D-9496-69D94606EA38}" presName="Name101" presStyleLbl="parChTrans1D2" presStyleIdx="2" presStyleCnt="3"/>
+      <dgm:spPr/>
+    </dgm:pt>
+    <dgm:pt modelId="{B7F7EFF5-9AF3-4016-B9CF-A9BD8A27DEEE}" type="pres">
+      <dgm:prSet presAssocID="{7B7FE1AD-C5EC-4267-98A2-4013D6A8B21E}" presName="hierRoot3" presStyleCnt="0">
+        <dgm:presLayoutVars>
+          <dgm:hierBranch val="init"/>
+        </dgm:presLayoutVars>
+      </dgm:prSet>
+      <dgm:spPr/>
+    </dgm:pt>
+    <dgm:pt modelId="{09D85683-524A-44FC-8EFB-6AD131489745}" type="pres">
+      <dgm:prSet presAssocID="{7B7FE1AD-C5EC-4267-98A2-4013D6A8B21E}" presName="rootComposite3" presStyleCnt="0"/>
+      <dgm:spPr/>
+    </dgm:pt>
+    <dgm:pt modelId="{672E1600-7C89-4BF1-9CE7-7117309B94E7}" type="pres">
+      <dgm:prSet presAssocID="{7B7FE1AD-C5EC-4267-98A2-4013D6A8B21E}" presName="rootText3" presStyleLbl="alignAcc1" presStyleIdx="0" presStyleCnt="0" custLinFactX="10942" custLinFactNeighborX="100000" custLinFactNeighborY="-33275">
+        <dgm:presLayoutVars>
+          <dgm:chPref val="3"/>
+        </dgm:presLayoutVars>
+      </dgm:prSet>
+      <dgm:spPr/>
+    </dgm:pt>
+    <dgm:pt modelId="{EEFAA56D-857C-4C5D-A686-7450CB1A6C2A}" type="pres">
+      <dgm:prSet presAssocID="{7B7FE1AD-C5EC-4267-98A2-4013D6A8B21E}" presName="topArc3" presStyleLbl="parChTrans1D1" presStyleIdx="6" presStyleCnt="8"/>
+      <dgm:spPr/>
+    </dgm:pt>
+    <dgm:pt modelId="{FF42ED11-905B-4361-A372-A52DAFEF3A23}" type="pres">
+      <dgm:prSet presAssocID="{7B7FE1AD-C5EC-4267-98A2-4013D6A8B21E}" presName="bottomArc3" presStyleLbl="parChTrans1D1" presStyleIdx="7" presStyleCnt="8"/>
+      <dgm:spPr/>
+    </dgm:pt>
+    <dgm:pt modelId="{A92E6155-67C8-4567-9529-A3A08A87C90E}" type="pres">
+      <dgm:prSet presAssocID="{7B7FE1AD-C5EC-4267-98A2-4013D6A8B21E}" presName="topConnNode3" presStyleLbl="asst1" presStyleIdx="0" presStyleCnt="0"/>
+      <dgm:spPr/>
+    </dgm:pt>
+    <dgm:pt modelId="{897D66FD-E55F-4492-A585-AB1EA3A79088}" type="pres">
+      <dgm:prSet presAssocID="{7B7FE1AD-C5EC-4267-98A2-4013D6A8B21E}" presName="hierChild6" presStyleCnt="0"/>
+      <dgm:spPr/>
+    </dgm:pt>
+    <dgm:pt modelId="{07CC85BE-E93B-41D8-8A71-651409D13591}" type="pres">
+      <dgm:prSet presAssocID="{7B7FE1AD-C5EC-4267-98A2-4013D6A8B21E}" presName="hierChild7" presStyleCnt="0"/>
+      <dgm:spPr/>
+    </dgm:pt>
+  </dgm:ptLst>
+  <dgm:cxnLst>
+    <dgm:cxn modelId="{1945A518-4CAC-425F-9D07-F89FB5E45CF0}" type="presOf" srcId="{5FBBDFB9-BBF3-4ECA-94B4-E72A2192CEC9}" destId="{DF13B161-AAFA-4ABD-BC84-CDBC7BECC55C}" srcOrd="1" destOrd="0" presId="urn:microsoft.com/office/officeart/2008/layout/HalfCircleOrganizationChart"/>
+    <dgm:cxn modelId="{7341471C-7BE9-4D09-864A-A8C875336A7A}" type="presOf" srcId="{1C5A101F-3650-4994-A079-19FE63035558}" destId="{F4837BEC-2569-4146-87FB-67F0490BA5AA}" srcOrd="0" destOrd="0" presId="urn:microsoft.com/office/officeart/2008/layout/HalfCircleOrganizationChart"/>
+    <dgm:cxn modelId="{BCD49A5F-5E0B-40F5-91A1-E82111B57CF0}" srcId="{1C5A101F-3650-4994-A079-19FE63035558}" destId="{5FBBDFB9-BBF3-4ECA-94B4-E72A2192CEC9}" srcOrd="1" destOrd="0" parTransId="{98A9630A-32CA-4E15-93AB-82711BCE6C62}" sibTransId="{6A9E5AEA-17C0-4225-B094-A52B1C2904EB}"/>
+    <dgm:cxn modelId="{7EC4B443-9681-41C1-95DD-C3CE0C08870B}" type="presOf" srcId="{5FBBDFB9-BBF3-4ECA-94B4-E72A2192CEC9}" destId="{73158F17-7167-41A3-B2E6-578DD2DAB482}" srcOrd="0" destOrd="0" presId="urn:microsoft.com/office/officeart/2008/layout/HalfCircleOrganizationChart"/>
+    <dgm:cxn modelId="{CEA9B248-2B47-45FD-8625-2F05FA92808B}" type="presOf" srcId="{7B7FE1AD-C5EC-4267-98A2-4013D6A8B21E}" destId="{672E1600-7C89-4BF1-9CE7-7117309B94E7}" srcOrd="0" destOrd="0" presId="urn:microsoft.com/office/officeart/2008/layout/HalfCircleOrganizationChart"/>
+    <dgm:cxn modelId="{7FCDB06C-DA9C-42E1-B915-CC3A7430CD77}" srcId="{1C5A101F-3650-4994-A079-19FE63035558}" destId="{7B7FE1AD-C5EC-4267-98A2-4013D6A8B21E}" srcOrd="0" destOrd="0" parTransId="{65A0B482-A03A-4A4D-9496-69D94606EA38}" sibTransId="{DBFA612C-8B87-483C-97A7-CF6969970AA2}"/>
+    <dgm:cxn modelId="{6E0AE756-EFCB-472A-9E1C-4F5F0678A235}" type="presOf" srcId="{4AE01A7D-585E-4F04-853D-28FB60FB0B9D}" destId="{DDAE4C00-46FD-43C3-B252-E5694547A6E4}" srcOrd="1" destOrd="0" presId="urn:microsoft.com/office/officeart/2008/layout/HalfCircleOrganizationChart"/>
+    <dgm:cxn modelId="{BF504077-B8BF-4EF3-AC73-599DE8080E2E}" srcId="{1C5A101F-3650-4994-A079-19FE63035558}" destId="{4AE01A7D-585E-4F04-853D-28FB60FB0B9D}" srcOrd="2" destOrd="0" parTransId="{2D048B49-12CE-40D0-A621-0BC3FB85A7C6}" sibTransId="{C8628563-E62E-42B2-AC5D-0307D35AB54D}"/>
+    <dgm:cxn modelId="{BEDAA19A-14D2-4B44-AE8B-7FA7BC21F39C}" type="presOf" srcId="{98A9630A-32CA-4E15-93AB-82711BCE6C62}" destId="{E9D59613-C1ED-42C8-A18E-4D22D2C00712}" srcOrd="0" destOrd="0" presId="urn:microsoft.com/office/officeart/2008/layout/HalfCircleOrganizationChart"/>
+    <dgm:cxn modelId="{CCB73AAE-00E0-40D3-93B2-B5FE887DD7AA}" type="presOf" srcId="{7B7FE1AD-C5EC-4267-98A2-4013D6A8B21E}" destId="{A92E6155-67C8-4567-9529-A3A08A87C90E}" srcOrd="1" destOrd="0" presId="urn:microsoft.com/office/officeart/2008/layout/HalfCircleOrganizationChart"/>
+    <dgm:cxn modelId="{26D8F8BA-B5D2-49B0-A2A9-B4F03ECA7A1F}" type="presOf" srcId="{4AE01A7D-585E-4F04-853D-28FB60FB0B9D}" destId="{5BEE86AC-421F-4D02-B3F1-F34D827C7343}" srcOrd="0" destOrd="0" presId="urn:microsoft.com/office/officeart/2008/layout/HalfCircleOrganizationChart"/>
+    <dgm:cxn modelId="{F9CAB4C6-1788-453B-A363-233AD85A65E7}" type="presOf" srcId="{9743DA5B-7A07-4BF8-B155-C2826EC5D1A1}" destId="{52B35055-C241-4042-91DF-65EA77D220D4}" srcOrd="0" destOrd="0" presId="urn:microsoft.com/office/officeart/2008/layout/HalfCircleOrganizationChart"/>
+    <dgm:cxn modelId="{358202D8-CAC7-4C51-A795-872F81B6DB49}" type="presOf" srcId="{65A0B482-A03A-4A4D-9496-69D94606EA38}" destId="{5FFAA37F-836C-4657-9EFF-5071135DDD61}" srcOrd="0" destOrd="0" presId="urn:microsoft.com/office/officeart/2008/layout/HalfCircleOrganizationChart"/>
+    <dgm:cxn modelId="{5EAFE6E9-7023-4C8E-9AE9-26CC2AF4C942}" type="presOf" srcId="{2D048B49-12CE-40D0-A621-0BC3FB85A7C6}" destId="{D7BBF33A-A29B-4AD1-BC59-51FC26118CEA}" srcOrd="0" destOrd="0" presId="urn:microsoft.com/office/officeart/2008/layout/HalfCircleOrganizationChart"/>
+    <dgm:cxn modelId="{8C9FCEEA-5CB4-438F-9EA8-561DD0A3B9AF}" srcId="{9743DA5B-7A07-4BF8-B155-C2826EC5D1A1}" destId="{1C5A101F-3650-4994-A079-19FE63035558}" srcOrd="0" destOrd="0" parTransId="{EE4D215A-5DB5-4541-B4A1-022BADD49E08}" sibTransId="{A373A579-9FA6-40B6-9A3F-7DE258DFB30A}"/>
+    <dgm:cxn modelId="{761363FF-3AB7-4AD1-BB28-62AC86CBF0C3}" type="presOf" srcId="{1C5A101F-3650-4994-A079-19FE63035558}" destId="{8B4584A8-87D2-4B09-80EA-5BCC598A96D4}" srcOrd="1" destOrd="0" presId="urn:microsoft.com/office/officeart/2008/layout/HalfCircleOrganizationChart"/>
+    <dgm:cxn modelId="{23A1F052-04D0-49A2-8E6D-96F7CFAE4CE4}" type="presParOf" srcId="{52B35055-C241-4042-91DF-65EA77D220D4}" destId="{8B94182B-35C1-4847-B253-B6AB99057E1F}" srcOrd="0" destOrd="0" presId="urn:microsoft.com/office/officeart/2008/layout/HalfCircleOrganizationChart"/>
+    <dgm:cxn modelId="{59AF56F3-C3C9-40A7-9D6C-EB688433665C}" type="presParOf" srcId="{8B94182B-35C1-4847-B253-B6AB99057E1F}" destId="{8DF2A16D-3DCC-4732-BA8A-484DAEC2766E}" srcOrd="0" destOrd="0" presId="urn:microsoft.com/office/officeart/2008/layout/HalfCircleOrganizationChart"/>
+    <dgm:cxn modelId="{9E65F4A3-5CF9-46DF-B732-F805FF609995}" type="presParOf" srcId="{8DF2A16D-3DCC-4732-BA8A-484DAEC2766E}" destId="{F4837BEC-2569-4146-87FB-67F0490BA5AA}" srcOrd="0" destOrd="0" presId="urn:microsoft.com/office/officeart/2008/layout/HalfCircleOrganizationChart"/>
+    <dgm:cxn modelId="{25667BFE-E57F-4C05-9996-89FFD33AB65C}" type="presParOf" srcId="{8DF2A16D-3DCC-4732-BA8A-484DAEC2766E}" destId="{7F28030A-5388-409A-9D38-8FC7F72B6D65}" srcOrd="1" destOrd="0" presId="urn:microsoft.com/office/officeart/2008/layout/HalfCircleOrganizationChart"/>
+    <dgm:cxn modelId="{7038E71A-7CC7-4016-BE7C-5938316342FC}" type="presParOf" srcId="{8DF2A16D-3DCC-4732-BA8A-484DAEC2766E}" destId="{A779663E-9523-4BB1-A6ED-EFED650C15F5}" srcOrd="2" destOrd="0" presId="urn:microsoft.com/office/officeart/2008/layout/HalfCircleOrganizationChart"/>
+    <dgm:cxn modelId="{B3ED5AAA-59BC-4184-86B1-ACB3A0F2722D}" type="presParOf" srcId="{8DF2A16D-3DCC-4732-BA8A-484DAEC2766E}" destId="{8B4584A8-87D2-4B09-80EA-5BCC598A96D4}" srcOrd="3" destOrd="0" presId="urn:microsoft.com/office/officeart/2008/layout/HalfCircleOrganizationChart"/>
+    <dgm:cxn modelId="{37AE8641-C32C-407B-B5B4-2CC7598992EB}" type="presParOf" srcId="{8B94182B-35C1-4847-B253-B6AB99057E1F}" destId="{72C53818-FCEA-4170-8E4D-F3100CDA9D54}" srcOrd="1" destOrd="0" presId="urn:microsoft.com/office/officeart/2008/layout/HalfCircleOrganizationChart"/>
+    <dgm:cxn modelId="{7BC0CB80-BEFE-4AB6-A7C3-C4B9E9742F46}" type="presParOf" srcId="{72C53818-FCEA-4170-8E4D-F3100CDA9D54}" destId="{E9D59613-C1ED-42C8-A18E-4D22D2C00712}" srcOrd="0" destOrd="0" presId="urn:microsoft.com/office/officeart/2008/layout/HalfCircleOrganizationChart"/>
+    <dgm:cxn modelId="{59730938-D577-4CCA-A6B7-3177DB521FA2}" type="presParOf" srcId="{72C53818-FCEA-4170-8E4D-F3100CDA9D54}" destId="{B047EAE3-1B47-4FF3-96DB-36BF19FF7E48}" srcOrd="1" destOrd="0" presId="urn:microsoft.com/office/officeart/2008/layout/HalfCircleOrganizationChart"/>
+    <dgm:cxn modelId="{F716ACB7-ACAA-4CEC-B68B-01248CB0195F}" type="presParOf" srcId="{B047EAE3-1B47-4FF3-96DB-36BF19FF7E48}" destId="{1308D0DA-DE4D-4042-959C-46E92539EB67}" srcOrd="0" destOrd="0" presId="urn:microsoft.com/office/officeart/2008/layout/HalfCircleOrganizationChart"/>
+    <dgm:cxn modelId="{2B42A40E-2096-425C-B1FF-8904C96B9A60}" type="presParOf" srcId="{1308D0DA-DE4D-4042-959C-46E92539EB67}" destId="{73158F17-7167-41A3-B2E6-578DD2DAB482}" srcOrd="0" destOrd="0" presId="urn:microsoft.com/office/officeart/2008/layout/HalfCircleOrganizationChart"/>
+    <dgm:cxn modelId="{C6043D18-EABF-4894-A225-4FAE930F831E}" type="presParOf" srcId="{1308D0DA-DE4D-4042-959C-46E92539EB67}" destId="{DE490BFD-66B7-47D0-AE2F-B6267E21E90B}" srcOrd="1" destOrd="0" presId="urn:microsoft.com/office/officeart/2008/layout/HalfCircleOrganizationChart"/>
+    <dgm:cxn modelId="{4C854819-5A2A-4D32-9361-1284547B9D7D}" type="presParOf" srcId="{1308D0DA-DE4D-4042-959C-46E92539EB67}" destId="{976B8EB1-2CC0-46E8-999C-5D2D60F9EAA4}" srcOrd="2" destOrd="0" presId="urn:microsoft.com/office/officeart/2008/layout/HalfCircleOrganizationChart"/>
+    <dgm:cxn modelId="{2DCD8EDA-FDF4-4581-9E43-CD67127831E7}" type="presParOf" srcId="{1308D0DA-DE4D-4042-959C-46E92539EB67}" destId="{DF13B161-AAFA-4ABD-BC84-CDBC7BECC55C}" srcOrd="3" destOrd="0" presId="urn:microsoft.com/office/officeart/2008/layout/HalfCircleOrganizationChart"/>
+    <dgm:cxn modelId="{3C0F3A97-38F9-4174-B9E9-6B7E346251A6}" type="presParOf" srcId="{B047EAE3-1B47-4FF3-96DB-36BF19FF7E48}" destId="{F542DCEA-9F55-4BFF-A6F4-11C6EF2EA87B}" srcOrd="1" destOrd="0" presId="urn:microsoft.com/office/officeart/2008/layout/HalfCircleOrganizationChart"/>
+    <dgm:cxn modelId="{52E4A355-AB68-4CEC-B101-BB384662DDD0}" type="presParOf" srcId="{B047EAE3-1B47-4FF3-96DB-36BF19FF7E48}" destId="{C4791FA8-8977-473B-9111-5C977EEC7544}" srcOrd="2" destOrd="0" presId="urn:microsoft.com/office/officeart/2008/layout/HalfCircleOrganizationChart"/>
+    <dgm:cxn modelId="{A30DB41B-FC95-408A-AC34-D0689DACAFB5}" type="presParOf" srcId="{72C53818-FCEA-4170-8E4D-F3100CDA9D54}" destId="{D7BBF33A-A29B-4AD1-BC59-51FC26118CEA}" srcOrd="2" destOrd="0" presId="urn:microsoft.com/office/officeart/2008/layout/HalfCircleOrganizationChart"/>
+    <dgm:cxn modelId="{9A6036BE-9D41-4A58-82E6-E9BC799405AF}" type="presParOf" srcId="{72C53818-FCEA-4170-8E4D-F3100CDA9D54}" destId="{82706E0D-FF6B-461F-8C9D-9CBD68027D9E}" srcOrd="3" destOrd="0" presId="urn:microsoft.com/office/officeart/2008/layout/HalfCircleOrganizationChart"/>
+    <dgm:cxn modelId="{CA3FBF55-C4CE-4B38-A912-F541DE0A6745}" type="presParOf" srcId="{82706E0D-FF6B-461F-8C9D-9CBD68027D9E}" destId="{00234403-8D40-4503-B906-1138C500A707}" srcOrd="0" destOrd="0" presId="urn:microsoft.com/office/officeart/2008/layout/HalfCircleOrganizationChart"/>
+    <dgm:cxn modelId="{C82ECC7B-1FBC-4717-BE93-89306C84C06A}" type="presParOf" srcId="{00234403-8D40-4503-B906-1138C500A707}" destId="{5BEE86AC-421F-4D02-B3F1-F34D827C7343}" srcOrd="0" destOrd="0" presId="urn:microsoft.com/office/officeart/2008/layout/HalfCircleOrganizationChart"/>
+    <dgm:cxn modelId="{2F4EDEF1-5FDD-48FB-AFA3-641E14730EE4}" type="presParOf" srcId="{00234403-8D40-4503-B906-1138C500A707}" destId="{9549B647-EF19-4FB8-88BF-8E4B47D75C5B}" srcOrd="1" destOrd="0" presId="urn:microsoft.com/office/officeart/2008/layout/HalfCircleOrganizationChart"/>
+    <dgm:cxn modelId="{3D239A35-0D00-4B22-A2EC-125921D0A802}" type="presParOf" srcId="{00234403-8D40-4503-B906-1138C500A707}" destId="{9432E752-7A30-4180-87F0-86605C7466E0}" srcOrd="2" destOrd="0" presId="urn:microsoft.com/office/officeart/2008/layout/HalfCircleOrganizationChart"/>
+    <dgm:cxn modelId="{FB0D2F12-4BCB-4449-9292-D0BBA3D588E8}" type="presParOf" srcId="{00234403-8D40-4503-B906-1138C500A707}" destId="{DDAE4C00-46FD-43C3-B252-E5694547A6E4}" srcOrd="3" destOrd="0" presId="urn:microsoft.com/office/officeart/2008/layout/HalfCircleOrganizationChart"/>
+    <dgm:cxn modelId="{F1B673C9-AD88-4B58-9328-763C42873188}" type="presParOf" srcId="{82706E0D-FF6B-461F-8C9D-9CBD68027D9E}" destId="{810A1D44-C51A-4170-AD1C-EAE451C31DED}" srcOrd="1" destOrd="0" presId="urn:microsoft.com/office/officeart/2008/layout/HalfCircleOrganizationChart"/>
+    <dgm:cxn modelId="{32E0E6D2-F9A9-4D75-BC9A-EE8A5D058A8D}" type="presParOf" srcId="{82706E0D-FF6B-461F-8C9D-9CBD68027D9E}" destId="{C15ECC88-4173-426C-8603-8E2203BAF9A4}" srcOrd="2" destOrd="0" presId="urn:microsoft.com/office/officeart/2008/layout/HalfCircleOrganizationChart"/>
+    <dgm:cxn modelId="{69755CAD-3DE9-4119-9EB1-8B768ECA5AB4}" type="presParOf" srcId="{8B94182B-35C1-4847-B253-B6AB99057E1F}" destId="{892BE8B8-23D9-4328-B7E6-42B6D2F6658C}" srcOrd="2" destOrd="0" presId="urn:microsoft.com/office/officeart/2008/layout/HalfCircleOrganizationChart"/>
+    <dgm:cxn modelId="{6BB60BB1-F066-4D09-BCFE-7AF089055C54}" type="presParOf" srcId="{892BE8B8-23D9-4328-B7E6-42B6D2F6658C}" destId="{5FFAA37F-836C-4657-9EFF-5071135DDD61}" srcOrd="0" destOrd="0" presId="urn:microsoft.com/office/officeart/2008/layout/HalfCircleOrganizationChart"/>
+    <dgm:cxn modelId="{763005D8-326A-4205-A0CF-499FAFD4C6CA}" type="presParOf" srcId="{892BE8B8-23D9-4328-B7E6-42B6D2F6658C}" destId="{B7F7EFF5-9AF3-4016-B9CF-A9BD8A27DEEE}" srcOrd="1" destOrd="0" presId="urn:microsoft.com/office/officeart/2008/layout/HalfCircleOrganizationChart"/>
+    <dgm:cxn modelId="{5BC48F77-1683-4DEE-A46E-25584A5B2C33}" type="presParOf" srcId="{B7F7EFF5-9AF3-4016-B9CF-A9BD8A27DEEE}" destId="{09D85683-524A-44FC-8EFB-6AD131489745}" srcOrd="0" destOrd="0" presId="urn:microsoft.com/office/officeart/2008/layout/HalfCircleOrganizationChart"/>
+    <dgm:cxn modelId="{52B85C44-1002-4530-820A-64654B6B3C3D}" type="presParOf" srcId="{09D85683-524A-44FC-8EFB-6AD131489745}" destId="{672E1600-7C89-4BF1-9CE7-7117309B94E7}" srcOrd="0" destOrd="0" presId="urn:microsoft.com/office/officeart/2008/layout/HalfCircleOrganizationChart"/>
+    <dgm:cxn modelId="{A628EE0F-9195-439C-81F9-DBDC7417609B}" type="presParOf" srcId="{09D85683-524A-44FC-8EFB-6AD131489745}" destId="{EEFAA56D-857C-4C5D-A686-7450CB1A6C2A}" srcOrd="1" destOrd="0" presId="urn:microsoft.com/office/officeart/2008/layout/HalfCircleOrganizationChart"/>
+    <dgm:cxn modelId="{E6F282DE-CAB6-423F-8416-20175306F046}" type="presParOf" srcId="{09D85683-524A-44FC-8EFB-6AD131489745}" destId="{FF42ED11-905B-4361-A372-A52DAFEF3A23}" srcOrd="2" destOrd="0" presId="urn:microsoft.com/office/officeart/2008/layout/HalfCircleOrganizationChart"/>
+    <dgm:cxn modelId="{B51BB3D2-6436-4902-B4EB-7020F4F6162B}" type="presParOf" srcId="{09D85683-524A-44FC-8EFB-6AD131489745}" destId="{A92E6155-67C8-4567-9529-A3A08A87C90E}" srcOrd="3" destOrd="0" presId="urn:microsoft.com/office/officeart/2008/layout/HalfCircleOrganizationChart"/>
+    <dgm:cxn modelId="{133A7490-63D9-4B84-8BA2-A9BADCFC1248}" type="presParOf" srcId="{B7F7EFF5-9AF3-4016-B9CF-A9BD8A27DEEE}" destId="{897D66FD-E55F-4492-A585-AB1EA3A79088}" srcOrd="1" destOrd="0" presId="urn:microsoft.com/office/officeart/2008/layout/HalfCircleOrganizationChart"/>
+    <dgm:cxn modelId="{06C1FB05-22D7-47EB-93EE-9BDC826007B4}" type="presParOf" srcId="{B7F7EFF5-9AF3-4016-B9CF-A9BD8A27DEEE}" destId="{07CC85BE-E93B-41D8-8A71-651409D13591}" srcOrd="2" destOrd="0" presId="urn:microsoft.com/office/officeart/2008/layout/HalfCircleOrganizationChart"/>
+  </dgm:cxnLst>
+  <dgm:bg/>
+  <dgm:whole/>
+  <dgm:extLst>
+    <a:ext uri="http://schemas.microsoft.com/office/drawing/2008/diagram">
+      <dsp:dataModelExt xmlns:dsp="http://schemas.microsoft.com/office/drawing/2008/diagram" relId="rId6" minVer="http://schemas.openxmlformats.org/drawingml/2006/diagram"/>
     </a:ext>
   </dgm:extLst>
 </dgm:dataModel>
@@ -2669,6 +3945,936 @@
 </dsp:drawing>
 </file>
 
+<file path=ppt/diagrams/drawing2.xml><?xml version="1.0" encoding="utf-8"?>
+<dsp:drawing xmlns:dgm="http://schemas.openxmlformats.org/drawingml/2006/diagram" xmlns:dsp="http://schemas.microsoft.com/office/drawing/2008/diagram" xmlns:a="http://schemas.openxmlformats.org/drawingml/2006/main">
+  <dsp:spTree>
+    <dsp:nvGrpSpPr>
+      <dsp:cNvPr id="0" name=""/>
+      <dsp:cNvGrpSpPr/>
+    </dsp:nvGrpSpPr>
+    <dsp:grpSpPr/>
+    <dsp:sp modelId="{5FFAA37F-836C-4657-9EFF-5071135DDD61}">
+      <dsp:nvSpPr>
+        <dsp:cNvPr id="0" name=""/>
+        <dsp:cNvSpPr/>
+      </dsp:nvSpPr>
+      <dsp:spPr>
+        <a:xfrm>
+          <a:off x="4664869" y="1619692"/>
+          <a:ext cx="1016969" cy="625927"/>
+        </a:xfrm>
+        <a:custGeom>
+          <a:avLst/>
+          <a:gdLst/>
+          <a:ahLst/>
+          <a:cxnLst/>
+          <a:rect l="0" t="0" r="0" b="0"/>
+          <a:pathLst>
+            <a:path>
+              <a:moveTo>
+                <a:pt x="0" y="0"/>
+              </a:moveTo>
+              <a:lnTo>
+                <a:pt x="0" y="625927"/>
+              </a:lnTo>
+              <a:lnTo>
+                <a:pt x="1016969" y="625927"/>
+              </a:lnTo>
+            </a:path>
+          </a:pathLst>
+        </a:custGeom>
+        <a:noFill/>
+        <a:ln w="12700" cap="flat" cmpd="sng" algn="ctr">
+          <a:solidFill>
+            <a:schemeClr val="accent2">
+              <a:tint val="90000"/>
+              <a:hueOff val="0"/>
+              <a:satOff val="0"/>
+              <a:lumOff val="0"/>
+              <a:alphaOff val="0"/>
+            </a:schemeClr>
+          </a:solidFill>
+          <a:prstDash val="solid"/>
+          <a:miter lim="800000"/>
+        </a:ln>
+        <a:effectLst/>
+        <a:scene3d>
+          <a:camera prst="orthographicFront">
+            <a:rot lat="0" lon="0" rev="0"/>
+          </a:camera>
+          <a:lightRig rig="contrasting" dir="t">
+            <a:rot lat="0" lon="0" rev="1200000"/>
+          </a:lightRig>
+        </a:scene3d>
+        <a:sp3d z="-110000"/>
+      </dsp:spPr>
+      <dsp:style>
+        <a:lnRef idx="2">
+          <a:scrgbClr r="0" g="0" b="0"/>
+        </a:lnRef>
+        <a:fillRef idx="0">
+          <a:scrgbClr r="0" g="0" b="0"/>
+        </a:fillRef>
+        <a:effectRef idx="0">
+          <a:scrgbClr r="0" g="0" b="0"/>
+        </a:effectRef>
+        <a:fontRef idx="minor"/>
+      </dsp:style>
+    </dsp:sp>
+    <dsp:sp modelId="{D7BBF33A-A29B-4AD1-BC59-51FC26118CEA}">
+      <dsp:nvSpPr>
+        <dsp:cNvPr id="0" name=""/>
+        <dsp:cNvSpPr/>
+      </dsp:nvSpPr>
+      <dsp:spPr>
+        <a:xfrm>
+          <a:off x="4664869" y="1619692"/>
+          <a:ext cx="1956830" cy="2975676"/>
+        </a:xfrm>
+        <a:custGeom>
+          <a:avLst/>
+          <a:gdLst/>
+          <a:ahLst/>
+          <a:cxnLst/>
+          <a:rect l="0" t="0" r="0" b="0"/>
+          <a:pathLst>
+            <a:path>
+              <a:moveTo>
+                <a:pt x="0" y="0"/>
+              </a:moveTo>
+              <a:lnTo>
+                <a:pt x="0" y="2636060"/>
+              </a:lnTo>
+              <a:lnTo>
+                <a:pt x="1956830" y="2636060"/>
+              </a:lnTo>
+              <a:lnTo>
+                <a:pt x="1956830" y="2975676"/>
+              </a:lnTo>
+            </a:path>
+          </a:pathLst>
+        </a:custGeom>
+        <a:noFill/>
+        <a:ln w="12700" cap="flat" cmpd="sng" algn="ctr">
+          <a:solidFill>
+            <a:schemeClr val="accent2">
+              <a:tint val="90000"/>
+              <a:hueOff val="0"/>
+              <a:satOff val="0"/>
+              <a:lumOff val="0"/>
+              <a:alphaOff val="0"/>
+            </a:schemeClr>
+          </a:solidFill>
+          <a:prstDash val="solid"/>
+          <a:miter lim="800000"/>
+        </a:ln>
+        <a:effectLst/>
+        <a:scene3d>
+          <a:camera prst="orthographicFront">
+            <a:rot lat="0" lon="0" rev="0"/>
+          </a:camera>
+          <a:lightRig rig="contrasting" dir="t">
+            <a:rot lat="0" lon="0" rev="1200000"/>
+          </a:lightRig>
+        </a:scene3d>
+        <a:sp3d z="-110000"/>
+      </dsp:spPr>
+      <dsp:style>
+        <a:lnRef idx="2">
+          <a:scrgbClr r="0" g="0" b="0"/>
+        </a:lnRef>
+        <a:fillRef idx="0">
+          <a:scrgbClr r="0" g="0" b="0"/>
+        </a:fillRef>
+        <a:effectRef idx="0">
+          <a:scrgbClr r="0" g="0" b="0"/>
+        </a:effectRef>
+        <a:fontRef idx="minor"/>
+      </dsp:style>
+    </dsp:sp>
+    <dsp:sp modelId="{E9D59613-C1ED-42C8-A18E-4D22D2C00712}">
+      <dsp:nvSpPr>
+        <dsp:cNvPr id="0" name=""/>
+        <dsp:cNvSpPr/>
+      </dsp:nvSpPr>
+      <dsp:spPr>
+        <a:xfrm>
+          <a:off x="2708038" y="1619692"/>
+          <a:ext cx="1956830" cy="2975676"/>
+        </a:xfrm>
+        <a:custGeom>
+          <a:avLst/>
+          <a:gdLst/>
+          <a:ahLst/>
+          <a:cxnLst/>
+          <a:rect l="0" t="0" r="0" b="0"/>
+          <a:pathLst>
+            <a:path>
+              <a:moveTo>
+                <a:pt x="1956830" y="0"/>
+              </a:moveTo>
+              <a:lnTo>
+                <a:pt x="1956830" y="2636060"/>
+              </a:lnTo>
+              <a:lnTo>
+                <a:pt x="0" y="2636060"/>
+              </a:lnTo>
+              <a:lnTo>
+                <a:pt x="0" y="2975676"/>
+              </a:lnTo>
+            </a:path>
+          </a:pathLst>
+        </a:custGeom>
+        <a:noFill/>
+        <a:ln w="12700" cap="flat" cmpd="sng" algn="ctr">
+          <a:solidFill>
+            <a:schemeClr val="accent2">
+              <a:tint val="90000"/>
+              <a:hueOff val="0"/>
+              <a:satOff val="0"/>
+              <a:lumOff val="0"/>
+              <a:alphaOff val="0"/>
+            </a:schemeClr>
+          </a:solidFill>
+          <a:prstDash val="solid"/>
+          <a:miter lim="800000"/>
+        </a:ln>
+        <a:effectLst/>
+        <a:scene3d>
+          <a:camera prst="orthographicFront">
+            <a:rot lat="0" lon="0" rev="0"/>
+          </a:camera>
+          <a:lightRig rig="contrasting" dir="t">
+            <a:rot lat="0" lon="0" rev="1200000"/>
+          </a:lightRig>
+        </a:scene3d>
+        <a:sp3d z="-110000"/>
+      </dsp:spPr>
+      <dsp:style>
+        <a:lnRef idx="2">
+          <a:scrgbClr r="0" g="0" b="0"/>
+        </a:lnRef>
+        <a:fillRef idx="0">
+          <a:scrgbClr r="0" g="0" b="0"/>
+        </a:fillRef>
+        <a:effectRef idx="0">
+          <a:scrgbClr r="0" g="0" b="0"/>
+        </a:effectRef>
+        <a:fontRef idx="minor"/>
+      </dsp:style>
+    </dsp:sp>
+    <dsp:sp modelId="{7F28030A-5388-409A-9D38-8FC7F72B6D65}">
+      <dsp:nvSpPr>
+        <dsp:cNvPr id="0" name=""/>
+        <dsp:cNvSpPr/>
+      </dsp:nvSpPr>
+      <dsp:spPr>
+        <a:xfrm>
+          <a:off x="3856261" y="2477"/>
+          <a:ext cx="1617215" cy="1617215"/>
+        </a:xfrm>
+        <a:prstGeom prst="arc">
+          <a:avLst>
+            <a:gd name="adj1" fmla="val 13200000"/>
+            <a:gd name="adj2" fmla="val 19200000"/>
+          </a:avLst>
+        </a:prstGeom>
+        <a:noFill/>
+        <a:ln w="12700" cap="flat" cmpd="sng" algn="ctr">
+          <a:solidFill>
+            <a:schemeClr val="accent2">
+              <a:shade val="80000"/>
+              <a:hueOff val="0"/>
+              <a:satOff val="0"/>
+              <a:lumOff val="0"/>
+              <a:alphaOff val="0"/>
+            </a:schemeClr>
+          </a:solidFill>
+          <a:prstDash val="solid"/>
+          <a:miter lim="800000"/>
+        </a:ln>
+        <a:effectLst/>
+        <a:scene3d>
+          <a:camera prst="orthographicFront">
+            <a:rot lat="0" lon="0" rev="0"/>
+          </a:camera>
+          <a:lightRig rig="contrasting" dir="t">
+            <a:rot lat="0" lon="0" rev="1200000"/>
+          </a:lightRig>
+        </a:scene3d>
+        <a:sp3d z="-110000"/>
+      </dsp:spPr>
+      <dsp:style>
+        <a:lnRef idx="2">
+          <a:scrgbClr r="0" g="0" b="0"/>
+        </a:lnRef>
+        <a:fillRef idx="0">
+          <a:scrgbClr r="0" g="0" b="0"/>
+        </a:fillRef>
+        <a:effectRef idx="0">
+          <a:scrgbClr r="0" g="0" b="0"/>
+        </a:effectRef>
+        <a:fontRef idx="minor"/>
+      </dsp:style>
+    </dsp:sp>
+    <dsp:sp modelId="{A779663E-9523-4BB1-A6ED-EFED650C15F5}">
+      <dsp:nvSpPr>
+        <dsp:cNvPr id="0" name=""/>
+        <dsp:cNvSpPr/>
+      </dsp:nvSpPr>
+      <dsp:spPr>
+        <a:xfrm>
+          <a:off x="3856261" y="2477"/>
+          <a:ext cx="1617215" cy="1617215"/>
+        </a:xfrm>
+        <a:prstGeom prst="arc">
+          <a:avLst>
+            <a:gd name="adj1" fmla="val 2400000"/>
+            <a:gd name="adj2" fmla="val 8400000"/>
+          </a:avLst>
+        </a:prstGeom>
+        <a:noFill/>
+        <a:ln w="12700" cap="flat" cmpd="sng" algn="ctr">
+          <a:solidFill>
+            <a:schemeClr val="accent2">
+              <a:shade val="80000"/>
+              <a:hueOff val="0"/>
+              <a:satOff val="0"/>
+              <a:lumOff val="0"/>
+              <a:alphaOff val="0"/>
+            </a:schemeClr>
+          </a:solidFill>
+          <a:prstDash val="solid"/>
+          <a:miter lim="800000"/>
+        </a:ln>
+        <a:effectLst/>
+        <a:scene3d>
+          <a:camera prst="orthographicFront">
+            <a:rot lat="0" lon="0" rev="0"/>
+          </a:camera>
+          <a:lightRig rig="contrasting" dir="t">
+            <a:rot lat="0" lon="0" rev="1200000"/>
+          </a:lightRig>
+        </a:scene3d>
+        <a:sp3d z="-110000"/>
+      </dsp:spPr>
+      <dsp:style>
+        <a:lnRef idx="2">
+          <a:scrgbClr r="0" g="0" b="0"/>
+        </a:lnRef>
+        <a:fillRef idx="0">
+          <a:scrgbClr r="0" g="0" b="0"/>
+        </a:fillRef>
+        <a:effectRef idx="0">
+          <a:scrgbClr r="0" g="0" b="0"/>
+        </a:effectRef>
+        <a:fontRef idx="minor"/>
+      </dsp:style>
+    </dsp:sp>
+    <dsp:sp modelId="{F4837BEC-2569-4146-87FB-67F0490BA5AA}">
+      <dsp:nvSpPr>
+        <dsp:cNvPr id="0" name=""/>
+        <dsp:cNvSpPr/>
+      </dsp:nvSpPr>
+      <dsp:spPr>
+        <a:xfrm>
+          <a:off x="3047653" y="293576"/>
+          <a:ext cx="3234430" cy="1035017"/>
+        </a:xfrm>
+        <a:prstGeom prst="rect">
+          <a:avLst/>
+        </a:prstGeom>
+        <a:noFill/>
+        <a:ln>
+          <a:noFill/>
+        </a:ln>
+        <a:effectLst/>
+        <a:scene3d>
+          <a:camera prst="orthographicFront">
+            <a:rot lat="0" lon="0" rev="0"/>
+          </a:camera>
+          <a:lightRig rig="contrasting" dir="t">
+            <a:rot lat="0" lon="0" rev="1200000"/>
+          </a:lightRig>
+        </a:scene3d>
+        <a:sp3d/>
+      </dsp:spPr>
+      <dsp:style>
+        <a:lnRef idx="0">
+          <a:scrgbClr r="0" g="0" b="0"/>
+        </a:lnRef>
+        <a:fillRef idx="1">
+          <a:scrgbClr r="0" g="0" b="0"/>
+        </a:fillRef>
+        <a:effectRef idx="0">
+          <a:scrgbClr r="0" g="0" b="0"/>
+        </a:effectRef>
+        <a:fontRef idx="minor"/>
+      </dsp:style>
+      <dsp:txBody>
+        <a:bodyPr spcFirstLastPara="0" vert="horz" wrap="square" lIns="22225" tIns="22225" rIns="22225" bIns="22225" numCol="1" spcCol="1270" anchor="ctr" anchorCtr="0">
+          <a:noAutofit/>
+        </a:bodyPr>
+        <a:lstStyle/>
+        <a:p>
+          <a:pPr marL="0" lvl="0" indent="0" algn="ctr" defTabSz="1555750">
+            <a:lnSpc>
+              <a:spcPct val="90000"/>
+            </a:lnSpc>
+            <a:spcBef>
+              <a:spcPct val="0"/>
+            </a:spcBef>
+            <a:spcAft>
+              <a:spcPct val="35000"/>
+            </a:spcAft>
+            <a:buNone/>
+          </a:pPr>
+          <a:r>
+            <a:rPr lang="en-US" sz="3500" kern="1200" dirty="0"/>
+            <a:t>Collection of Images</a:t>
+          </a:r>
+        </a:p>
+      </dsp:txBody>
+      <dsp:txXfrm>
+        <a:off x="3047653" y="293576"/>
+        <a:ext cx="3234430" cy="1035017"/>
+      </dsp:txXfrm>
+    </dsp:sp>
+    <dsp:sp modelId="{DE490BFD-66B7-47D0-AE2F-B6267E21E90B}">
+      <dsp:nvSpPr>
+        <dsp:cNvPr id="0" name=""/>
+        <dsp:cNvSpPr/>
+      </dsp:nvSpPr>
+      <dsp:spPr>
+        <a:xfrm>
+          <a:off x="1899430" y="4595369"/>
+          <a:ext cx="1617215" cy="1617215"/>
+        </a:xfrm>
+        <a:prstGeom prst="arc">
+          <a:avLst>
+            <a:gd name="adj1" fmla="val 13200000"/>
+            <a:gd name="adj2" fmla="val 19200000"/>
+          </a:avLst>
+        </a:prstGeom>
+        <a:noFill/>
+        <a:ln w="12700" cap="flat" cmpd="sng" algn="ctr">
+          <a:solidFill>
+            <a:schemeClr val="accent2">
+              <a:shade val="80000"/>
+              <a:hueOff val="0"/>
+              <a:satOff val="0"/>
+              <a:lumOff val="0"/>
+              <a:alphaOff val="0"/>
+            </a:schemeClr>
+          </a:solidFill>
+          <a:prstDash val="solid"/>
+          <a:miter lim="800000"/>
+        </a:ln>
+        <a:effectLst/>
+        <a:scene3d>
+          <a:camera prst="orthographicFront">
+            <a:rot lat="0" lon="0" rev="0"/>
+          </a:camera>
+          <a:lightRig rig="contrasting" dir="t">
+            <a:rot lat="0" lon="0" rev="1200000"/>
+          </a:lightRig>
+        </a:scene3d>
+        <a:sp3d z="-110000"/>
+      </dsp:spPr>
+      <dsp:style>
+        <a:lnRef idx="2">
+          <a:scrgbClr r="0" g="0" b="0"/>
+        </a:lnRef>
+        <a:fillRef idx="0">
+          <a:scrgbClr r="0" g="0" b="0"/>
+        </a:fillRef>
+        <a:effectRef idx="0">
+          <a:scrgbClr r="0" g="0" b="0"/>
+        </a:effectRef>
+        <a:fontRef idx="minor"/>
+      </dsp:style>
+    </dsp:sp>
+    <dsp:sp modelId="{976B8EB1-2CC0-46E8-999C-5D2D60F9EAA4}">
+      <dsp:nvSpPr>
+        <dsp:cNvPr id="0" name=""/>
+        <dsp:cNvSpPr/>
+      </dsp:nvSpPr>
+      <dsp:spPr>
+        <a:xfrm>
+          <a:off x="1899430" y="4595369"/>
+          <a:ext cx="1617215" cy="1617215"/>
+        </a:xfrm>
+        <a:prstGeom prst="arc">
+          <a:avLst>
+            <a:gd name="adj1" fmla="val 2400000"/>
+            <a:gd name="adj2" fmla="val 8400000"/>
+          </a:avLst>
+        </a:prstGeom>
+        <a:noFill/>
+        <a:ln w="12700" cap="flat" cmpd="sng" algn="ctr">
+          <a:solidFill>
+            <a:schemeClr val="accent2">
+              <a:shade val="80000"/>
+              <a:hueOff val="0"/>
+              <a:satOff val="0"/>
+              <a:lumOff val="0"/>
+              <a:alphaOff val="0"/>
+            </a:schemeClr>
+          </a:solidFill>
+          <a:prstDash val="solid"/>
+          <a:miter lim="800000"/>
+        </a:ln>
+        <a:effectLst/>
+        <a:scene3d>
+          <a:camera prst="orthographicFront">
+            <a:rot lat="0" lon="0" rev="0"/>
+          </a:camera>
+          <a:lightRig rig="contrasting" dir="t">
+            <a:rot lat="0" lon="0" rev="1200000"/>
+          </a:lightRig>
+        </a:scene3d>
+        <a:sp3d z="-110000"/>
+      </dsp:spPr>
+      <dsp:style>
+        <a:lnRef idx="2">
+          <a:scrgbClr r="0" g="0" b="0"/>
+        </a:lnRef>
+        <a:fillRef idx="0">
+          <a:scrgbClr r="0" g="0" b="0"/>
+        </a:fillRef>
+        <a:effectRef idx="0">
+          <a:scrgbClr r="0" g="0" b="0"/>
+        </a:effectRef>
+        <a:fontRef idx="minor"/>
+      </dsp:style>
+    </dsp:sp>
+    <dsp:sp modelId="{73158F17-7167-41A3-B2E6-578DD2DAB482}">
+      <dsp:nvSpPr>
+        <dsp:cNvPr id="0" name=""/>
+        <dsp:cNvSpPr/>
+      </dsp:nvSpPr>
+      <dsp:spPr>
+        <a:xfrm>
+          <a:off x="1090823" y="4886467"/>
+          <a:ext cx="3234430" cy="1035017"/>
+        </a:xfrm>
+        <a:prstGeom prst="rect">
+          <a:avLst/>
+        </a:prstGeom>
+        <a:noFill/>
+        <a:ln>
+          <a:noFill/>
+        </a:ln>
+        <a:effectLst/>
+        <a:scene3d>
+          <a:camera prst="orthographicFront">
+            <a:rot lat="0" lon="0" rev="0"/>
+          </a:camera>
+          <a:lightRig rig="contrasting" dir="t">
+            <a:rot lat="0" lon="0" rev="1200000"/>
+          </a:lightRig>
+        </a:scene3d>
+        <a:sp3d/>
+      </dsp:spPr>
+      <dsp:style>
+        <a:lnRef idx="0">
+          <a:scrgbClr r="0" g="0" b="0"/>
+        </a:lnRef>
+        <a:fillRef idx="1">
+          <a:scrgbClr r="0" g="0" b="0"/>
+        </a:fillRef>
+        <a:effectRef idx="0">
+          <a:scrgbClr r="0" g="0" b="0"/>
+        </a:effectRef>
+        <a:fontRef idx="minor"/>
+      </dsp:style>
+      <dsp:txBody>
+        <a:bodyPr spcFirstLastPara="0" vert="horz" wrap="square" lIns="22225" tIns="22225" rIns="22225" bIns="22225" numCol="1" spcCol="1270" anchor="ctr" anchorCtr="0">
+          <a:noAutofit/>
+        </a:bodyPr>
+        <a:lstStyle/>
+        <a:p>
+          <a:pPr marL="0" lvl="0" indent="0" algn="ctr" defTabSz="1555750">
+            <a:lnSpc>
+              <a:spcPct val="90000"/>
+            </a:lnSpc>
+            <a:spcBef>
+              <a:spcPct val="0"/>
+            </a:spcBef>
+            <a:spcAft>
+              <a:spcPct val="35000"/>
+            </a:spcAft>
+            <a:buNone/>
+          </a:pPr>
+          <a:r>
+            <a:rPr lang="en-US" sz="3500" kern="1200" dirty="0"/>
+            <a:t>Male</a:t>
+          </a:r>
+        </a:p>
+      </dsp:txBody>
+      <dsp:txXfrm>
+        <a:off x="1090823" y="4886467"/>
+        <a:ext cx="3234430" cy="1035017"/>
+      </dsp:txXfrm>
+    </dsp:sp>
+    <dsp:sp modelId="{9549B647-EF19-4FB8-88BF-8E4B47D75C5B}">
+      <dsp:nvSpPr>
+        <dsp:cNvPr id="0" name=""/>
+        <dsp:cNvSpPr/>
+      </dsp:nvSpPr>
+      <dsp:spPr>
+        <a:xfrm>
+          <a:off x="5813091" y="4595369"/>
+          <a:ext cx="1617215" cy="1617215"/>
+        </a:xfrm>
+        <a:prstGeom prst="arc">
+          <a:avLst>
+            <a:gd name="adj1" fmla="val 13200000"/>
+            <a:gd name="adj2" fmla="val 19200000"/>
+          </a:avLst>
+        </a:prstGeom>
+        <a:noFill/>
+        <a:ln w="12700" cap="flat" cmpd="sng" algn="ctr">
+          <a:solidFill>
+            <a:schemeClr val="accent2">
+              <a:shade val="80000"/>
+              <a:hueOff val="0"/>
+              <a:satOff val="0"/>
+              <a:lumOff val="0"/>
+              <a:alphaOff val="0"/>
+            </a:schemeClr>
+          </a:solidFill>
+          <a:prstDash val="solid"/>
+          <a:miter lim="800000"/>
+        </a:ln>
+        <a:effectLst/>
+        <a:scene3d>
+          <a:camera prst="orthographicFront">
+            <a:rot lat="0" lon="0" rev="0"/>
+          </a:camera>
+          <a:lightRig rig="contrasting" dir="t">
+            <a:rot lat="0" lon="0" rev="1200000"/>
+          </a:lightRig>
+        </a:scene3d>
+        <a:sp3d z="-110000"/>
+      </dsp:spPr>
+      <dsp:style>
+        <a:lnRef idx="2">
+          <a:scrgbClr r="0" g="0" b="0"/>
+        </a:lnRef>
+        <a:fillRef idx="0">
+          <a:scrgbClr r="0" g="0" b="0"/>
+        </a:fillRef>
+        <a:effectRef idx="0">
+          <a:scrgbClr r="0" g="0" b="0"/>
+        </a:effectRef>
+        <a:fontRef idx="minor"/>
+      </dsp:style>
+    </dsp:sp>
+    <dsp:sp modelId="{9432E752-7A30-4180-87F0-86605C7466E0}">
+      <dsp:nvSpPr>
+        <dsp:cNvPr id="0" name=""/>
+        <dsp:cNvSpPr/>
+      </dsp:nvSpPr>
+      <dsp:spPr>
+        <a:xfrm>
+          <a:off x="5813091" y="4595369"/>
+          <a:ext cx="1617215" cy="1617215"/>
+        </a:xfrm>
+        <a:prstGeom prst="arc">
+          <a:avLst>
+            <a:gd name="adj1" fmla="val 2400000"/>
+            <a:gd name="adj2" fmla="val 8400000"/>
+          </a:avLst>
+        </a:prstGeom>
+        <a:noFill/>
+        <a:ln w="12700" cap="flat" cmpd="sng" algn="ctr">
+          <a:solidFill>
+            <a:schemeClr val="accent2">
+              <a:shade val="80000"/>
+              <a:hueOff val="0"/>
+              <a:satOff val="0"/>
+              <a:lumOff val="0"/>
+              <a:alphaOff val="0"/>
+            </a:schemeClr>
+          </a:solidFill>
+          <a:prstDash val="solid"/>
+          <a:miter lim="800000"/>
+        </a:ln>
+        <a:effectLst/>
+        <a:scene3d>
+          <a:camera prst="orthographicFront">
+            <a:rot lat="0" lon="0" rev="0"/>
+          </a:camera>
+          <a:lightRig rig="contrasting" dir="t">
+            <a:rot lat="0" lon="0" rev="1200000"/>
+          </a:lightRig>
+        </a:scene3d>
+        <a:sp3d z="-110000"/>
+      </dsp:spPr>
+      <dsp:style>
+        <a:lnRef idx="2">
+          <a:scrgbClr r="0" g="0" b="0"/>
+        </a:lnRef>
+        <a:fillRef idx="0">
+          <a:scrgbClr r="0" g="0" b="0"/>
+        </a:fillRef>
+        <a:effectRef idx="0">
+          <a:scrgbClr r="0" g="0" b="0"/>
+        </a:effectRef>
+        <a:fontRef idx="minor"/>
+      </dsp:style>
+    </dsp:sp>
+    <dsp:sp modelId="{5BEE86AC-421F-4D02-B3F1-F34D827C7343}">
+      <dsp:nvSpPr>
+        <dsp:cNvPr id="0" name=""/>
+        <dsp:cNvSpPr/>
+      </dsp:nvSpPr>
+      <dsp:spPr>
+        <a:xfrm>
+          <a:off x="5004484" y="4886467"/>
+          <a:ext cx="3234430" cy="1035017"/>
+        </a:xfrm>
+        <a:prstGeom prst="rect">
+          <a:avLst/>
+        </a:prstGeom>
+        <a:noFill/>
+        <a:ln>
+          <a:noFill/>
+        </a:ln>
+        <a:effectLst/>
+        <a:scene3d>
+          <a:camera prst="orthographicFront">
+            <a:rot lat="0" lon="0" rev="0"/>
+          </a:camera>
+          <a:lightRig rig="contrasting" dir="t">
+            <a:rot lat="0" lon="0" rev="1200000"/>
+          </a:lightRig>
+        </a:scene3d>
+        <a:sp3d/>
+      </dsp:spPr>
+      <dsp:style>
+        <a:lnRef idx="0">
+          <a:scrgbClr r="0" g="0" b="0"/>
+        </a:lnRef>
+        <a:fillRef idx="1">
+          <a:scrgbClr r="0" g="0" b="0"/>
+        </a:fillRef>
+        <a:effectRef idx="0">
+          <a:scrgbClr r="0" g="0" b="0"/>
+        </a:effectRef>
+        <a:fontRef idx="minor"/>
+      </dsp:style>
+      <dsp:txBody>
+        <a:bodyPr spcFirstLastPara="0" vert="horz" wrap="square" lIns="22225" tIns="22225" rIns="22225" bIns="22225" numCol="1" spcCol="1270" anchor="ctr" anchorCtr="0">
+          <a:noAutofit/>
+        </a:bodyPr>
+        <a:lstStyle/>
+        <a:p>
+          <a:pPr marL="0" lvl="0" indent="0" algn="ctr" defTabSz="1555750">
+            <a:lnSpc>
+              <a:spcPct val="90000"/>
+            </a:lnSpc>
+            <a:spcBef>
+              <a:spcPct val="0"/>
+            </a:spcBef>
+            <a:spcAft>
+              <a:spcPct val="35000"/>
+            </a:spcAft>
+            <a:buNone/>
+          </a:pPr>
+          <a:r>
+            <a:rPr lang="en-US" sz="3500" kern="1200" dirty="0"/>
+            <a:t>Female</a:t>
+          </a:r>
+        </a:p>
+      </dsp:txBody>
+      <dsp:txXfrm>
+        <a:off x="5004484" y="4886467"/>
+        <a:ext cx="3234430" cy="1035017"/>
+      </dsp:txXfrm>
+    </dsp:sp>
+    <dsp:sp modelId="{EEFAA56D-857C-4C5D-A686-7450CB1A6C2A}">
+      <dsp:nvSpPr>
+        <dsp:cNvPr id="0" name=""/>
+        <dsp:cNvSpPr/>
+      </dsp:nvSpPr>
+      <dsp:spPr>
+        <a:xfrm>
+          <a:off x="5487772" y="1954521"/>
+          <a:ext cx="1617215" cy="1617215"/>
+        </a:xfrm>
+        <a:prstGeom prst="arc">
+          <a:avLst>
+            <a:gd name="adj1" fmla="val 13200000"/>
+            <a:gd name="adj2" fmla="val 19200000"/>
+          </a:avLst>
+        </a:prstGeom>
+        <a:noFill/>
+        <a:ln w="12700" cap="flat" cmpd="sng" algn="ctr">
+          <a:solidFill>
+            <a:schemeClr val="accent2">
+              <a:shade val="80000"/>
+              <a:hueOff val="0"/>
+              <a:satOff val="0"/>
+              <a:lumOff val="0"/>
+              <a:alphaOff val="0"/>
+            </a:schemeClr>
+          </a:solidFill>
+          <a:prstDash val="solid"/>
+          <a:miter lim="800000"/>
+        </a:ln>
+        <a:effectLst/>
+        <a:scene3d>
+          <a:camera prst="orthographicFront">
+            <a:rot lat="0" lon="0" rev="0"/>
+          </a:camera>
+          <a:lightRig rig="contrasting" dir="t">
+            <a:rot lat="0" lon="0" rev="1200000"/>
+          </a:lightRig>
+        </a:scene3d>
+        <a:sp3d z="-110000"/>
+      </dsp:spPr>
+      <dsp:style>
+        <a:lnRef idx="2">
+          <a:scrgbClr r="0" g="0" b="0"/>
+        </a:lnRef>
+        <a:fillRef idx="0">
+          <a:scrgbClr r="0" g="0" b="0"/>
+        </a:fillRef>
+        <a:effectRef idx="0">
+          <a:scrgbClr r="0" g="0" b="0"/>
+        </a:effectRef>
+        <a:fontRef idx="minor"/>
+      </dsp:style>
+    </dsp:sp>
+    <dsp:sp modelId="{FF42ED11-905B-4361-A372-A52DAFEF3A23}">
+      <dsp:nvSpPr>
+        <dsp:cNvPr id="0" name=""/>
+        <dsp:cNvSpPr/>
+      </dsp:nvSpPr>
+      <dsp:spPr>
+        <a:xfrm>
+          <a:off x="5487772" y="1954521"/>
+          <a:ext cx="1617215" cy="1617215"/>
+        </a:xfrm>
+        <a:prstGeom prst="arc">
+          <a:avLst>
+            <a:gd name="adj1" fmla="val 2400000"/>
+            <a:gd name="adj2" fmla="val 8400000"/>
+          </a:avLst>
+        </a:prstGeom>
+        <a:noFill/>
+        <a:ln w="12700" cap="flat" cmpd="sng" algn="ctr">
+          <a:solidFill>
+            <a:schemeClr val="accent2">
+              <a:shade val="80000"/>
+              <a:hueOff val="0"/>
+              <a:satOff val="0"/>
+              <a:lumOff val="0"/>
+              <a:alphaOff val="0"/>
+            </a:schemeClr>
+          </a:solidFill>
+          <a:prstDash val="solid"/>
+          <a:miter lim="800000"/>
+        </a:ln>
+        <a:effectLst/>
+        <a:scene3d>
+          <a:camera prst="orthographicFront">
+            <a:rot lat="0" lon="0" rev="0"/>
+          </a:camera>
+          <a:lightRig rig="contrasting" dir="t">
+            <a:rot lat="0" lon="0" rev="1200000"/>
+          </a:lightRig>
+        </a:scene3d>
+        <a:sp3d z="-110000"/>
+      </dsp:spPr>
+      <dsp:style>
+        <a:lnRef idx="2">
+          <a:scrgbClr r="0" g="0" b="0"/>
+        </a:lnRef>
+        <a:fillRef idx="0">
+          <a:scrgbClr r="0" g="0" b="0"/>
+        </a:fillRef>
+        <a:effectRef idx="0">
+          <a:scrgbClr r="0" g="0" b="0"/>
+        </a:effectRef>
+        <a:fontRef idx="minor"/>
+      </dsp:style>
+    </dsp:sp>
+    <dsp:sp modelId="{672E1600-7C89-4BF1-9CE7-7117309B94E7}">
+      <dsp:nvSpPr>
+        <dsp:cNvPr id="0" name=""/>
+        <dsp:cNvSpPr/>
+      </dsp:nvSpPr>
+      <dsp:spPr>
+        <a:xfrm>
+          <a:off x="4679165" y="2245619"/>
+          <a:ext cx="3234430" cy="1035017"/>
+        </a:xfrm>
+        <a:prstGeom prst="rect">
+          <a:avLst/>
+        </a:prstGeom>
+        <a:noFill/>
+        <a:ln>
+          <a:noFill/>
+        </a:ln>
+        <a:effectLst/>
+        <a:scene3d>
+          <a:camera prst="orthographicFront">
+            <a:rot lat="0" lon="0" rev="0"/>
+          </a:camera>
+          <a:lightRig rig="contrasting" dir="t">
+            <a:rot lat="0" lon="0" rev="1200000"/>
+          </a:lightRig>
+        </a:scene3d>
+        <a:sp3d/>
+      </dsp:spPr>
+      <dsp:style>
+        <a:lnRef idx="0">
+          <a:scrgbClr r="0" g="0" b="0"/>
+        </a:lnRef>
+        <a:fillRef idx="1">
+          <a:scrgbClr r="0" g="0" b="0"/>
+        </a:fillRef>
+        <a:effectRef idx="0">
+          <a:scrgbClr r="0" g="0" b="0"/>
+        </a:effectRef>
+        <a:fontRef idx="minor"/>
+      </dsp:style>
+      <dsp:txBody>
+        <a:bodyPr spcFirstLastPara="0" vert="horz" wrap="square" lIns="22225" tIns="22225" rIns="22225" bIns="22225" numCol="1" spcCol="1270" anchor="ctr" anchorCtr="0">
+          <a:noAutofit/>
+        </a:bodyPr>
+        <a:lstStyle/>
+        <a:p>
+          <a:pPr marL="0" lvl="0" indent="0" algn="ctr" defTabSz="1555750">
+            <a:lnSpc>
+              <a:spcPct val="90000"/>
+            </a:lnSpc>
+            <a:spcBef>
+              <a:spcPct val="0"/>
+            </a:spcBef>
+            <a:spcAft>
+              <a:spcPct val="35000"/>
+            </a:spcAft>
+            <a:buNone/>
+          </a:pPr>
+          <a:r>
+            <a:rPr lang="en-US" sz="3500" kern="1200" dirty="0"/>
+            <a:t>Filter ‘Age’ group from 20 to 70</a:t>
+          </a:r>
+        </a:p>
+      </dsp:txBody>
+      <dsp:txXfrm>
+        <a:off x="4679165" y="2245619"/>
+        <a:ext cx="3234430" cy="1035017"/>
+      </dsp:txXfrm>
+    </dsp:sp>
+  </dsp:spTree>
+</dsp:drawing>
+</file>
+
 <file path=ppt/diagrams/layout1.xml><?xml version="1.0" encoding="utf-8"?>
 <dgm:layoutDef xmlns:dgm="http://schemas.openxmlformats.org/drawingml/2006/diagram" xmlns:a="http://schemas.openxmlformats.org/drawingml/2006/main" uniqueId="urn:microsoft.com/office/officeart/2016/7/layout/LinearBlockProcessNumbered">
   <dgm:title val="Linear Block Process Numbered"/>
@@ -2935,6 +5141,1301 @@
 </dgm:layoutDef>
 </file>
 
+<file path=ppt/diagrams/layout2.xml><?xml version="1.0" encoding="utf-8"?>
+<dgm:layoutDef xmlns:dgm="http://schemas.openxmlformats.org/drawingml/2006/diagram" xmlns:a="http://schemas.openxmlformats.org/drawingml/2006/main" uniqueId="urn:microsoft.com/office/officeart/2008/layout/HalfCircleOrganizationChart">
+  <dgm:title val=""/>
+  <dgm:desc val=""/>
+  <dgm:catLst>
+    <dgm:cat type="hierarchy" pri="1500"/>
+  </dgm:catLst>
+  <dgm:sampData>
+    <dgm:dataModel>
+      <dgm:ptLst>
+        <dgm:pt modelId="0" type="doc"/>
+        <dgm:pt modelId="1">
+          <dgm:prSet phldr="1"/>
+        </dgm:pt>
+        <dgm:pt modelId="11" type="asst">
+          <dgm:prSet phldr="1"/>
+        </dgm:pt>
+        <dgm:pt modelId="12">
+          <dgm:prSet phldr="1"/>
+        </dgm:pt>
+        <dgm:pt modelId="13">
+          <dgm:prSet phldr="1"/>
+        </dgm:pt>
+        <dgm:pt modelId="14">
+          <dgm:prSet phldr="1"/>
+        </dgm:pt>
+      </dgm:ptLst>
+      <dgm:cxnLst>
+        <dgm:cxn modelId="2" srcId="0" destId="1" srcOrd="0" destOrd="0"/>
+        <dgm:cxn modelId="15" srcId="1" destId="11" srcOrd="0" destOrd="0"/>
+        <dgm:cxn modelId="16" srcId="1" destId="12" srcOrd="1" destOrd="0"/>
+        <dgm:cxn modelId="17" srcId="1" destId="13" srcOrd="2" destOrd="0"/>
+        <dgm:cxn modelId="18" srcId="1" destId="14" srcOrd="2" destOrd="0"/>
+      </dgm:cxnLst>
+      <dgm:bg/>
+      <dgm:whole/>
+    </dgm:dataModel>
+  </dgm:sampData>
+  <dgm:styleData>
+    <dgm:dataModel>
+      <dgm:ptLst>
+        <dgm:pt modelId="0" type="doc"/>
+        <dgm:pt modelId="1">
+          <dgm:prSet phldr="1"/>
+        </dgm:pt>
+        <dgm:pt modelId="11">
+          <dgm:prSet phldr="1"/>
+        </dgm:pt>
+        <dgm:pt modelId="12">
+          <dgm:prSet phldr="1"/>
+        </dgm:pt>
+      </dgm:ptLst>
+      <dgm:cxnLst>
+        <dgm:cxn modelId="2" srcId="0" destId="1" srcOrd="0" destOrd="0"/>
+        <dgm:cxn modelId="3" srcId="1" destId="11" srcOrd="0" destOrd="0"/>
+        <dgm:cxn modelId="4" srcId="1" destId="12" srcOrd="1" destOrd="0"/>
+      </dgm:cxnLst>
+      <dgm:bg/>
+      <dgm:whole/>
+    </dgm:dataModel>
+  </dgm:styleData>
+  <dgm:clrData>
+    <dgm:dataModel>
+      <dgm:ptLst>
+        <dgm:pt modelId="0" type="doc"/>
+        <dgm:pt modelId="1">
+          <dgm:prSet phldr="1"/>
+        </dgm:pt>
+        <dgm:pt modelId="11" type="asst">
+          <dgm:prSet phldr="1"/>
+        </dgm:pt>
+        <dgm:pt modelId="12">
+          <dgm:prSet phldr="1"/>
+        </dgm:pt>
+        <dgm:pt modelId="13">
+          <dgm:prSet phldr="1"/>
+        </dgm:pt>
+        <dgm:pt modelId="14">
+          <dgm:prSet phldr="1"/>
+        </dgm:pt>
+      </dgm:ptLst>
+      <dgm:cxnLst>
+        <dgm:cxn modelId="2" srcId="0" destId="1" srcOrd="0" destOrd="0"/>
+        <dgm:cxn modelId="15" srcId="1" destId="11" srcOrd="0" destOrd="0"/>
+        <dgm:cxn modelId="16" srcId="1" destId="12" srcOrd="1" destOrd="0"/>
+        <dgm:cxn modelId="17" srcId="1" destId="13" srcOrd="2" destOrd="0"/>
+        <dgm:cxn modelId="18" srcId="1" destId="14" srcOrd="2" destOrd="0"/>
+      </dgm:cxnLst>
+      <dgm:bg/>
+      <dgm:whole/>
+    </dgm:dataModel>
+  </dgm:clrData>
+  <dgm:layoutNode name="Name0">
+    <dgm:varLst>
+      <dgm:orgChart val="1"/>
+      <dgm:chPref val="1"/>
+      <dgm:dir/>
+      <dgm:animOne val="branch"/>
+      <dgm:animLvl val="lvl"/>
+      <dgm:resizeHandles/>
+    </dgm:varLst>
+    <dgm:choose name="Name1">
+      <dgm:if name="Name2" func="var" arg="dir" op="equ" val="norm">
+        <dgm:alg type="hierChild">
+          <dgm:param type="linDir" val="fromL"/>
+        </dgm:alg>
+      </dgm:if>
+      <dgm:else name="Name3">
+        <dgm:alg type="hierChild">
+          <dgm:param type="linDir" val="fromR"/>
+        </dgm:alg>
+      </dgm:else>
+    </dgm:choose>
+    <dgm:shape xmlns:r="http://schemas.openxmlformats.org/officeDocument/2006/relationships" r:blip="">
+      <dgm:adjLst/>
+    </dgm:shape>
+    <dgm:presOf/>
+    <dgm:constrLst>
+      <dgm:constr type="w" for="des" forName="rootComposite1" refType="w" fact="10"/>
+      <dgm:constr type="h" for="des" forName="rootComposite1" refType="w" refFor="des" refForName="rootComposite1" fact="0.5"/>
+      <dgm:constr type="w" for="des" forName="rootComposite2" refType="w" fact="10"/>
+      <dgm:constr type="h" for="des" forName="rootComposite2" refType="w" refFor="des" refForName="rootComposite1" fact="0.5"/>
+      <dgm:constr type="w" for="des" forName="rootComposite3" refType="w" fact="10"/>
+      <dgm:constr type="h" for="des" forName="rootComposite3" refType="w" refFor="des" refForName="rootComposite1" fact="0.5"/>
+      <dgm:constr type="primFontSz" for="des" ptType="node" op="equ"/>
+      <dgm:constr type="sp" for="des" op="equ"/>
+      <dgm:constr type="sp" for="des" forName="hierRoot1" refType="w" refFor="des" refForName="rootComposite1" fact="0.21"/>
+      <dgm:constr type="sp" for="des" forName="hierRoot2" refType="sp" refFor="des" refForName="hierRoot1"/>
+      <dgm:constr type="sp" for="des" forName="hierRoot3" refType="sp" refFor="des" refForName="hierRoot1"/>
+      <dgm:constr type="sibSp" refType="w" refFor="des" refForName="rootComposite1" fact="0.21"/>
+      <dgm:constr type="sibSp" for="des" forName="hierChild2" refType="sibSp"/>
+      <dgm:constr type="sibSp" for="des" forName="hierChild3" refType="sibSp"/>
+      <dgm:constr type="sibSp" for="des" forName="hierChild4" refType="sibSp"/>
+      <dgm:constr type="sibSp" for="des" forName="hierChild5" refType="sibSp"/>
+      <dgm:constr type="sibSp" for="des" forName="hierChild6" refType="sibSp"/>
+      <dgm:constr type="sibSp" for="des" forName="hierChild7" refType="sibSp"/>
+      <dgm:constr type="secSibSp" refType="w" refFor="des" refForName="rootComposite1" fact="0.21"/>
+      <dgm:constr type="secSibSp" for="des" forName="hierChild2" refType="secSibSp"/>
+      <dgm:constr type="secSibSp" for="des" forName="hierChild3" refType="secSibSp"/>
+      <dgm:constr type="secSibSp" for="des" forName="hierChild4" refType="secSibSp"/>
+      <dgm:constr type="secSibSp" for="des" forName="hierChild5" refType="secSibSp"/>
+      <dgm:constr type="secSibSp" for="des" forName="hierChild6" refType="secSibSp"/>
+      <dgm:constr type="secSibSp" for="des" forName="hierChild7" refType="secSibSp"/>
+    </dgm:constrLst>
+    <dgm:forEach name="Name4" axis="ch">
+      <dgm:forEach name="Name5" axis="self" ptType="node">
+        <dgm:layoutNode name="hierRoot1">
+          <dgm:varLst>
+            <dgm:hierBranch val="init"/>
+          </dgm:varLst>
+          <dgm:choose name="Name6">
+            <dgm:if name="Name7" func="var" arg="hierBranch" op="equ" val="l">
+              <dgm:alg type="hierRoot">
+                <dgm:param type="hierAlign" val="tR"/>
+              </dgm:alg>
+              <dgm:constrLst>
+                <dgm:constr type="alignOff" val="0.65"/>
+              </dgm:constrLst>
+            </dgm:if>
+            <dgm:if name="Name8" func="var" arg="hierBranch" op="equ" val="r">
+              <dgm:alg type="hierRoot">
+                <dgm:param type="hierAlign" val="tL"/>
+              </dgm:alg>
+              <dgm:constrLst>
+                <dgm:constr type="alignOff" val="0.65"/>
+              </dgm:constrLst>
+            </dgm:if>
+            <dgm:if name="Name9" func="var" arg="hierBranch" op="equ" val="hang">
+              <dgm:alg type="hierRoot"/>
+              <dgm:constrLst>
+                <dgm:constr type="alignOff" val="0.65"/>
+              </dgm:constrLst>
+            </dgm:if>
+            <dgm:else name="Name10">
+              <dgm:alg type="hierRoot"/>
+              <dgm:constrLst>
+                <dgm:constr type="alignOff"/>
+                <dgm:constr type="bendDist" for="des" ptType="parTrans" refType="sp" fact="0.5"/>
+              </dgm:constrLst>
+            </dgm:else>
+          </dgm:choose>
+          <dgm:shape xmlns:r="http://schemas.openxmlformats.org/officeDocument/2006/relationships" r:blip="">
+            <dgm:adjLst/>
+          </dgm:shape>
+          <dgm:presOf/>
+          <dgm:layoutNode name="rootComposite1">
+            <dgm:alg type="composite"/>
+            <dgm:shape xmlns:r="http://schemas.openxmlformats.org/officeDocument/2006/relationships" r:blip="">
+              <dgm:adjLst/>
+            </dgm:shape>
+            <dgm:presOf axis="self" ptType="node" cnt="1"/>
+            <dgm:choose name="Name11">
+              <dgm:if name="Name12" func="var" arg="hierBranch" op="equ" val="init">
+                <dgm:constrLst>
+                  <dgm:constr type="l" for="ch" forName="rootText1"/>
+                  <dgm:constr type="t" for="ch" forName="rootText1" refType="h" fact="0.18"/>
+                  <dgm:constr type="w" for="ch" forName="rootText1" refType="w"/>
+                  <dgm:constr type="h" for="ch" forName="rootText1" refType="h" fact="0.64"/>
+                  <dgm:constr type="l" for="ch" forName="topArc1" refType="w" fact="0.25"/>
+                  <dgm:constr type="t" for="ch" forName="topArc1"/>
+                  <dgm:constr type="w" for="ch" forName="topArc1" refType="h" refFor="ch" refForName="topArc1"/>
+                  <dgm:constr type="h" for="ch" forName="topArc1" refType="h"/>
+                  <dgm:constr type="l" for="ch" forName="bottomArc1" refType="w" fact="0.25"/>
+                  <dgm:constr type="t" for="ch" forName="bottomArc1"/>
+                  <dgm:constr type="w" for="ch" forName="bottomArc1" refType="h" refFor="ch" refForName="bottomArc1"/>
+                  <dgm:constr type="h" for="ch" forName="bottomArc1" refType="h"/>
+                  <dgm:constr type="ctrX" for="ch" forName="topConnNode1" refType="w" fact="0.5"/>
+                  <dgm:constr type="t" for="ch" forName="topConnNode1"/>
+                  <dgm:constr type="w" for="ch" forName="topConnNode1" refType="h" fact="0.76"/>
+                  <dgm:constr type="b" for="ch" forName="topConnNode1" refType="t" refFor="ch" refForName="rootText1"/>
+                </dgm:constrLst>
+              </dgm:if>
+              <dgm:if name="Name13" func="var" arg="hierBranch" op="equ" val="l">
+                <dgm:constrLst>
+                  <dgm:constr type="l" for="ch" forName="rootText1"/>
+                  <dgm:constr type="t" for="ch" forName="rootText1" refType="h" fact="0.18"/>
+                  <dgm:constr type="w" for="ch" forName="rootText1" refType="w"/>
+                  <dgm:constr type="h" for="ch" forName="rootText1" refType="h" fact="0.64"/>
+                  <dgm:constr type="l" for="ch" forName="topArc1" refType="w" fact="0.25"/>
+                  <dgm:constr type="t" for="ch" forName="topArc1"/>
+                  <dgm:constr type="w" for="ch" forName="topArc1" refType="h" refFor="ch" refForName="topArc1"/>
+                  <dgm:constr type="h" for="ch" forName="topArc1" refType="h"/>
+                  <dgm:constr type="l" for="ch" forName="bottomArc1" refType="w" fact="0.25"/>
+                  <dgm:constr type="t" for="ch" forName="bottomArc1"/>
+                  <dgm:constr type="w" for="ch" forName="bottomArc1" refType="h" refFor="ch" refForName="bottomArc1"/>
+                  <dgm:constr type="h" for="ch" forName="bottomArc1" refType="h"/>
+                  <dgm:constr type="ctrX" for="ch" forName="topConnNode1" refType="w" fact="0.5"/>
+                  <dgm:constr type="t" for="ch" forName="topConnNode1"/>
+                  <dgm:constr type="w" for="ch" forName="topConnNode1" refType="h" fact="0.76"/>
+                  <dgm:constr type="b" for="ch" forName="topConnNode1" refType="t" refFor="ch" refForName="rootText1"/>
+                </dgm:constrLst>
+              </dgm:if>
+              <dgm:if name="Name14" func="var" arg="hierBranch" op="equ" val="r">
+                <dgm:constrLst>
+                  <dgm:constr type="l" for="ch" forName="rootText1"/>
+                  <dgm:constr type="t" for="ch" forName="rootText1" refType="h" fact="0.18"/>
+                  <dgm:constr type="w" for="ch" forName="rootText1" refType="w"/>
+                  <dgm:constr type="h" for="ch" forName="rootText1" refType="h" fact="0.64"/>
+                  <dgm:constr type="l" for="ch" forName="topArc1" refType="w" fact="0.25"/>
+                  <dgm:constr type="t" for="ch" forName="topArc1"/>
+                  <dgm:constr type="w" for="ch" forName="topArc1" refType="h" refFor="ch" refForName="topArc1"/>
+                  <dgm:constr type="h" for="ch" forName="topArc1" refType="h"/>
+                  <dgm:constr type="l" for="ch" forName="bottomArc1" refType="w" fact="0.25"/>
+                  <dgm:constr type="t" for="ch" forName="bottomArc1"/>
+                  <dgm:constr type="w" for="ch" forName="bottomArc1" refType="h" refFor="ch" refForName="bottomArc1"/>
+                  <dgm:constr type="h" for="ch" forName="bottomArc1" refType="h"/>
+                  <dgm:constr type="ctrX" for="ch" forName="topConnNode1" refType="w" fact="0.5"/>
+                  <dgm:constr type="t" for="ch" forName="topConnNode1"/>
+                  <dgm:constr type="w" for="ch" forName="topConnNode1" refType="h" fact="0.76"/>
+                  <dgm:constr type="b" for="ch" forName="topConnNode1" refType="t" refFor="ch" refForName="rootText1"/>
+                </dgm:constrLst>
+              </dgm:if>
+              <dgm:else name="Name15">
+                <dgm:constrLst>
+                  <dgm:constr type="l" for="ch" forName="rootText1"/>
+                  <dgm:constr type="t" for="ch" forName="rootText1" refType="h" fact="0.18"/>
+                  <dgm:constr type="w" for="ch" forName="rootText1" refType="w"/>
+                  <dgm:constr type="h" for="ch" forName="rootText1" refType="h" fact="0.64"/>
+                  <dgm:constr type="l" for="ch" forName="topArc1" refType="w" fact="0.25"/>
+                  <dgm:constr type="t" for="ch" forName="topArc1"/>
+                  <dgm:constr type="w" for="ch" forName="topArc1" refType="h" refFor="ch" refForName="topArc1"/>
+                  <dgm:constr type="h" for="ch" forName="topArc1" refType="h"/>
+                  <dgm:constr type="l" for="ch" forName="bottomArc1" refType="w" fact="0.25"/>
+                  <dgm:constr type="t" for="ch" forName="bottomArc1"/>
+                  <dgm:constr type="w" for="ch" forName="bottomArc1" refType="h" refFor="ch" refForName="bottomArc1"/>
+                  <dgm:constr type="h" for="ch" forName="bottomArc1" refType="h"/>
+                  <dgm:constr type="ctrX" for="ch" forName="topConnNode1" refType="w" fact="0.5"/>
+                  <dgm:constr type="t" for="ch" forName="topConnNode1"/>
+                  <dgm:constr type="w" for="ch" forName="topConnNode1" refType="h" fact="0.76"/>
+                  <dgm:constr type="b" for="ch" forName="topConnNode1" refType="t" refFor="ch" refForName="rootText1"/>
+                </dgm:constrLst>
+              </dgm:else>
+            </dgm:choose>
+            <dgm:layoutNode name="rootText1" styleLbl="alignAcc1">
+              <dgm:varLst>
+                <dgm:chPref val="3"/>
+              </dgm:varLst>
+              <dgm:alg type="tx"/>
+              <dgm:shape xmlns:r="http://schemas.openxmlformats.org/officeDocument/2006/relationships" type="rect" r:blip="" hideGeom="1">
+                <dgm:adjLst/>
+              </dgm:shape>
+              <dgm:presOf axis="self" ptType="node" cnt="1"/>
+              <dgm:constrLst>
+                <dgm:constr type="primFontSz" val="65"/>
+                <dgm:constr type="lMarg" refType="primFontSz" fact="0.05"/>
+                <dgm:constr type="rMarg" refType="primFontSz" fact="0.05"/>
+                <dgm:constr type="tMarg" refType="primFontSz" fact="0.05"/>
+                <dgm:constr type="bMarg" refType="primFontSz" fact="0.05"/>
+              </dgm:constrLst>
+              <dgm:ruleLst>
+                <dgm:rule type="primFontSz" val="5" fact="NaN" max="NaN"/>
+              </dgm:ruleLst>
+            </dgm:layoutNode>
+            <dgm:layoutNode name="topArc1" styleLbl="parChTrans1D1" moveWith="rootText1">
+              <dgm:alg type="sp"/>
+              <dgm:shape xmlns:r="http://schemas.openxmlformats.org/officeDocument/2006/relationships" type="arc" r:blip="" zOrderOff="-2">
+                <dgm:adjLst>
+                  <dgm:adj idx="1" val="-140"/>
+                  <dgm:adj idx="2" val="-40"/>
+                </dgm:adjLst>
+              </dgm:shape>
+              <dgm:presOf/>
+            </dgm:layoutNode>
+            <dgm:layoutNode name="bottomArc1" styleLbl="parChTrans1D1" moveWith="rootText1">
+              <dgm:alg type="sp"/>
+              <dgm:shape xmlns:r="http://schemas.openxmlformats.org/officeDocument/2006/relationships" type="arc" r:blip="" zOrderOff="-2">
+                <dgm:adjLst>
+                  <dgm:adj idx="1" val="40"/>
+                  <dgm:adj idx="2" val="140"/>
+                </dgm:adjLst>
+              </dgm:shape>
+              <dgm:presOf/>
+            </dgm:layoutNode>
+            <dgm:layoutNode name="topConnNode1" moveWith="rootText1">
+              <dgm:alg type="sp"/>
+              <dgm:shape xmlns:r="http://schemas.openxmlformats.org/officeDocument/2006/relationships" type="rect" r:blip="" hideGeom="1">
+                <dgm:adjLst/>
+              </dgm:shape>
+              <dgm:presOf axis="self" ptType="node" cnt="1"/>
+            </dgm:layoutNode>
+          </dgm:layoutNode>
+          <dgm:layoutNode name="hierChild2">
+            <dgm:choose name="Name16">
+              <dgm:if name="Name17" func="var" arg="hierBranch" op="equ" val="l">
+                <dgm:alg type="hierChild">
+                  <dgm:param type="chAlign" val="r"/>
+                  <dgm:param type="linDir" val="fromT"/>
+                </dgm:alg>
+              </dgm:if>
+              <dgm:if name="Name18" func="var" arg="hierBranch" op="equ" val="r">
+                <dgm:alg type="hierChild">
+                  <dgm:param type="chAlign" val="l"/>
+                  <dgm:param type="linDir" val="fromT"/>
+                </dgm:alg>
+              </dgm:if>
+              <dgm:if name="Name19" func="var" arg="hierBranch" op="equ" val="hang">
+                <dgm:choose name="Name20">
+                  <dgm:if name="Name21" func="var" arg="dir" op="equ" val="norm">
+                    <dgm:alg type="hierChild">
+                      <dgm:param type="chAlign" val="l"/>
+                      <dgm:param type="linDir" val="fromL"/>
+                      <dgm:param type="secChAlign" val="t"/>
+                      <dgm:param type="secLinDir" val="fromT"/>
+                    </dgm:alg>
+                  </dgm:if>
+                  <dgm:else name="Name22">
+                    <dgm:alg type="hierChild">
+                      <dgm:param type="chAlign" val="l"/>
+                      <dgm:param type="linDir" val="fromR"/>
+                      <dgm:param type="secChAlign" val="t"/>
+                      <dgm:param type="secLinDir" val="fromT"/>
+                    </dgm:alg>
+                  </dgm:else>
+                </dgm:choose>
+              </dgm:if>
+              <dgm:else name="Name23">
+                <dgm:choose name="Name24">
+                  <dgm:if name="Name25" func="var" arg="dir" op="equ" val="norm">
+                    <dgm:alg type="hierChild"/>
+                  </dgm:if>
+                  <dgm:else name="Name26">
+                    <dgm:alg type="hierChild">
+                      <dgm:param type="linDir" val="fromR"/>
+                    </dgm:alg>
+                  </dgm:else>
+                </dgm:choose>
+              </dgm:else>
+            </dgm:choose>
+            <dgm:shape xmlns:r="http://schemas.openxmlformats.org/officeDocument/2006/relationships" r:blip="">
+              <dgm:adjLst/>
+            </dgm:shape>
+            <dgm:presOf/>
+            <dgm:forEach name="rep2a" axis="ch" ptType="nonAsst">
+              <dgm:forEach name="Name27" axis="precedSib" ptType="parTrans" st="-1" cnt="1">
+                <dgm:layoutNode name="Name28">
+                  <dgm:choose name="Name29">
+                    <dgm:if name="Name30" func="var" arg="hierBranch" op="equ" val="std">
+                      <dgm:choose name="Name31">
+                        <dgm:if name="Name32" axis="self" func="depth" op="lte" val="2">
+                          <dgm:alg type="conn">
+                            <dgm:param type="connRout" val="bend"/>
+                            <dgm:param type="dim" val="1D"/>
+                            <dgm:param type="endSty" val="noArr"/>
+                            <dgm:param type="begPts" val="bCtr"/>
+                            <dgm:param type="endPts" val="tCtr"/>
+                            <dgm:param type="bendPt" val="end"/>
+                            <dgm:param type="srcNode" val="bottomArc1"/>
+                            <dgm:param type="dstNode" val="topArc2"/>
+                          </dgm:alg>
+                        </dgm:if>
+                        <dgm:if name="Name33" axis="par" ptType="asst" func="cnt" op="equ" val="1">
+                          <dgm:alg type="conn">
+                            <dgm:param type="connRout" val="bend"/>
+                            <dgm:param type="dim" val="1D"/>
+                            <dgm:param type="endSty" val="noArr"/>
+                            <dgm:param type="begPts" val="bCtr"/>
+                            <dgm:param type="endPts" val="tCtr"/>
+                            <dgm:param type="bendPt" val="end"/>
+                            <dgm:param type="srcNode" val="bottomArc3"/>
+                            <dgm:param type="dstNode" val="topArc2"/>
+                          </dgm:alg>
+                        </dgm:if>
+                        <dgm:else name="Name34">
+                          <dgm:alg type="conn">
+                            <dgm:param type="connRout" val="bend"/>
+                            <dgm:param type="dim" val="1D"/>
+                            <dgm:param type="endSty" val="noArr"/>
+                            <dgm:param type="begPts" val="bCtr"/>
+                            <dgm:param type="endPts" val="tCtr"/>
+                            <dgm:param type="bendPt" val="end"/>
+                            <dgm:param type="srcNode" val="bottomArc2"/>
+                            <dgm:param type="dstNode" val="topArc2"/>
+                          </dgm:alg>
+                        </dgm:else>
+                      </dgm:choose>
+                    </dgm:if>
+                    <dgm:if name="Name35" func="var" arg="hierBranch" op="equ" val="init">
+                      <dgm:choose name="Name36">
+                        <dgm:if name="Name37" axis="self" func="depth" op="lte" val="2">
+                          <dgm:choose name="Name38">
+                            <dgm:if name="Name39" axis="self" func="depth" op="lte" val="2">
+                              <dgm:alg type="conn">
+                                <dgm:param type="connRout" val="bend"/>
+                                <dgm:param type="dim" val="1D"/>
+                                <dgm:param type="endSty" val="noArr"/>
+                                <dgm:param type="begPts" val="bCtr"/>
+                                <dgm:param type="endPts" val="tCtr"/>
+                                <dgm:param type="bendPt" val="end"/>
+                                <dgm:param type="srcNode" val="bottomArc1"/>
+                                <dgm:param type="dstNode" val="topArc2"/>
+                              </dgm:alg>
+                            </dgm:if>
+                            <dgm:if name="Name40" axis="par" ptType="asst" func="cnt" op="equ" val="1">
+                              <dgm:alg type="conn">
+                                <dgm:param type="connRout" val="bend"/>
+                                <dgm:param type="dim" val="1D"/>
+                                <dgm:param type="endSty" val="noArr"/>
+                                <dgm:param type="begPts" val="bCtr"/>
+                                <dgm:param type="endPts" val="tCtr"/>
+                                <dgm:param type="bendPt" val="end"/>
+                                <dgm:param type="srcNode" val="bottomArc3"/>
+                                <dgm:param type="dstNode" val="topArc2"/>
+                              </dgm:alg>
+                            </dgm:if>
+                            <dgm:else name="Name41">
+                              <dgm:alg type="conn">
+                                <dgm:param type="connRout" val="bend"/>
+                                <dgm:param type="dim" val="1D"/>
+                                <dgm:param type="endSty" val="noArr"/>
+                                <dgm:param type="begPts" val="bCtr"/>
+                                <dgm:param type="endPts" val="tCtr"/>
+                                <dgm:param type="bendPt" val="end"/>
+                                <dgm:param type="srcNode" val="bottomArc2"/>
+                                <dgm:param type="dstNode" val="topArc2"/>
+                              </dgm:alg>
+                            </dgm:else>
+                          </dgm:choose>
+                        </dgm:if>
+                        <dgm:else name="Name42">
+                          <dgm:choose name="Name43">
+                            <dgm:if name="Name44" axis="par des" func="maxDepth" op="lte" val="1">
+                              <dgm:choose name="Name45">
+                                <dgm:if name="Name46" axis="self" func="depth" op="lte" val="2">
+                                  <dgm:alg type="conn">
+                                    <dgm:param type="connRout" val="bend"/>
+                                    <dgm:param type="dim" val="1D"/>
+                                    <dgm:param type="endSty" val="noArr"/>
+                                    <dgm:param type="begPts" val="bCtr"/>
+                                    <dgm:param type="endPts" val="bL bR"/>
+                                    <dgm:param type="srcNode" val="bottomArc1"/>
+                                    <dgm:param type="dstNode" val="topConnNode2"/>
+                                  </dgm:alg>
+                                </dgm:if>
+                                <dgm:if name="Name47" axis="par" ptType="asst" func="cnt" op="equ" val="1">
+                                  <dgm:alg type="conn">
+                                    <dgm:param type="connRout" val="bend"/>
+                                    <dgm:param type="dim" val="1D"/>
+                                    <dgm:param type="endSty" val="noArr"/>
+                                    <dgm:param type="begPts" val="bCtr"/>
+                                    <dgm:param type="endPts" val="bL bR"/>
+                                    <dgm:param type="srcNode" val="bottomArc3"/>
+                                    <dgm:param type="dstNode" val="topConnNode2"/>
+                                  </dgm:alg>
+                                </dgm:if>
+                                <dgm:else name="Name48">
+                                  <dgm:alg type="conn">
+                                    <dgm:param type="connRout" val="bend"/>
+                                    <dgm:param type="dim" val="1D"/>
+                                    <dgm:param type="endSty" val="noArr"/>
+                                    <dgm:param type="begPts" val="bCtr"/>
+                                    <dgm:param type="endPts" val="bL bR"/>
+                                    <dgm:param type="srcNode" val="bottomArc2"/>
+                                    <dgm:param type="dstNode" val="topConnNode2"/>
+                                  </dgm:alg>
+                                </dgm:else>
+                              </dgm:choose>
+                            </dgm:if>
+                            <dgm:else name="Name49">
+                              <dgm:choose name="Name50">
+                                <dgm:if name="Name51" axis="self" func="depth" op="lte" val="2">
+                                  <dgm:alg type="conn">
+                                    <dgm:param type="connRout" val="bend"/>
+                                    <dgm:param type="dim" val="1D"/>
+                                    <dgm:param type="endSty" val="noArr"/>
+                                    <dgm:param type="begPts" val="bCtr"/>
+                                    <dgm:param type="endPts" val="tCtr"/>
+                                    <dgm:param type="bendPt" val="end"/>
+                                    <dgm:param type="srcNode" val="bottomArc1"/>
+                                    <dgm:param type="dstNode" val="topArc2"/>
+                                  </dgm:alg>
+                                </dgm:if>
+                                <dgm:if name="Name52" axis="par" ptType="asst" func="cnt" op="equ" val="1">
+                                  <dgm:alg type="conn">
+                                    <dgm:param type="connRout" val="bend"/>
+                                    <dgm:param type="dim" val="1D"/>
+                                    <dgm:param type="endSty" val="noArr"/>
+                                    <dgm:param type="begPts" val="bCtr"/>
+                                    <dgm:param type="endPts" val="tCtr"/>
+                                    <dgm:param type="bendPt" val="end"/>
+                                    <dgm:param type="srcNode" val="bottomArc3"/>
+                                    <dgm:param type="dstNode" val="topArc2"/>
+                                  </dgm:alg>
+                                </dgm:if>
+                                <dgm:else name="Name53">
+                                  <dgm:alg type="conn">
+                                    <dgm:param type="connRout" val="bend"/>
+                                    <dgm:param type="dim" val="1D"/>
+                                    <dgm:param type="endSty" val="noArr"/>
+                                    <dgm:param type="begPts" val="bCtr"/>
+                                    <dgm:param type="endPts" val="tCtr"/>
+                                    <dgm:param type="bendPt" val="end"/>
+                                    <dgm:param type="srcNode" val="bottomArc2"/>
+                                    <dgm:param type="dstNode" val="topArc2"/>
+                                  </dgm:alg>
+                                </dgm:else>
+                              </dgm:choose>
+                            </dgm:else>
+                          </dgm:choose>
+                        </dgm:else>
+                      </dgm:choose>
+                    </dgm:if>
+                    <dgm:else name="Name54">
+                      <dgm:choose name="Name55">
+                        <dgm:if name="Name56" axis="self" func="depth" op="lte" val="2">
+                          <dgm:alg type="conn">
+                            <dgm:param type="connRout" val="bend"/>
+                            <dgm:param type="dim" val="1D"/>
+                            <dgm:param type="endSty" val="noArr"/>
+                            <dgm:param type="begPts" val="bCtr"/>
+                            <dgm:param type="endPts" val="bL bR"/>
+                            <dgm:param type="srcNode" val="bottomArc1"/>
+                            <dgm:param type="dstNode" val="topConnNode2"/>
+                          </dgm:alg>
+                        </dgm:if>
+                        <dgm:if name="Name57" axis="par" ptType="asst" func="cnt" op="equ" val="1">
+                          <dgm:alg type="conn">
+                            <dgm:param type="connRout" val="bend"/>
+                            <dgm:param type="dim" val="1D"/>
+                            <dgm:param type="endSty" val="noArr"/>
+                            <dgm:param type="begPts" val="bCtr"/>
+                            <dgm:param type="endPts" val="bL bR"/>
+                            <dgm:param type="srcNode" val="bottomArc3"/>
+                            <dgm:param type="dstNode" val="topConnNode2"/>
+                          </dgm:alg>
+                        </dgm:if>
+                        <dgm:else name="Name58">
+                          <dgm:alg type="conn">
+                            <dgm:param type="connRout" val="bend"/>
+                            <dgm:param type="dim" val="1D"/>
+                            <dgm:param type="endSty" val="noArr"/>
+                            <dgm:param type="begPts" val="bCtr"/>
+                            <dgm:param type="endPts" val="bL bR"/>
+                            <dgm:param type="srcNode" val="bottomArc2"/>
+                            <dgm:param type="dstNode" val="topConnNode2"/>
+                          </dgm:alg>
+                        </dgm:else>
+                      </dgm:choose>
+                    </dgm:else>
+                  </dgm:choose>
+                  <dgm:shape xmlns:r="http://schemas.openxmlformats.org/officeDocument/2006/relationships" type="conn" r:blip="" zOrderOff="-99999">
+                    <dgm:adjLst/>
+                  </dgm:shape>
+                  <dgm:presOf axis="self"/>
+                  <dgm:constrLst>
+                    <dgm:constr type="begPad"/>
+                    <dgm:constr type="endPad"/>
+                  </dgm:constrLst>
+                </dgm:layoutNode>
+              </dgm:forEach>
+              <dgm:layoutNode name="hierRoot2">
+                <dgm:varLst>
+                  <dgm:hierBranch val="init"/>
+                </dgm:varLst>
+                <dgm:choose name="Name59">
+                  <dgm:if name="Name60" func="var" arg="hierBranch" op="equ" val="l">
+                    <dgm:alg type="hierRoot">
+                      <dgm:param type="hierAlign" val="tR"/>
+                    </dgm:alg>
+                    <dgm:shape xmlns:r="http://schemas.openxmlformats.org/officeDocument/2006/relationships" r:blip="">
+                      <dgm:adjLst/>
+                    </dgm:shape>
+                    <dgm:presOf/>
+                    <dgm:constrLst>
+                      <dgm:constr type="alignOff" val="0.65"/>
+                    </dgm:constrLst>
+                  </dgm:if>
+                  <dgm:if name="Name61" func="var" arg="hierBranch" op="equ" val="r">
+                    <dgm:alg type="hierRoot">
+                      <dgm:param type="hierAlign" val="tL"/>
+                    </dgm:alg>
+                    <dgm:shape xmlns:r="http://schemas.openxmlformats.org/officeDocument/2006/relationships" r:blip="">
+                      <dgm:adjLst/>
+                    </dgm:shape>
+                    <dgm:presOf/>
+                    <dgm:constrLst>
+                      <dgm:constr type="alignOff" val="0.65"/>
+                    </dgm:constrLst>
+                  </dgm:if>
+                  <dgm:if name="Name62" func="var" arg="hierBranch" op="equ" val="std">
+                    <dgm:alg type="hierRoot"/>
+                    <dgm:shape xmlns:r="http://schemas.openxmlformats.org/officeDocument/2006/relationships" r:blip="">
+                      <dgm:adjLst/>
+                    </dgm:shape>
+                    <dgm:presOf/>
+                    <dgm:constrLst>
+                      <dgm:constr type="alignOff"/>
+                      <dgm:constr type="bendDist" for="des" ptType="parTrans" refType="sp" fact="0.5"/>
+                    </dgm:constrLst>
+                  </dgm:if>
+                  <dgm:if name="Name63" func="var" arg="hierBranch" op="equ" val="init">
+                    <dgm:choose name="Name64">
+                      <dgm:if name="Name65" axis="des" func="maxDepth" op="lte" val="1">
+                        <dgm:alg type="hierRoot">
+                          <dgm:param type="hierAlign" val="tL"/>
+                        </dgm:alg>
+                        <dgm:shape xmlns:r="http://schemas.openxmlformats.org/officeDocument/2006/relationships" r:blip="">
+                          <dgm:adjLst/>
+                        </dgm:shape>
+                        <dgm:presOf/>
+                        <dgm:constrLst>
+                          <dgm:constr type="alignOff" val="0.65"/>
+                        </dgm:constrLst>
+                      </dgm:if>
+                      <dgm:else name="Name66">
+                        <dgm:alg type="hierRoot"/>
+                        <dgm:shape xmlns:r="http://schemas.openxmlformats.org/officeDocument/2006/relationships" r:blip="">
+                          <dgm:adjLst/>
+                        </dgm:shape>
+                        <dgm:presOf/>
+                        <dgm:constrLst>
+                          <dgm:constr type="alignOff"/>
+                          <dgm:constr type="bendDist" for="des" ptType="parTrans" refType="sp" fact="0.5"/>
+                        </dgm:constrLst>
+                      </dgm:else>
+                    </dgm:choose>
+                  </dgm:if>
+                  <dgm:else name="Name67">
+                    <dgm:alg type="hierRoot"/>
+                    <dgm:shape xmlns:r="http://schemas.openxmlformats.org/officeDocument/2006/relationships" r:blip="">
+                      <dgm:adjLst/>
+                    </dgm:shape>
+                    <dgm:presOf/>
+                    <dgm:constrLst>
+                      <dgm:constr type="alignOff" val="0.65"/>
+                    </dgm:constrLst>
+                  </dgm:else>
+                </dgm:choose>
+                <dgm:layoutNode name="rootComposite2">
+                  <dgm:alg type="composite"/>
+                  <dgm:shape xmlns:r="http://schemas.openxmlformats.org/officeDocument/2006/relationships" r:blip="">
+                    <dgm:adjLst/>
+                  </dgm:shape>
+                  <dgm:presOf axis="self" ptType="node" cnt="1"/>
+                  <dgm:choose name="Name68">
+                    <dgm:if name="Name69" func="var" arg="hierBranch" op="equ" val="init">
+                      <dgm:constrLst>
+                        <dgm:constr type="l" for="ch" forName="rootText2"/>
+                        <dgm:constr type="t" for="ch" forName="rootText2" refType="h" fact="0.18"/>
+                        <dgm:constr type="w" for="ch" forName="rootText2" refType="w"/>
+                        <dgm:constr type="h" for="ch" forName="rootText2" refType="h" fact="0.64"/>
+                        <dgm:constr type="l" for="ch" forName="topArc2" refType="w" fact="0.25"/>
+                        <dgm:constr type="t" for="ch" forName="topArc2"/>
+                        <dgm:constr type="w" for="ch" forName="topArc2" refType="h" refFor="ch" refForName="topArc2"/>
+                        <dgm:constr type="h" for="ch" forName="topArc2" refType="h"/>
+                        <dgm:constr type="l" for="ch" forName="bottomArc2" refType="w" fact="0.25"/>
+                        <dgm:constr type="t" for="ch" forName="bottomArc2"/>
+                        <dgm:constr type="w" for="ch" forName="bottomArc2" refType="h" refFor="ch" refForName="bottomArc2"/>
+                        <dgm:constr type="h" for="ch" forName="bottomArc2" refType="h"/>
+                        <dgm:constr type="ctrX" for="ch" forName="topConnNode2" refType="w" fact="0.5"/>
+                        <dgm:constr type="t" for="ch" forName="topConnNode2"/>
+                        <dgm:constr type="w" for="ch" forName="topConnNode2" refType="h" fact="0.76"/>
+                        <dgm:constr type="b" for="ch" forName="topConnNode2" refType="t" refFor="ch" refForName="rootText2"/>
+                      </dgm:constrLst>
+                    </dgm:if>
+                    <dgm:if name="Name70" func="var" arg="hierBranch" op="equ" val="l">
+                      <dgm:constrLst>
+                        <dgm:constr type="l" for="ch" forName="rootText2"/>
+                        <dgm:constr type="t" for="ch" forName="rootText2" refType="h" fact="0.18"/>
+                        <dgm:constr type="w" for="ch" forName="rootText2" refType="w"/>
+                        <dgm:constr type="h" for="ch" forName="rootText2" refType="h" fact="0.64"/>
+                        <dgm:constr type="l" for="ch" forName="topArc2" refType="w" fact="0.25"/>
+                        <dgm:constr type="t" for="ch" forName="topArc2"/>
+                        <dgm:constr type="w" for="ch" forName="topArc2" refType="h" refFor="ch" refForName="topArc2"/>
+                        <dgm:constr type="h" for="ch" forName="topArc2" refType="h"/>
+                        <dgm:constr type="l" for="ch" forName="bottomArc2" refType="w" fact="0.25"/>
+                        <dgm:constr type="t" for="ch" forName="bottomArc2"/>
+                        <dgm:constr type="w" for="ch" forName="bottomArc2" refType="h" refFor="ch" refForName="bottomArc2"/>
+                        <dgm:constr type="h" for="ch" forName="bottomArc2" refType="h"/>
+                        <dgm:constr type="ctrX" for="ch" forName="topConnNode2" refType="w" fact="0.5"/>
+                        <dgm:constr type="t" for="ch" forName="topConnNode2"/>
+                        <dgm:constr type="w" for="ch" forName="topConnNode2" refType="h" fact="0.76"/>
+                        <dgm:constr type="b" for="ch" forName="topConnNode2" refType="t" refFor="ch" refForName="rootText2"/>
+                      </dgm:constrLst>
+                    </dgm:if>
+                    <dgm:if name="Name71" func="var" arg="hierBranch" op="equ" val="r">
+                      <dgm:constrLst>
+                        <dgm:constr type="l" for="ch" forName="rootText2"/>
+                        <dgm:constr type="t" for="ch" forName="rootText2" refType="h" fact="0.18"/>
+                        <dgm:constr type="w" for="ch" forName="rootText2" refType="w"/>
+                        <dgm:constr type="h" for="ch" forName="rootText2" refType="h" fact="0.64"/>
+                        <dgm:constr type="l" for="ch" forName="topArc2" refType="w" fact="0.25"/>
+                        <dgm:constr type="t" for="ch" forName="topArc2"/>
+                        <dgm:constr type="w" for="ch" forName="topArc2" refType="h" refFor="ch" refForName="topArc2"/>
+                        <dgm:constr type="h" for="ch" forName="topArc2" refType="h"/>
+                        <dgm:constr type="l" for="ch" forName="bottomArc2" refType="w" fact="0.25"/>
+                        <dgm:constr type="t" for="ch" forName="bottomArc2"/>
+                        <dgm:constr type="w" for="ch" forName="bottomArc2" refType="h" refFor="ch" refForName="bottomArc2"/>
+                        <dgm:constr type="h" for="ch" forName="bottomArc2" refType="h"/>
+                        <dgm:constr type="ctrX" for="ch" forName="topConnNode2" refType="w" fact="0.5"/>
+                        <dgm:constr type="t" for="ch" forName="topConnNode2"/>
+                        <dgm:constr type="w" for="ch" forName="topConnNode2" refType="h" fact="0.76"/>
+                        <dgm:constr type="b" for="ch" forName="topConnNode2" refType="t" refFor="ch" refForName="rootText2"/>
+                      </dgm:constrLst>
+                    </dgm:if>
+                    <dgm:else name="Name72">
+                      <dgm:constrLst>
+                        <dgm:constr type="l" for="ch" forName="rootText2"/>
+                        <dgm:constr type="t" for="ch" forName="rootText2" refType="h" fact="0.18"/>
+                        <dgm:constr type="w" for="ch" forName="rootText2" refType="w"/>
+                        <dgm:constr type="h" for="ch" forName="rootText2" refType="h" fact="0.64"/>
+                        <dgm:constr type="l" for="ch" forName="topArc2" refType="w" fact="0.25"/>
+                        <dgm:constr type="t" for="ch" forName="topArc2"/>
+                        <dgm:constr type="w" for="ch" forName="topArc2" refType="h" refFor="ch" refForName="topArc2"/>
+                        <dgm:constr type="h" for="ch" forName="topArc2" refType="h"/>
+                        <dgm:constr type="l" for="ch" forName="bottomArc2" refType="w" fact="0.25"/>
+                        <dgm:constr type="t" for="ch" forName="bottomArc2"/>
+                        <dgm:constr type="w" for="ch" forName="bottomArc2" refType="h" refFor="ch" refForName="bottomArc2"/>
+                        <dgm:constr type="h" for="ch" forName="bottomArc2" refType="h"/>
+                        <dgm:constr type="ctrX" for="ch" forName="topConnNode2" refType="w" fact="0.5"/>
+                        <dgm:constr type="t" for="ch" forName="topConnNode2"/>
+                        <dgm:constr type="w" for="ch" forName="topConnNode2" refType="h" fact="0.76"/>
+                        <dgm:constr type="b" for="ch" forName="topConnNode2" refType="t" refFor="ch" refForName="rootText2"/>
+                      </dgm:constrLst>
+                    </dgm:else>
+                  </dgm:choose>
+                  <dgm:layoutNode name="rootText2" styleLbl="alignAcc1">
+                    <dgm:varLst>
+                      <dgm:chPref val="3"/>
+                    </dgm:varLst>
+                    <dgm:alg type="tx"/>
+                    <dgm:shape xmlns:r="http://schemas.openxmlformats.org/officeDocument/2006/relationships" type="rect" r:blip="" hideGeom="1">
+                      <dgm:adjLst/>
+                    </dgm:shape>
+                    <dgm:presOf axis="self" ptType="node" cnt="1"/>
+                    <dgm:constrLst>
+                      <dgm:constr type="primFontSz" val="65"/>
+                      <dgm:constr type="lMarg" refType="primFontSz" fact="0.05"/>
+                      <dgm:constr type="rMarg" refType="primFontSz" fact="0.05"/>
+                      <dgm:constr type="tMarg" refType="primFontSz" fact="0.05"/>
+                      <dgm:constr type="bMarg" refType="primFontSz" fact="0.05"/>
+                    </dgm:constrLst>
+                    <dgm:ruleLst>
+                      <dgm:rule type="primFontSz" val="5" fact="NaN" max="NaN"/>
+                    </dgm:ruleLst>
+                  </dgm:layoutNode>
+                  <dgm:layoutNode name="topArc2" styleLbl="parChTrans1D1" moveWith="rootText2">
+                    <dgm:alg type="sp"/>
+                    <dgm:shape xmlns:r="http://schemas.openxmlformats.org/officeDocument/2006/relationships" type="arc" r:blip="" zOrderOff="-2">
+                      <dgm:adjLst>
+                        <dgm:adj idx="1" val="-140"/>
+                        <dgm:adj idx="2" val="-40"/>
+                      </dgm:adjLst>
+                    </dgm:shape>
+                    <dgm:presOf/>
+                  </dgm:layoutNode>
+                  <dgm:layoutNode name="bottomArc2" styleLbl="parChTrans1D1" moveWith="rootText2">
+                    <dgm:alg type="sp"/>
+                    <dgm:shape xmlns:r="http://schemas.openxmlformats.org/officeDocument/2006/relationships" type="arc" r:blip="" zOrderOff="-2">
+                      <dgm:adjLst>
+                        <dgm:adj idx="1" val="40"/>
+                        <dgm:adj idx="2" val="140"/>
+                      </dgm:adjLst>
+                    </dgm:shape>
+                    <dgm:presOf/>
+                  </dgm:layoutNode>
+                  <dgm:layoutNode name="topConnNode2" moveWith="rootText2">
+                    <dgm:alg type="sp"/>
+                    <dgm:shape xmlns:r="http://schemas.openxmlformats.org/officeDocument/2006/relationships" type="rect" r:blip="" hideGeom="1">
+                      <dgm:adjLst/>
+                    </dgm:shape>
+                    <dgm:presOf axis="self" ptType="node" cnt="1"/>
+                  </dgm:layoutNode>
+                </dgm:layoutNode>
+                <dgm:layoutNode name="hierChild4">
+                  <dgm:choose name="Name73">
+                    <dgm:if name="Name74" func="var" arg="hierBranch" op="equ" val="l">
+                      <dgm:alg type="hierChild">
+                        <dgm:param type="chAlign" val="r"/>
+                        <dgm:param type="linDir" val="fromT"/>
+                      </dgm:alg>
+                    </dgm:if>
+                    <dgm:if name="Name75" func="var" arg="hierBranch" op="equ" val="r">
+                      <dgm:alg type="hierChild">
+                        <dgm:param type="chAlign" val="l"/>
+                        <dgm:param type="linDir" val="fromT"/>
+                      </dgm:alg>
+                    </dgm:if>
+                    <dgm:if name="Name76" func="var" arg="hierBranch" op="equ" val="hang">
+                      <dgm:choose name="Name77">
+                        <dgm:if name="Name78" func="var" arg="dir" op="equ" val="norm">
+                          <dgm:alg type="hierChild">
+                            <dgm:param type="chAlign" val="l"/>
+                            <dgm:param type="linDir" val="fromL"/>
+                            <dgm:param type="secChAlign" val="t"/>
+                            <dgm:param type="secLinDir" val="fromT"/>
+                          </dgm:alg>
+                        </dgm:if>
+                        <dgm:else name="Name79">
+                          <dgm:alg type="hierChild">
+                            <dgm:param type="chAlign" val="l"/>
+                            <dgm:param type="linDir" val="fromR"/>
+                            <dgm:param type="secChAlign" val="t"/>
+                            <dgm:param type="secLinDir" val="fromT"/>
+                          </dgm:alg>
+                        </dgm:else>
+                      </dgm:choose>
+                    </dgm:if>
+                    <dgm:if name="Name80" func="var" arg="hierBranch" op="equ" val="std">
+                      <dgm:choose name="Name81">
+                        <dgm:if name="Name82" func="var" arg="dir" op="equ" val="norm">
+                          <dgm:alg type="hierChild"/>
+                        </dgm:if>
+                        <dgm:else name="Name83">
+                          <dgm:alg type="hierChild">
+                            <dgm:param type="linDir" val="fromR"/>
+                          </dgm:alg>
+                        </dgm:else>
+                      </dgm:choose>
+                    </dgm:if>
+                    <dgm:if name="Name84" func="var" arg="hierBranch" op="equ" val="init">
+                      <dgm:choose name="Name85">
+                        <dgm:if name="Name86" axis="des" func="maxDepth" op="lte" val="1">
+                          <dgm:alg type="hierChild">
+                            <dgm:param type="chAlign" val="l"/>
+                            <dgm:param type="linDir" val="fromT"/>
+                          </dgm:alg>
+                        </dgm:if>
+                        <dgm:else name="Name87">
+                          <dgm:choose name="Name88">
+                            <dgm:if name="Name89" func="var" arg="dir" op="equ" val="norm">
+                              <dgm:alg type="hierChild"/>
+                            </dgm:if>
+                            <dgm:else name="Name90">
+                              <dgm:alg type="hierChild">
+                                <dgm:param type="linDir" val="fromR"/>
+                              </dgm:alg>
+                            </dgm:else>
+                          </dgm:choose>
+                        </dgm:else>
+                      </dgm:choose>
+                    </dgm:if>
+                    <dgm:else name="Name91"/>
+                  </dgm:choose>
+                  <dgm:shape xmlns:r="http://schemas.openxmlformats.org/officeDocument/2006/relationships" r:blip="">
+                    <dgm:adjLst/>
+                  </dgm:shape>
+                  <dgm:presOf/>
+                  <dgm:forEach name="Name92" ref="rep2a"/>
+                </dgm:layoutNode>
+                <dgm:layoutNode name="hierChild5">
+                  <dgm:choose name="Name93">
+                    <dgm:if name="Name94" func="var" arg="dir" op="equ" val="norm">
+                      <dgm:alg type="hierChild">
+                        <dgm:param type="chAlign" val="l"/>
+                        <dgm:param type="linDir" val="fromL"/>
+                        <dgm:param type="secChAlign" val="t"/>
+                        <dgm:param type="secLinDir" val="fromT"/>
+                      </dgm:alg>
+                    </dgm:if>
+                    <dgm:else name="Name95">
+                      <dgm:alg type="hierChild">
+                        <dgm:param type="chAlign" val="l"/>
+                        <dgm:param type="linDir" val="fromR"/>
+                        <dgm:param type="secChAlign" val="t"/>
+                        <dgm:param type="secLinDir" val="fromT"/>
+                      </dgm:alg>
+                    </dgm:else>
+                  </dgm:choose>
+                  <dgm:shape xmlns:r="http://schemas.openxmlformats.org/officeDocument/2006/relationships" r:blip="">
+                    <dgm:adjLst/>
+                  </dgm:shape>
+                  <dgm:presOf/>
+                  <dgm:forEach name="Name96" ref="rep2b"/>
+                </dgm:layoutNode>
+              </dgm:layoutNode>
+            </dgm:forEach>
+          </dgm:layoutNode>
+          <dgm:layoutNode name="hierChild3">
+            <dgm:choose name="Name97">
+              <dgm:if name="Name98" func="var" arg="dir" op="equ" val="norm">
+                <dgm:alg type="hierChild">
+                  <dgm:param type="chAlign" val="l"/>
+                  <dgm:param type="linDir" val="fromL"/>
+                  <dgm:param type="secChAlign" val="t"/>
+                  <dgm:param type="secLinDir" val="fromT"/>
+                </dgm:alg>
+              </dgm:if>
+              <dgm:else name="Name99">
+                <dgm:alg type="hierChild">
+                  <dgm:param type="chAlign" val="l"/>
+                  <dgm:param type="linDir" val="fromR"/>
+                  <dgm:param type="secChAlign" val="t"/>
+                  <dgm:param type="secLinDir" val="fromT"/>
+                </dgm:alg>
+              </dgm:else>
+            </dgm:choose>
+            <dgm:shape xmlns:r="http://schemas.openxmlformats.org/officeDocument/2006/relationships" r:blip="">
+              <dgm:adjLst/>
+            </dgm:shape>
+            <dgm:presOf/>
+            <dgm:forEach name="rep2b" axis="ch" ptType="asst">
+              <dgm:forEach name="Name100" axis="precedSib" ptType="parTrans" st="-1" cnt="1">
+                <dgm:layoutNode name="Name101">
+                  <dgm:choose name="Name102">
+                    <dgm:if name="Name103" axis="self" func="depth" op="lte" val="2">
+                      <dgm:alg type="conn">
+                        <dgm:param type="connRout" val="bend"/>
+                        <dgm:param type="dim" val="1D"/>
+                        <dgm:param type="endSty" val="noArr"/>
+                        <dgm:param type="begPts" val="bCtr"/>
+                        <dgm:param type="endPts" val="bL bR"/>
+                        <dgm:param type="srcNode" val="bottomArc1"/>
+                        <dgm:param type="dstNode" val="topConnNode3"/>
+                      </dgm:alg>
+                    </dgm:if>
+                    <dgm:if name="Name104" axis="par" ptType="asst" func="cnt" op="equ" val="1">
+                      <dgm:alg type="conn">
+                        <dgm:param type="connRout" val="bend"/>
+                        <dgm:param type="dim" val="1D"/>
+                        <dgm:param type="endSty" val="noArr"/>
+                        <dgm:param type="begPts" val="bCtr"/>
+                        <dgm:param type="endPts" val="bL bR"/>
+                        <dgm:param type="srcNode" val="bottomArc3"/>
+                        <dgm:param type="dstNode" val="topConnNode3"/>
+                      </dgm:alg>
+                    </dgm:if>
+                    <dgm:else name="Name105">
+                      <dgm:alg type="conn">
+                        <dgm:param type="connRout" val="bend"/>
+                        <dgm:param type="dim" val="1D"/>
+                        <dgm:param type="endSty" val="noArr"/>
+                        <dgm:param type="begPts" val="bCtr"/>
+                        <dgm:param type="endPts" val="bL bR"/>
+                        <dgm:param type="srcNode" val="bottomArc2"/>
+                        <dgm:param type="dstNode" val="topConnNode3"/>
+                      </dgm:alg>
+                    </dgm:else>
+                  </dgm:choose>
+                  <dgm:shape xmlns:r="http://schemas.openxmlformats.org/officeDocument/2006/relationships" type="conn" r:blip="" zOrderOff="-99999">
+                    <dgm:adjLst/>
+                  </dgm:shape>
+                  <dgm:presOf axis="self"/>
+                  <dgm:constrLst>
+                    <dgm:constr type="begPad"/>
+                    <dgm:constr type="endPad"/>
+                  </dgm:constrLst>
+                </dgm:layoutNode>
+              </dgm:forEach>
+              <dgm:layoutNode name="hierRoot3">
+                <dgm:varLst>
+                  <dgm:hierBranch val="init"/>
+                </dgm:varLst>
+                <dgm:choose name="Name106">
+                  <dgm:if name="Name107" func="var" arg="hierBranch" op="equ" val="l">
+                    <dgm:alg type="hierRoot">
+                      <dgm:param type="hierAlign" val="tR"/>
+                    </dgm:alg>
+                    <dgm:shape xmlns:r="http://schemas.openxmlformats.org/officeDocument/2006/relationships" r:blip="">
+                      <dgm:adjLst/>
+                    </dgm:shape>
+                    <dgm:presOf/>
+                    <dgm:constrLst>
+                      <dgm:constr type="alignOff" val="0.65"/>
+                    </dgm:constrLst>
+                  </dgm:if>
+                  <dgm:if name="Name108" func="var" arg="hierBranch" op="equ" val="r">
+                    <dgm:alg type="hierRoot">
+                      <dgm:param type="hierAlign" val="tL"/>
+                    </dgm:alg>
+                    <dgm:shape xmlns:r="http://schemas.openxmlformats.org/officeDocument/2006/relationships" r:blip="">
+                      <dgm:adjLst/>
+                    </dgm:shape>
+                    <dgm:presOf/>
+                    <dgm:constrLst>
+                      <dgm:constr type="alignOff" val="0.65"/>
+                    </dgm:constrLst>
+                  </dgm:if>
+                  <dgm:if name="Name109" func="var" arg="hierBranch" op="equ" val="hang">
+                    <dgm:alg type="hierRoot"/>
+                    <dgm:shape xmlns:r="http://schemas.openxmlformats.org/officeDocument/2006/relationships" r:blip="">
+                      <dgm:adjLst/>
+                    </dgm:shape>
+                    <dgm:presOf/>
+                    <dgm:constrLst>
+                      <dgm:constr type="alignOff" val="0.65"/>
+                    </dgm:constrLst>
+                  </dgm:if>
+                  <dgm:if name="Name110" func="var" arg="hierBranch" op="equ" val="std">
+                    <dgm:alg type="hierRoot"/>
+                    <dgm:shape xmlns:r="http://schemas.openxmlformats.org/officeDocument/2006/relationships" r:blip="">
+                      <dgm:adjLst/>
+                    </dgm:shape>
+                    <dgm:presOf/>
+                    <dgm:constrLst>
+                      <dgm:constr type="alignOff"/>
+                      <dgm:constr type="bendDist" for="des" ptType="parTrans" refType="sp" fact="0.5"/>
+                    </dgm:constrLst>
+                  </dgm:if>
+                  <dgm:if name="Name111" func="var" arg="hierBranch" op="equ" val="init">
+                    <dgm:choose name="Name112">
+                      <dgm:if name="Name113" axis="des" func="maxDepth" op="lte" val="1">
+                        <dgm:alg type="hierRoot">
+                          <dgm:param type="hierAlign" val="tL"/>
+                        </dgm:alg>
+                        <dgm:shape xmlns:r="http://schemas.openxmlformats.org/officeDocument/2006/relationships" r:blip="">
+                          <dgm:adjLst/>
+                        </dgm:shape>
+                        <dgm:presOf/>
+                        <dgm:constrLst>
+                          <dgm:constr type="alignOff" val="0.65"/>
+                        </dgm:constrLst>
+                      </dgm:if>
+                      <dgm:else name="Name114">
+                        <dgm:alg type="hierRoot"/>
+                        <dgm:shape xmlns:r="http://schemas.openxmlformats.org/officeDocument/2006/relationships" r:blip="">
+                          <dgm:adjLst/>
+                        </dgm:shape>
+                        <dgm:presOf/>
+                        <dgm:constrLst>
+                          <dgm:constr type="alignOff"/>
+                          <dgm:constr type="bendDist" for="des" ptType="parTrans" refType="sp" fact="0.5"/>
+                        </dgm:constrLst>
+                      </dgm:else>
+                    </dgm:choose>
+                  </dgm:if>
+                  <dgm:else name="Name115"/>
+                </dgm:choose>
+                <dgm:layoutNode name="rootComposite3">
+                  <dgm:alg type="composite"/>
+                  <dgm:shape xmlns:r="http://schemas.openxmlformats.org/officeDocument/2006/relationships" r:blip="">
+                    <dgm:adjLst/>
+                  </dgm:shape>
+                  <dgm:presOf axis="self" ptType="node" cnt="1"/>
+                  <dgm:choose name="Name116">
+                    <dgm:if name="Name117" func="var" arg="hierBranch" op="equ" val="init">
+                      <dgm:constrLst>
+                        <dgm:constr type="l" for="ch" forName="rootText3"/>
+                        <dgm:constr type="t" for="ch" forName="rootText3" refType="h" fact="0.18"/>
+                        <dgm:constr type="w" for="ch" forName="rootText3" refType="w"/>
+                        <dgm:constr type="h" for="ch" forName="rootText3" refType="h" fact="0.64"/>
+                        <dgm:constr type="l" for="ch" forName="topArc3" refType="w" fact="0.25"/>
+                        <dgm:constr type="t" for="ch" forName="topArc3"/>
+                        <dgm:constr type="w" for="ch" forName="topArc3" refType="h" refFor="ch" refForName="topArc3"/>
+                        <dgm:constr type="h" for="ch" forName="topArc3" refType="h"/>
+                        <dgm:constr type="l" for="ch" forName="bottomArc3" refType="w" fact="0.25"/>
+                        <dgm:constr type="t" for="ch" forName="bottomArc3"/>
+                        <dgm:constr type="w" for="ch" forName="bottomArc3" refType="h" refFor="ch" refForName="bottomArc3"/>
+                        <dgm:constr type="h" for="ch" forName="bottomArc3" refType="h"/>
+                        <dgm:constr type="ctrX" for="ch" forName="topConnNode3" refType="w" fact="0.5"/>
+                        <dgm:constr type="t" for="ch" forName="topConnNode3"/>
+                        <dgm:constr type="w" for="ch" forName="topConnNode3" refType="h" fact="0.76"/>
+                        <dgm:constr type="b" for="ch" forName="topConnNode3" refType="t" refFor="ch" refForName="rootText3"/>
+                      </dgm:constrLst>
+                    </dgm:if>
+                    <dgm:if name="Name118" func="var" arg="hierBranch" op="equ" val="l">
+                      <dgm:constrLst>
+                        <dgm:constr type="l" for="ch" forName="rootText3"/>
+                        <dgm:constr type="t" for="ch" forName="rootText3" refType="h" fact="0.18"/>
+                        <dgm:constr type="w" for="ch" forName="rootText3" refType="w"/>
+                        <dgm:constr type="h" for="ch" forName="rootText3" refType="h" fact="0.64"/>
+                        <dgm:constr type="l" for="ch" forName="topArc3" refType="w" fact="0.25"/>
+                        <dgm:constr type="t" for="ch" forName="topArc3"/>
+                        <dgm:constr type="w" for="ch" forName="topArc3" refType="h" refFor="ch" refForName="topArc3"/>
+                        <dgm:constr type="h" for="ch" forName="topArc3" refType="h"/>
+                        <dgm:constr type="l" for="ch" forName="bottomArc3" refType="w" fact="0.25"/>
+                        <dgm:constr type="t" for="ch" forName="bottomArc3"/>
+                        <dgm:constr type="w" for="ch" forName="bottomArc3" refType="h" refFor="ch" refForName="bottomArc3"/>
+                        <dgm:constr type="h" for="ch" forName="bottomArc3" refType="h"/>
+                        <dgm:constr type="ctrX" for="ch" forName="topConnNode3" refType="w" fact="0.5"/>
+                        <dgm:constr type="t" for="ch" forName="topConnNode3"/>
+                        <dgm:constr type="w" for="ch" forName="topConnNode3" refType="h" fact="0.76"/>
+                        <dgm:constr type="b" for="ch" forName="topConnNode3" refType="t" refFor="ch" refForName="rootText3"/>
+                      </dgm:constrLst>
+                    </dgm:if>
+                    <dgm:if name="Name119" func="var" arg="hierBranch" op="equ" val="r">
+                      <dgm:constrLst>
+                        <dgm:constr type="l" for="ch" forName="rootText3"/>
+                        <dgm:constr type="t" for="ch" forName="rootText3" refType="h" fact="0.18"/>
+                        <dgm:constr type="w" for="ch" forName="rootText3" refType="w"/>
+                        <dgm:constr type="h" for="ch" forName="rootText3" refType="h" fact="0.64"/>
+                        <dgm:constr type="l" for="ch" forName="topArc3" refType="w" fact="0.25"/>
+                        <dgm:constr type="t" for="ch" forName="topArc3"/>
+                        <dgm:constr type="w" for="ch" forName="topArc3" refType="h" refFor="ch" refForName="topArc3"/>
+                        <dgm:constr type="h" for="ch" forName="topArc3" refType="h"/>
+                        <dgm:constr type="l" for="ch" forName="bottomArc3" refType="w" fact="0.25"/>
+                        <dgm:constr type="t" for="ch" forName="bottomArc3"/>
+                        <dgm:constr type="w" for="ch" forName="bottomArc3" refType="h" refFor="ch" refForName="bottomArc3"/>
+                        <dgm:constr type="h" for="ch" forName="bottomArc3" refType="h"/>
+                        <dgm:constr type="ctrX" for="ch" forName="topConnNode3" refType="w" fact="0.5"/>
+                        <dgm:constr type="t" for="ch" forName="topConnNode3"/>
+                        <dgm:constr type="w" for="ch" forName="topConnNode3" refType="h" fact="0.76"/>
+                        <dgm:constr type="b" for="ch" forName="topConnNode3" refType="t" refFor="ch" refForName="rootText3"/>
+                      </dgm:constrLst>
+                    </dgm:if>
+                    <dgm:else name="Name120">
+                      <dgm:constrLst>
+                        <dgm:constr type="l" for="ch" forName="rootText3"/>
+                        <dgm:constr type="t" for="ch" forName="rootText3" refType="h" fact="0.18"/>
+                        <dgm:constr type="w" for="ch" forName="rootText3" refType="w"/>
+                        <dgm:constr type="h" for="ch" forName="rootText3" refType="h" fact="0.64"/>
+                        <dgm:constr type="l" for="ch" forName="topArc3" refType="w" fact="0.25"/>
+                        <dgm:constr type="t" for="ch" forName="topArc3"/>
+                        <dgm:constr type="w" for="ch" forName="topArc3" refType="h" refFor="ch" refForName="topArc3"/>
+                        <dgm:constr type="h" for="ch" forName="topArc3" refType="h"/>
+                        <dgm:constr type="l" for="ch" forName="bottomArc3" refType="w" fact="0.25"/>
+                        <dgm:constr type="t" for="ch" forName="bottomArc3"/>
+                        <dgm:constr type="w" for="ch" forName="bottomArc3" refType="h" refFor="ch" refForName="bottomArc3"/>
+                        <dgm:constr type="h" for="ch" forName="bottomArc3" refType="h"/>
+                        <dgm:constr type="ctrX" for="ch" forName="topConnNode3" refType="w" fact="0.5"/>
+                        <dgm:constr type="t" for="ch" forName="topConnNode3"/>
+                        <dgm:constr type="w" for="ch" forName="topConnNode3" refType="h" fact="0.76"/>
+                        <dgm:constr type="b" for="ch" forName="topConnNode3" refType="t" refFor="ch" refForName="rootText3"/>
+                      </dgm:constrLst>
+                    </dgm:else>
+                  </dgm:choose>
+                  <dgm:layoutNode name="rootText3" styleLbl="alignAcc1">
+                    <dgm:varLst>
+                      <dgm:chPref val="3"/>
+                    </dgm:varLst>
+                    <dgm:alg type="tx"/>
+                    <dgm:shape xmlns:r="http://schemas.openxmlformats.org/officeDocument/2006/relationships" type="rect" r:blip="" hideGeom="1">
+                      <dgm:adjLst/>
+                    </dgm:shape>
+                    <dgm:presOf axis="self" ptType="node" cnt="1"/>
+                    <dgm:constrLst>
+                      <dgm:constr type="primFontSz" val="65"/>
+                      <dgm:constr type="lMarg" refType="primFontSz" fact="0.05"/>
+                      <dgm:constr type="rMarg" refType="primFontSz" fact="0.05"/>
+                      <dgm:constr type="tMarg" refType="primFontSz" fact="0.05"/>
+                      <dgm:constr type="bMarg" refType="primFontSz" fact="0.05"/>
+                    </dgm:constrLst>
+                    <dgm:ruleLst>
+                      <dgm:rule type="primFontSz" val="5" fact="NaN" max="NaN"/>
+                    </dgm:ruleLst>
+                  </dgm:layoutNode>
+                  <dgm:layoutNode name="topArc3" styleLbl="parChTrans1D1" moveWith="rootText3">
+                    <dgm:alg type="sp"/>
+                    <dgm:shape xmlns:r="http://schemas.openxmlformats.org/officeDocument/2006/relationships" type="arc" r:blip="" zOrderOff="-2">
+                      <dgm:adjLst>
+                        <dgm:adj idx="1" val="-140"/>
+                        <dgm:adj idx="2" val="-40"/>
+                      </dgm:adjLst>
+                    </dgm:shape>
+                    <dgm:presOf/>
+                  </dgm:layoutNode>
+                  <dgm:layoutNode name="bottomArc3" styleLbl="parChTrans1D1" moveWith="rootText3">
+                    <dgm:alg type="sp"/>
+                    <dgm:shape xmlns:r="http://schemas.openxmlformats.org/officeDocument/2006/relationships" type="arc" r:blip="" zOrderOff="-2">
+                      <dgm:adjLst>
+                        <dgm:adj idx="1" val="40"/>
+                        <dgm:adj idx="2" val="140"/>
+                      </dgm:adjLst>
+                    </dgm:shape>
+                    <dgm:presOf/>
+                  </dgm:layoutNode>
+                  <dgm:layoutNode name="topConnNode3" moveWith="rootText3">
+                    <dgm:alg type="sp"/>
+                    <dgm:shape xmlns:r="http://schemas.openxmlformats.org/officeDocument/2006/relationships" type="rect" r:blip="" hideGeom="1">
+                      <dgm:adjLst/>
+                    </dgm:shape>
+                    <dgm:presOf axis="self" ptType="node" cnt="1"/>
+                  </dgm:layoutNode>
+                </dgm:layoutNode>
+                <dgm:layoutNode name="hierChild6">
+                  <dgm:choose name="Name121">
+                    <dgm:if name="Name122" func="var" arg="hierBranch" op="equ" val="l">
+                      <dgm:alg type="hierChild">
+                        <dgm:param type="chAlign" val="r"/>
+                        <dgm:param type="linDir" val="fromT"/>
+                      </dgm:alg>
+                    </dgm:if>
+                    <dgm:if name="Name123" func="var" arg="hierBranch" op="equ" val="r">
+                      <dgm:alg type="hierChild">
+                        <dgm:param type="chAlign" val="l"/>
+                        <dgm:param type="linDir" val="fromT"/>
+                      </dgm:alg>
+                    </dgm:if>
+                    <dgm:if name="Name124" func="var" arg="hierBranch" op="equ" val="hang">
+                      <dgm:choose name="Name125">
+                        <dgm:if name="Name126" func="var" arg="dir" op="equ" val="norm">
+                          <dgm:alg type="hierChild">
+                            <dgm:param type="chAlign" val="l"/>
+                            <dgm:param type="linDir" val="fromL"/>
+                            <dgm:param type="secChAlign" val="t"/>
+                            <dgm:param type="secLinDir" val="fromT"/>
+                          </dgm:alg>
+                        </dgm:if>
+                        <dgm:else name="Name127">
+                          <dgm:alg type="hierChild">
+                            <dgm:param type="chAlign" val="l"/>
+                            <dgm:param type="linDir" val="fromR"/>
+                            <dgm:param type="secChAlign" val="t"/>
+                            <dgm:param type="secLinDir" val="fromT"/>
+                          </dgm:alg>
+                        </dgm:else>
+                      </dgm:choose>
+                    </dgm:if>
+                    <dgm:if name="Name128" func="var" arg="hierBranch" op="equ" val="std">
+                      <dgm:choose name="Name129">
+                        <dgm:if name="Name130" func="var" arg="dir" op="equ" val="norm">
+                          <dgm:alg type="hierChild"/>
+                        </dgm:if>
+                        <dgm:else name="Name131">
+                          <dgm:alg type="hierChild">
+                            <dgm:param type="linDir" val="fromR"/>
+                          </dgm:alg>
+                        </dgm:else>
+                      </dgm:choose>
+                    </dgm:if>
+                    <dgm:if name="Name132" func="var" arg="hierBranch" op="equ" val="init">
+                      <dgm:choose name="Name133">
+                        <dgm:if name="Name134" axis="des" func="maxDepth" op="lte" val="1">
+                          <dgm:alg type="hierChild">
+                            <dgm:param type="chAlign" val="l"/>
+                            <dgm:param type="linDir" val="fromT"/>
+                          </dgm:alg>
+                        </dgm:if>
+                        <dgm:else name="Name135">
+                          <dgm:alg type="hierChild"/>
+                        </dgm:else>
+                      </dgm:choose>
+                    </dgm:if>
+                    <dgm:else name="Name136"/>
+                  </dgm:choose>
+                  <dgm:shape xmlns:r="http://schemas.openxmlformats.org/officeDocument/2006/relationships" r:blip="">
+                    <dgm:adjLst/>
+                  </dgm:shape>
+                  <dgm:presOf/>
+                  <dgm:forEach name="Name137" ref="rep2a"/>
+                </dgm:layoutNode>
+                <dgm:layoutNode name="hierChild7">
+                  <dgm:choose name="Name138">
+                    <dgm:if name="Name139" func="var" arg="dir" op="equ" val="norm">
+                      <dgm:alg type="hierChild">
+                        <dgm:param type="chAlign" val="l"/>
+                        <dgm:param type="linDir" val="fromL"/>
+                        <dgm:param type="secChAlign" val="t"/>
+                        <dgm:param type="secLinDir" val="fromT"/>
+                      </dgm:alg>
+                    </dgm:if>
+                    <dgm:else name="Name140">
+                      <dgm:alg type="hierChild">
+                        <dgm:param type="chAlign" val="l"/>
+                        <dgm:param type="linDir" val="fromR"/>
+                        <dgm:param type="secChAlign" val="t"/>
+                        <dgm:param type="secLinDir" val="fromT"/>
+                      </dgm:alg>
+                    </dgm:else>
+                  </dgm:choose>
+                  <dgm:shape xmlns:r="http://schemas.openxmlformats.org/officeDocument/2006/relationships" r:blip="">
+                    <dgm:adjLst/>
+                  </dgm:shape>
+                  <dgm:presOf/>
+                  <dgm:forEach name="Name141" ref="rep2b"/>
+                </dgm:layoutNode>
+              </dgm:layoutNode>
+            </dgm:forEach>
+          </dgm:layoutNode>
+        </dgm:layoutNode>
+      </dgm:forEach>
+    </dgm:forEach>
+  </dgm:layoutNode>
+</dgm:layoutDef>
+</file>
+
 <file path=ppt/diagrams/quickStyle1.xml><?xml version="1.0" encoding="utf-8"?>
 <dgm:styleDef xmlns:dgm="http://schemas.openxmlformats.org/drawingml/2006/diagram" xmlns:a="http://schemas.openxmlformats.org/drawingml/2006/main" uniqueId="urn:microsoft.com/office/officeart/2005/8/quickstyle/simple2">
   <dgm:title val=""/>
@@ -3955,6 +7456,1336 @@
     <dgm:txPr/>
     <dgm:style>
       <a:lnRef idx="0">
+        <a:scrgbClr r="0" g="0" b="0"/>
+      </a:lnRef>
+      <a:fillRef idx="0">
+        <a:scrgbClr r="0" g="0" b="0"/>
+      </a:fillRef>
+      <a:effectRef idx="0">
+        <a:scrgbClr r="0" g="0" b="0"/>
+      </a:effectRef>
+      <a:fontRef idx="minor"/>
+    </dgm:style>
+  </dgm:styleLbl>
+</dgm:styleDef>
+</file>
+
+<file path=ppt/diagrams/quickStyle2.xml><?xml version="1.0" encoding="utf-8"?>
+<dgm:styleDef xmlns:dgm="http://schemas.openxmlformats.org/drawingml/2006/diagram" xmlns:a="http://schemas.openxmlformats.org/drawingml/2006/main" uniqueId="urn:microsoft.com/office/officeart/2005/8/quickstyle/3d3">
+  <dgm:title val=""/>
+  <dgm:desc val=""/>
+  <dgm:catLst>
+    <dgm:cat type="3D" pri="11300"/>
+  </dgm:catLst>
+  <dgm:scene3d>
+    <a:camera prst="orthographicFront"/>
+    <a:lightRig rig="threePt" dir="t"/>
+  </dgm:scene3d>
+  <dgm:styleLbl name="node0">
+    <dgm:scene3d>
+      <a:camera prst="orthographicFront">
+        <a:rot lat="0" lon="0" rev="0"/>
+      </a:camera>
+      <a:lightRig rig="contrasting" dir="t">
+        <a:rot lat="0" lon="0" rev="1200000"/>
+      </a:lightRig>
+    </dgm:scene3d>
+    <dgm:sp3d contourW="19050" prstMaterial="metal">
+      <a:bevelT w="88900" h="203200"/>
+      <a:bevelB w="165100" h="254000"/>
+    </dgm:sp3d>
+    <dgm:txPr/>
+    <dgm:style>
+      <a:lnRef idx="0">
+        <a:scrgbClr r="0" g="0" b="0"/>
+      </a:lnRef>
+      <a:fillRef idx="1">
+        <a:scrgbClr r="0" g="0" b="0"/>
+      </a:fillRef>
+      <a:effectRef idx="1">
+        <a:scrgbClr r="0" g="0" b="0"/>
+      </a:effectRef>
+      <a:fontRef idx="minor">
+        <a:schemeClr val="lt1"/>
+      </a:fontRef>
+    </dgm:style>
+  </dgm:styleLbl>
+  <dgm:styleLbl name="lnNode1">
+    <dgm:scene3d>
+      <a:camera prst="orthographicFront">
+        <a:rot lat="0" lon="0" rev="0"/>
+      </a:camera>
+      <a:lightRig rig="contrasting" dir="t">
+        <a:rot lat="0" lon="0" rev="1200000"/>
+      </a:lightRig>
+    </dgm:scene3d>
+    <dgm:sp3d contourW="19050" prstMaterial="metal">
+      <a:bevelT w="88900" h="203200"/>
+      <a:bevelB w="165100" h="254000"/>
+    </dgm:sp3d>
+    <dgm:txPr/>
+    <dgm:style>
+      <a:lnRef idx="0">
+        <a:scrgbClr r="0" g="0" b="0"/>
+      </a:lnRef>
+      <a:fillRef idx="1">
+        <a:scrgbClr r="0" g="0" b="0"/>
+      </a:fillRef>
+      <a:effectRef idx="1">
+        <a:scrgbClr r="0" g="0" b="0"/>
+      </a:effectRef>
+      <a:fontRef idx="minor">
+        <a:schemeClr val="lt1"/>
+      </a:fontRef>
+    </dgm:style>
+  </dgm:styleLbl>
+  <dgm:styleLbl name="vennNode1">
+    <dgm:scene3d>
+      <a:camera prst="orthographicFront">
+        <a:rot lat="0" lon="0" rev="0"/>
+      </a:camera>
+      <a:lightRig rig="contrasting" dir="t">
+        <a:rot lat="0" lon="0" rev="1200000"/>
+      </a:lightRig>
+    </dgm:scene3d>
+    <dgm:sp3d contourW="12700" prstMaterial="clear">
+      <a:bevelT w="177800" h="254000"/>
+      <a:bevelB w="152400"/>
+    </dgm:sp3d>
+    <dgm:txPr/>
+    <dgm:style>
+      <a:lnRef idx="0">
+        <a:scrgbClr r="0" g="0" b="0"/>
+      </a:lnRef>
+      <a:fillRef idx="1">
+        <a:scrgbClr r="0" g="0" b="0"/>
+      </a:fillRef>
+      <a:effectRef idx="0">
+        <a:scrgbClr r="0" g="0" b="0"/>
+      </a:effectRef>
+      <a:fontRef idx="minor">
+        <a:schemeClr val="tx1"/>
+      </a:fontRef>
+    </dgm:style>
+  </dgm:styleLbl>
+  <dgm:styleLbl name="alignNode1">
+    <dgm:scene3d>
+      <a:camera prst="orthographicFront">
+        <a:rot lat="0" lon="0" rev="0"/>
+      </a:camera>
+      <a:lightRig rig="contrasting" dir="t">
+        <a:rot lat="0" lon="0" rev="1200000"/>
+      </a:lightRig>
+    </dgm:scene3d>
+    <dgm:sp3d contourW="19050" prstMaterial="metal">
+      <a:bevelT w="88900" h="203200"/>
+      <a:bevelB w="165100" h="254000"/>
+    </dgm:sp3d>
+    <dgm:txPr/>
+    <dgm:style>
+      <a:lnRef idx="0">
+        <a:scrgbClr r="0" g="0" b="0"/>
+      </a:lnRef>
+      <a:fillRef idx="1">
+        <a:scrgbClr r="0" g="0" b="0"/>
+      </a:fillRef>
+      <a:effectRef idx="2">
+        <a:scrgbClr r="0" g="0" b="0"/>
+      </a:effectRef>
+      <a:fontRef idx="minor">
+        <a:schemeClr val="lt1"/>
+      </a:fontRef>
+    </dgm:style>
+  </dgm:styleLbl>
+  <dgm:styleLbl name="node1">
+    <dgm:scene3d>
+      <a:camera prst="orthographicFront">
+        <a:rot lat="0" lon="0" rev="0"/>
+      </a:camera>
+      <a:lightRig rig="contrasting" dir="t">
+        <a:rot lat="0" lon="0" rev="1200000"/>
+      </a:lightRig>
+    </dgm:scene3d>
+    <dgm:sp3d contourW="19050" prstMaterial="metal">
+      <a:bevelT w="88900" h="203200"/>
+      <a:bevelB w="165100" h="254000"/>
+    </dgm:sp3d>
+    <dgm:txPr/>
+    <dgm:style>
+      <a:lnRef idx="0">
+        <a:scrgbClr r="0" g="0" b="0"/>
+      </a:lnRef>
+      <a:fillRef idx="1">
+        <a:scrgbClr r="0" g="0" b="0"/>
+      </a:fillRef>
+      <a:effectRef idx="2">
+        <a:scrgbClr r="0" g="0" b="0"/>
+      </a:effectRef>
+      <a:fontRef idx="minor">
+        <a:schemeClr val="lt1"/>
+      </a:fontRef>
+    </dgm:style>
+  </dgm:styleLbl>
+  <dgm:styleLbl name="node2">
+    <dgm:scene3d>
+      <a:camera prst="orthographicFront">
+        <a:rot lat="0" lon="0" rev="0"/>
+      </a:camera>
+      <a:lightRig rig="contrasting" dir="t">
+        <a:rot lat="0" lon="0" rev="1200000"/>
+      </a:lightRig>
+    </dgm:scene3d>
+    <dgm:sp3d contourW="19050" prstMaterial="metal">
+      <a:bevelT w="88900" h="203200"/>
+      <a:bevelB w="165100" h="254000"/>
+    </dgm:sp3d>
+    <dgm:txPr/>
+    <dgm:style>
+      <a:lnRef idx="0">
+        <a:scrgbClr r="0" g="0" b="0"/>
+      </a:lnRef>
+      <a:fillRef idx="1">
+        <a:scrgbClr r="0" g="0" b="0"/>
+      </a:fillRef>
+      <a:effectRef idx="1">
+        <a:scrgbClr r="0" g="0" b="0"/>
+      </a:effectRef>
+      <a:fontRef idx="minor">
+        <a:schemeClr val="lt1"/>
+      </a:fontRef>
+    </dgm:style>
+  </dgm:styleLbl>
+  <dgm:styleLbl name="node3">
+    <dgm:scene3d>
+      <a:camera prst="orthographicFront">
+        <a:rot lat="0" lon="0" rev="0"/>
+      </a:camera>
+      <a:lightRig rig="contrasting" dir="t">
+        <a:rot lat="0" lon="0" rev="1200000"/>
+      </a:lightRig>
+    </dgm:scene3d>
+    <dgm:sp3d contourW="19050" prstMaterial="metal">
+      <a:bevelT w="88900" h="203200"/>
+      <a:bevelB w="165100" h="254000"/>
+    </dgm:sp3d>
+    <dgm:txPr/>
+    <dgm:style>
+      <a:lnRef idx="0">
+        <a:scrgbClr r="0" g="0" b="0"/>
+      </a:lnRef>
+      <a:fillRef idx="1">
+        <a:scrgbClr r="0" g="0" b="0"/>
+      </a:fillRef>
+      <a:effectRef idx="1">
+        <a:scrgbClr r="0" g="0" b="0"/>
+      </a:effectRef>
+      <a:fontRef idx="minor">
+        <a:schemeClr val="lt1"/>
+      </a:fontRef>
+    </dgm:style>
+  </dgm:styleLbl>
+  <dgm:styleLbl name="node4">
+    <dgm:scene3d>
+      <a:camera prst="orthographicFront">
+        <a:rot lat="0" lon="0" rev="0"/>
+      </a:camera>
+      <a:lightRig rig="contrasting" dir="t">
+        <a:rot lat="0" lon="0" rev="1200000"/>
+      </a:lightRig>
+    </dgm:scene3d>
+    <dgm:sp3d contourW="19050" prstMaterial="metal">
+      <a:bevelT w="88900" h="203200"/>
+      <a:bevelB w="165100" h="254000"/>
+    </dgm:sp3d>
+    <dgm:txPr/>
+    <dgm:style>
+      <a:lnRef idx="0">
+        <a:scrgbClr r="0" g="0" b="0"/>
+      </a:lnRef>
+      <a:fillRef idx="1">
+        <a:scrgbClr r="0" g="0" b="0"/>
+      </a:fillRef>
+      <a:effectRef idx="1">
+        <a:scrgbClr r="0" g="0" b="0"/>
+      </a:effectRef>
+      <a:fontRef idx="minor">
+        <a:schemeClr val="lt1"/>
+      </a:fontRef>
+    </dgm:style>
+  </dgm:styleLbl>
+  <dgm:styleLbl name="fgImgPlace1">
+    <dgm:scene3d>
+      <a:camera prst="orthographicFront">
+        <a:rot lat="0" lon="0" rev="0"/>
+      </a:camera>
+      <a:lightRig rig="contrasting" dir="t">
+        <a:rot lat="0" lon="0" rev="1200000"/>
+      </a:lightRig>
+    </dgm:scene3d>
+    <dgm:sp3d z="300000" contourW="19050" prstMaterial="metal">
+      <a:bevelT w="88900" h="203200"/>
+      <a:bevelB w="165100" h="254000"/>
+    </dgm:sp3d>
+    <dgm:txPr/>
+    <dgm:style>
+      <a:lnRef idx="0">
+        <a:scrgbClr r="0" g="0" b="0"/>
+      </a:lnRef>
+      <a:fillRef idx="1">
+        <a:scrgbClr r="0" g="0" b="0"/>
+      </a:fillRef>
+      <a:effectRef idx="1">
+        <a:scrgbClr r="0" g="0" b="0"/>
+      </a:effectRef>
+      <a:fontRef idx="minor"/>
+    </dgm:style>
+  </dgm:styleLbl>
+  <dgm:styleLbl name="alignImgPlace1">
+    <dgm:scene3d>
+      <a:camera prst="orthographicFront">
+        <a:rot lat="0" lon="0" rev="0"/>
+      </a:camera>
+      <a:lightRig rig="contrasting" dir="t">
+        <a:rot lat="0" lon="0" rev="1200000"/>
+      </a:lightRig>
+    </dgm:scene3d>
+    <dgm:sp3d contourW="12700" prstMaterial="flat">
+      <a:bevelT w="177800" h="254000"/>
+      <a:bevelB w="152400"/>
+    </dgm:sp3d>
+    <dgm:txPr/>
+    <dgm:style>
+      <a:lnRef idx="0">
+        <a:scrgbClr r="0" g="0" b="0"/>
+      </a:lnRef>
+      <a:fillRef idx="1">
+        <a:scrgbClr r="0" g="0" b="0"/>
+      </a:fillRef>
+      <a:effectRef idx="1">
+        <a:scrgbClr r="0" g="0" b="0"/>
+      </a:effectRef>
+      <a:fontRef idx="minor"/>
+    </dgm:style>
+  </dgm:styleLbl>
+  <dgm:styleLbl name="bgImgPlace1">
+    <dgm:scene3d>
+      <a:camera prst="orthographicFront">
+        <a:rot lat="0" lon="0" rev="0"/>
+      </a:camera>
+      <a:lightRig rig="contrasting" dir="t">
+        <a:rot lat="0" lon="0" rev="1200000"/>
+      </a:lightRig>
+    </dgm:scene3d>
+    <dgm:sp3d z="-300000" contourW="19050" prstMaterial="metal">
+      <a:bevelT w="88900" h="203200"/>
+      <a:bevelB w="165100" h="254000"/>
+    </dgm:sp3d>
+    <dgm:txPr/>
+    <dgm:style>
+      <a:lnRef idx="0">
+        <a:scrgbClr r="0" g="0" b="0"/>
+      </a:lnRef>
+      <a:fillRef idx="1">
+        <a:scrgbClr r="0" g="0" b="0"/>
+      </a:fillRef>
+      <a:effectRef idx="1">
+        <a:scrgbClr r="0" g="0" b="0"/>
+      </a:effectRef>
+      <a:fontRef idx="minor"/>
+    </dgm:style>
+  </dgm:styleLbl>
+  <dgm:styleLbl name="sibTrans2D1">
+    <dgm:scene3d>
+      <a:camera prst="orthographicFront">
+        <a:rot lat="0" lon="0" rev="0"/>
+      </a:camera>
+      <a:lightRig rig="contrasting" dir="t">
+        <a:rot lat="0" lon="0" rev="1200000"/>
+      </a:lightRig>
+    </dgm:scene3d>
+    <dgm:sp3d z="-182000" contourW="19050" prstMaterial="metal">
+      <a:bevelT w="88900" h="203200"/>
+      <a:bevelB w="165100" h="254000"/>
+    </dgm:sp3d>
+    <dgm:txPr/>
+    <dgm:style>
+      <a:lnRef idx="0">
+        <a:scrgbClr r="0" g="0" b="0"/>
+      </a:lnRef>
+      <a:fillRef idx="1">
+        <a:scrgbClr r="0" g="0" b="0"/>
+      </a:fillRef>
+      <a:effectRef idx="0">
+        <a:scrgbClr r="0" g="0" b="0"/>
+      </a:effectRef>
+      <a:fontRef idx="minor">
+        <a:schemeClr val="lt1"/>
+      </a:fontRef>
+    </dgm:style>
+  </dgm:styleLbl>
+  <dgm:styleLbl name="fgSibTrans2D1">
+    <dgm:scene3d>
+      <a:camera prst="orthographicFront">
+        <a:rot lat="0" lon="0" rev="0"/>
+      </a:camera>
+      <a:lightRig rig="contrasting" dir="t">
+        <a:rot lat="0" lon="0" rev="1200000"/>
+      </a:lightRig>
+    </dgm:scene3d>
+    <dgm:sp3d z="300000" contourW="19050" prstMaterial="metal">
+      <a:bevelT w="88900" h="203200"/>
+      <a:bevelB w="165100" h="254000"/>
+    </dgm:sp3d>
+    <dgm:txPr/>
+    <dgm:style>
+      <a:lnRef idx="0">
+        <a:scrgbClr r="0" g="0" b="0"/>
+      </a:lnRef>
+      <a:fillRef idx="1">
+        <a:scrgbClr r="0" g="0" b="0"/>
+      </a:fillRef>
+      <a:effectRef idx="0">
+        <a:scrgbClr r="0" g="0" b="0"/>
+      </a:effectRef>
+      <a:fontRef idx="minor"/>
+    </dgm:style>
+  </dgm:styleLbl>
+  <dgm:styleLbl name="bgSibTrans2D1">
+    <dgm:scene3d>
+      <a:camera prst="orthographicFront">
+        <a:rot lat="0" lon="0" rev="0"/>
+      </a:camera>
+      <a:lightRig rig="contrasting" dir="t">
+        <a:rot lat="0" lon="0" rev="1200000"/>
+      </a:lightRig>
+    </dgm:scene3d>
+    <dgm:sp3d z="-300000" contourW="19050" prstMaterial="metal">
+      <a:bevelT w="88900" h="203200"/>
+      <a:bevelB w="165100" h="254000"/>
+    </dgm:sp3d>
+    <dgm:txPr/>
+    <dgm:style>
+      <a:lnRef idx="0">
+        <a:scrgbClr r="0" g="0" b="0"/>
+      </a:lnRef>
+      <a:fillRef idx="1">
+        <a:scrgbClr r="0" g="0" b="0"/>
+      </a:fillRef>
+      <a:effectRef idx="0">
+        <a:scrgbClr r="0" g="0" b="0"/>
+      </a:effectRef>
+      <a:fontRef idx="minor"/>
+    </dgm:style>
+  </dgm:styleLbl>
+  <dgm:styleLbl name="sibTrans1D1">
+    <dgm:scene3d>
+      <a:camera prst="orthographicFront">
+        <a:rot lat="0" lon="0" rev="0"/>
+      </a:camera>
+      <a:lightRig rig="contrasting" dir="t">
+        <a:rot lat="0" lon="0" rev="1200000"/>
+      </a:lightRig>
+    </dgm:scene3d>
+    <dgm:sp3d z="-110000"/>
+    <dgm:txPr/>
+    <dgm:style>
+      <a:lnRef idx="1">
+        <a:scrgbClr r="0" g="0" b="0"/>
+      </a:lnRef>
+      <a:fillRef idx="0">
+        <a:scrgbClr r="0" g="0" b="0"/>
+      </a:fillRef>
+      <a:effectRef idx="0">
+        <a:scrgbClr r="0" g="0" b="0"/>
+      </a:effectRef>
+      <a:fontRef idx="minor"/>
+    </dgm:style>
+  </dgm:styleLbl>
+  <dgm:styleLbl name="callout">
+    <dgm:scene3d>
+      <a:camera prst="orthographicFront">
+        <a:rot lat="0" lon="0" rev="0"/>
+      </a:camera>
+      <a:lightRig rig="contrasting" dir="t">
+        <a:rot lat="0" lon="0" rev="1200000"/>
+      </a:lightRig>
+    </dgm:scene3d>
+    <dgm:sp3d z="10000"/>
+    <dgm:txPr/>
+    <dgm:style>
+      <a:lnRef idx="2">
+        <a:scrgbClr r="0" g="0" b="0"/>
+      </a:lnRef>
+      <a:fillRef idx="1">
+        <a:scrgbClr r="0" g="0" b="0"/>
+      </a:fillRef>
+      <a:effectRef idx="0">
+        <a:scrgbClr r="0" g="0" b="0"/>
+      </a:effectRef>
+      <a:fontRef idx="minor"/>
+    </dgm:style>
+  </dgm:styleLbl>
+  <dgm:styleLbl name="asst0">
+    <dgm:scene3d>
+      <a:camera prst="orthographicFront">
+        <a:rot lat="0" lon="0" rev="0"/>
+      </a:camera>
+      <a:lightRig rig="contrasting" dir="t">
+        <a:rot lat="0" lon="0" rev="1200000"/>
+      </a:lightRig>
+    </dgm:scene3d>
+    <dgm:sp3d contourW="19050" prstMaterial="metal">
+      <a:bevelT w="88900" h="203200"/>
+      <a:bevelB w="165100" h="254000"/>
+    </dgm:sp3d>
+    <dgm:txPr/>
+    <dgm:style>
+      <a:lnRef idx="0">
+        <a:scrgbClr r="0" g="0" b="0"/>
+      </a:lnRef>
+      <a:fillRef idx="1">
+        <a:scrgbClr r="0" g="0" b="0"/>
+      </a:fillRef>
+      <a:effectRef idx="1">
+        <a:scrgbClr r="0" g="0" b="0"/>
+      </a:effectRef>
+      <a:fontRef idx="minor">
+        <a:schemeClr val="lt1"/>
+      </a:fontRef>
+    </dgm:style>
+  </dgm:styleLbl>
+  <dgm:styleLbl name="asst1">
+    <dgm:scene3d>
+      <a:camera prst="orthographicFront">
+        <a:rot lat="0" lon="0" rev="0"/>
+      </a:camera>
+      <a:lightRig rig="contrasting" dir="t">
+        <a:rot lat="0" lon="0" rev="1200000"/>
+      </a:lightRig>
+    </dgm:scene3d>
+    <dgm:sp3d contourW="19050" prstMaterial="metal">
+      <a:bevelT w="88900" h="203200"/>
+      <a:bevelB w="165100" h="254000"/>
+    </dgm:sp3d>
+    <dgm:txPr/>
+    <dgm:style>
+      <a:lnRef idx="0">
+        <a:scrgbClr r="0" g="0" b="0"/>
+      </a:lnRef>
+      <a:fillRef idx="1">
+        <a:scrgbClr r="0" g="0" b="0"/>
+      </a:fillRef>
+      <a:effectRef idx="1">
+        <a:scrgbClr r="0" g="0" b="0"/>
+      </a:effectRef>
+      <a:fontRef idx="minor">
+        <a:schemeClr val="lt1"/>
+      </a:fontRef>
+    </dgm:style>
+  </dgm:styleLbl>
+  <dgm:styleLbl name="asst2">
+    <dgm:scene3d>
+      <a:camera prst="orthographicFront">
+        <a:rot lat="0" lon="0" rev="0"/>
+      </a:camera>
+      <a:lightRig rig="contrasting" dir="t">
+        <a:rot lat="0" lon="0" rev="1200000"/>
+      </a:lightRig>
+    </dgm:scene3d>
+    <dgm:sp3d contourW="19050" prstMaterial="metal">
+      <a:bevelT w="88900" h="203200"/>
+      <a:bevelB w="165100" h="254000"/>
+    </dgm:sp3d>
+    <dgm:txPr/>
+    <dgm:style>
+      <a:lnRef idx="0">
+        <a:scrgbClr r="0" g="0" b="0"/>
+      </a:lnRef>
+      <a:fillRef idx="1">
+        <a:scrgbClr r="0" g="0" b="0"/>
+      </a:fillRef>
+      <a:effectRef idx="1">
+        <a:scrgbClr r="0" g="0" b="0"/>
+      </a:effectRef>
+      <a:fontRef idx="minor">
+        <a:schemeClr val="lt1"/>
+      </a:fontRef>
+    </dgm:style>
+  </dgm:styleLbl>
+  <dgm:styleLbl name="asst3">
+    <dgm:scene3d>
+      <a:camera prst="orthographicFront">
+        <a:rot lat="0" lon="0" rev="0"/>
+      </a:camera>
+      <a:lightRig rig="contrasting" dir="t">
+        <a:rot lat="0" lon="0" rev="1200000"/>
+      </a:lightRig>
+    </dgm:scene3d>
+    <dgm:sp3d contourW="19050" prstMaterial="metal">
+      <a:bevelT w="88900" h="203200"/>
+      <a:bevelB w="165100" h="254000"/>
+    </dgm:sp3d>
+    <dgm:txPr/>
+    <dgm:style>
+      <a:lnRef idx="0">
+        <a:scrgbClr r="0" g="0" b="0"/>
+      </a:lnRef>
+      <a:fillRef idx="1">
+        <a:scrgbClr r="0" g="0" b="0"/>
+      </a:fillRef>
+      <a:effectRef idx="1">
+        <a:scrgbClr r="0" g="0" b="0"/>
+      </a:effectRef>
+      <a:fontRef idx="minor">
+        <a:schemeClr val="lt1"/>
+      </a:fontRef>
+    </dgm:style>
+  </dgm:styleLbl>
+  <dgm:styleLbl name="asst4">
+    <dgm:scene3d>
+      <a:camera prst="orthographicFront"/>
+      <a:lightRig rig="threePt" dir="t"/>
+    </dgm:scene3d>
+    <dgm:sp3d contourW="19050" prstMaterial="metal">
+      <a:bevelT w="88900" h="203200"/>
+      <a:bevelB w="165100" h="254000"/>
+    </dgm:sp3d>
+    <dgm:txPr/>
+    <dgm:style>
+      <a:lnRef idx="0">
+        <a:scrgbClr r="0" g="0" b="0"/>
+      </a:lnRef>
+      <a:fillRef idx="1">
+        <a:scrgbClr r="0" g="0" b="0"/>
+      </a:fillRef>
+      <a:effectRef idx="1">
+        <a:scrgbClr r="0" g="0" b="0"/>
+      </a:effectRef>
+      <a:fontRef idx="minor">
+        <a:schemeClr val="lt1"/>
+      </a:fontRef>
+    </dgm:style>
+  </dgm:styleLbl>
+  <dgm:styleLbl name="parChTrans2D1">
+    <dgm:scene3d>
+      <a:camera prst="orthographicFront">
+        <a:rot lat="0" lon="0" rev="0"/>
+      </a:camera>
+      <a:lightRig rig="contrasting" dir="t">
+        <a:rot lat="0" lon="0" rev="1200000"/>
+      </a:lightRig>
+    </dgm:scene3d>
+    <dgm:sp3d contourW="19050" prstMaterial="metal">
+      <a:bevelT w="88900" h="203200"/>
+      <a:bevelB w="165100" h="254000"/>
+    </dgm:sp3d>
+    <dgm:txPr/>
+    <dgm:style>
+      <a:lnRef idx="0">
+        <a:scrgbClr r="0" g="0" b="0"/>
+      </a:lnRef>
+      <a:fillRef idx="1">
+        <a:scrgbClr r="0" g="0" b="0"/>
+      </a:fillRef>
+      <a:effectRef idx="0">
+        <a:scrgbClr r="0" g="0" b="0"/>
+      </a:effectRef>
+      <a:fontRef idx="minor"/>
+    </dgm:style>
+  </dgm:styleLbl>
+  <dgm:styleLbl name="parChTrans2D2">
+    <dgm:scene3d>
+      <a:camera prst="orthographicFront">
+        <a:rot lat="0" lon="0" rev="0"/>
+      </a:camera>
+      <a:lightRig rig="contrasting" dir="t">
+        <a:rot lat="0" lon="0" rev="1200000"/>
+      </a:lightRig>
+    </dgm:scene3d>
+    <dgm:sp3d contourW="19050" prstMaterial="metal">
+      <a:bevelT w="88900" h="203200"/>
+      <a:bevelB w="165100" h="254000"/>
+    </dgm:sp3d>
+    <dgm:txPr/>
+    <dgm:style>
+      <a:lnRef idx="0">
+        <a:scrgbClr r="0" g="0" b="0"/>
+      </a:lnRef>
+      <a:fillRef idx="1">
+        <a:scrgbClr r="0" g="0" b="0"/>
+      </a:fillRef>
+      <a:effectRef idx="0">
+        <a:scrgbClr r="0" g="0" b="0"/>
+      </a:effectRef>
+      <a:fontRef idx="minor"/>
+    </dgm:style>
+  </dgm:styleLbl>
+  <dgm:styleLbl name="parChTrans2D3">
+    <dgm:scene3d>
+      <a:camera prst="orthographicFront">
+        <a:rot lat="0" lon="0" rev="0"/>
+      </a:camera>
+      <a:lightRig rig="contrasting" dir="t">
+        <a:rot lat="0" lon="0" rev="1200000"/>
+      </a:lightRig>
+    </dgm:scene3d>
+    <dgm:sp3d contourW="19050" prstMaterial="metal">
+      <a:bevelT w="88900" h="203200"/>
+      <a:bevelB w="165100" h="254000"/>
+    </dgm:sp3d>
+    <dgm:txPr/>
+    <dgm:style>
+      <a:lnRef idx="0">
+        <a:scrgbClr r="0" g="0" b="0"/>
+      </a:lnRef>
+      <a:fillRef idx="1">
+        <a:scrgbClr r="0" g="0" b="0"/>
+      </a:fillRef>
+      <a:effectRef idx="0">
+        <a:scrgbClr r="0" g="0" b="0"/>
+      </a:effectRef>
+      <a:fontRef idx="minor"/>
+    </dgm:style>
+  </dgm:styleLbl>
+  <dgm:styleLbl name="parChTrans2D4">
+    <dgm:scene3d>
+      <a:camera prst="orthographicFront">
+        <a:rot lat="0" lon="0" rev="0"/>
+      </a:camera>
+      <a:lightRig rig="contrasting" dir="t">
+        <a:rot lat="0" lon="0" rev="1200000"/>
+      </a:lightRig>
+    </dgm:scene3d>
+    <dgm:sp3d contourW="19050" prstMaterial="metal">
+      <a:bevelT w="88900" h="203200"/>
+      <a:bevelB w="165100" h="254000"/>
+    </dgm:sp3d>
+    <dgm:txPr/>
+    <dgm:style>
+      <a:lnRef idx="0">
+        <a:scrgbClr r="0" g="0" b="0"/>
+      </a:lnRef>
+      <a:fillRef idx="1">
+        <a:scrgbClr r="0" g="0" b="0"/>
+      </a:fillRef>
+      <a:effectRef idx="0">
+        <a:scrgbClr r="0" g="0" b="0"/>
+      </a:effectRef>
+      <a:fontRef idx="minor"/>
+    </dgm:style>
+  </dgm:styleLbl>
+  <dgm:styleLbl name="parChTrans1D1">
+    <dgm:scene3d>
+      <a:camera prst="orthographicFront">
+        <a:rot lat="0" lon="0" rev="0"/>
+      </a:camera>
+      <a:lightRig rig="contrasting" dir="t">
+        <a:rot lat="0" lon="0" rev="1200000"/>
+      </a:lightRig>
+    </dgm:scene3d>
+    <dgm:sp3d z="-110000"/>
+    <dgm:txPr/>
+    <dgm:style>
+      <a:lnRef idx="2">
+        <a:scrgbClr r="0" g="0" b="0"/>
+      </a:lnRef>
+      <a:fillRef idx="0">
+        <a:scrgbClr r="0" g="0" b="0"/>
+      </a:fillRef>
+      <a:effectRef idx="0">
+        <a:scrgbClr r="0" g="0" b="0"/>
+      </a:effectRef>
+      <a:fontRef idx="minor"/>
+    </dgm:style>
+  </dgm:styleLbl>
+  <dgm:styleLbl name="parChTrans1D2">
+    <dgm:scene3d>
+      <a:camera prst="orthographicFront">
+        <a:rot lat="0" lon="0" rev="0"/>
+      </a:camera>
+      <a:lightRig rig="contrasting" dir="t">
+        <a:rot lat="0" lon="0" rev="1200000"/>
+      </a:lightRig>
+    </dgm:scene3d>
+    <dgm:sp3d z="-110000"/>
+    <dgm:txPr/>
+    <dgm:style>
+      <a:lnRef idx="2">
+        <a:scrgbClr r="0" g="0" b="0"/>
+      </a:lnRef>
+      <a:fillRef idx="0">
+        <a:scrgbClr r="0" g="0" b="0"/>
+      </a:fillRef>
+      <a:effectRef idx="0">
+        <a:scrgbClr r="0" g="0" b="0"/>
+      </a:effectRef>
+      <a:fontRef idx="minor"/>
+    </dgm:style>
+  </dgm:styleLbl>
+  <dgm:styleLbl name="parChTrans1D3">
+    <dgm:scene3d>
+      <a:camera prst="orthographicFront">
+        <a:rot lat="0" lon="0" rev="0"/>
+      </a:camera>
+      <a:lightRig rig="contrasting" dir="t">
+        <a:rot lat="0" lon="0" rev="1200000"/>
+      </a:lightRig>
+    </dgm:scene3d>
+    <dgm:sp3d z="-110000"/>
+    <dgm:txPr/>
+    <dgm:style>
+      <a:lnRef idx="2">
+        <a:scrgbClr r="0" g="0" b="0"/>
+      </a:lnRef>
+      <a:fillRef idx="0">
+        <a:scrgbClr r="0" g="0" b="0"/>
+      </a:fillRef>
+      <a:effectRef idx="0">
+        <a:scrgbClr r="0" g="0" b="0"/>
+      </a:effectRef>
+      <a:fontRef idx="minor"/>
+    </dgm:style>
+  </dgm:styleLbl>
+  <dgm:styleLbl name="parChTrans1D4">
+    <dgm:scene3d>
+      <a:camera prst="orthographicFront">
+        <a:rot lat="0" lon="0" rev="0"/>
+      </a:camera>
+      <a:lightRig rig="contrasting" dir="t">
+        <a:rot lat="0" lon="0" rev="1200000"/>
+      </a:lightRig>
+    </dgm:scene3d>
+    <dgm:sp3d z="-110000"/>
+    <dgm:txPr/>
+    <dgm:style>
+      <a:lnRef idx="2">
+        <a:scrgbClr r="0" g="0" b="0"/>
+      </a:lnRef>
+      <a:fillRef idx="0">
+        <a:scrgbClr r="0" g="0" b="0"/>
+      </a:fillRef>
+      <a:effectRef idx="0">
+        <a:scrgbClr r="0" g="0" b="0"/>
+      </a:effectRef>
+      <a:fontRef idx="minor"/>
+    </dgm:style>
+  </dgm:styleLbl>
+  <dgm:styleLbl name="fgAcc1">
+    <dgm:scene3d>
+      <a:camera prst="orthographicFront">
+        <a:rot lat="0" lon="0" rev="0"/>
+      </a:camera>
+      <a:lightRig rig="contrasting" dir="t">
+        <a:rot lat="0" lon="0" rev="1200000"/>
+      </a:lightRig>
+    </dgm:scene3d>
+    <dgm:sp3d z="300000" contourW="19050" prstMaterial="metal">
+      <a:bevelT w="88900" h="203200"/>
+      <a:bevelB w="165100" h="254000"/>
+    </dgm:sp3d>
+    <dgm:txPr/>
+    <dgm:style>
+      <a:lnRef idx="0">
+        <a:scrgbClr r="0" g="0" b="0"/>
+      </a:lnRef>
+      <a:fillRef idx="1">
+        <a:scrgbClr r="0" g="0" b="0"/>
+      </a:fillRef>
+      <a:effectRef idx="0">
+        <a:scrgbClr r="0" g="0" b="0"/>
+      </a:effectRef>
+      <a:fontRef idx="minor"/>
+    </dgm:style>
+  </dgm:styleLbl>
+  <dgm:styleLbl name="conFgAcc1">
+    <dgm:scene3d>
+      <a:camera prst="orthographicFront">
+        <a:rot lat="0" lon="0" rev="0"/>
+      </a:camera>
+      <a:lightRig rig="contrasting" dir="t">
+        <a:rot lat="0" lon="0" rev="1200000"/>
+      </a:lightRig>
+    </dgm:scene3d>
+    <dgm:sp3d z="300000" contourW="19050" prstMaterial="metal">
+      <a:bevelT w="88900" h="203200"/>
+      <a:bevelB w="165100" h="254000"/>
+    </dgm:sp3d>
+    <dgm:txPr/>
+    <dgm:style>
+      <a:lnRef idx="0">
+        <a:scrgbClr r="0" g="0" b="0"/>
+      </a:lnRef>
+      <a:fillRef idx="1">
+        <a:scrgbClr r="0" g="0" b="0"/>
+      </a:fillRef>
+      <a:effectRef idx="0">
+        <a:scrgbClr r="0" g="0" b="0"/>
+      </a:effectRef>
+      <a:fontRef idx="minor"/>
+    </dgm:style>
+  </dgm:styleLbl>
+  <dgm:styleLbl name="alignAcc1">
+    <dgm:scene3d>
+      <a:camera prst="orthographicFront">
+        <a:rot lat="0" lon="0" rev="0"/>
+      </a:camera>
+      <a:lightRig rig="contrasting" dir="t">
+        <a:rot lat="0" lon="0" rev="1200000"/>
+      </a:lightRig>
+    </dgm:scene3d>
+    <dgm:sp3d contourW="19050" prstMaterial="metal">
+      <a:bevelT w="88900" h="203200"/>
+      <a:bevelB w="165100" h="254000"/>
+    </dgm:sp3d>
+    <dgm:txPr/>
+    <dgm:style>
+      <a:lnRef idx="0">
+        <a:scrgbClr r="0" g="0" b="0"/>
+      </a:lnRef>
+      <a:fillRef idx="1">
+        <a:scrgbClr r="0" g="0" b="0"/>
+      </a:fillRef>
+      <a:effectRef idx="0">
+        <a:scrgbClr r="0" g="0" b="0"/>
+      </a:effectRef>
+      <a:fontRef idx="minor"/>
+    </dgm:style>
+  </dgm:styleLbl>
+  <dgm:styleLbl name="trAlignAcc1">
+    <dgm:scene3d>
+      <a:camera prst="orthographicFront">
+        <a:rot lat="0" lon="0" rev="0"/>
+      </a:camera>
+      <a:lightRig rig="contrasting" dir="t">
+        <a:rot lat="0" lon="0" rev="1200000"/>
+      </a:lightRig>
+    </dgm:scene3d>
+    <dgm:sp3d contourW="19050" prstMaterial="metal">
+      <a:bevelT w="88900" h="203200"/>
+      <a:bevelB w="165100" h="254000"/>
+    </dgm:sp3d>
+    <dgm:txPr/>
+    <dgm:style>
+      <a:lnRef idx="0">
+        <a:scrgbClr r="0" g="0" b="0"/>
+      </a:lnRef>
+      <a:fillRef idx="1">
+        <a:scrgbClr r="0" g="0" b="0"/>
+      </a:fillRef>
+      <a:effectRef idx="1">
+        <a:scrgbClr r="0" g="0" b="0"/>
+      </a:effectRef>
+      <a:fontRef idx="minor"/>
+    </dgm:style>
+  </dgm:styleLbl>
+  <dgm:styleLbl name="bgAcc1">
+    <dgm:scene3d>
+      <a:camera prst="orthographicFront">
+        <a:rot lat="0" lon="0" rev="0"/>
+      </a:camera>
+      <a:lightRig rig="contrasting" dir="t">
+        <a:rot lat="0" lon="0" rev="1200000"/>
+      </a:lightRig>
+    </dgm:scene3d>
+    <dgm:sp3d z="-300000" contourW="19050" prstMaterial="metal">
+      <a:bevelT w="88900" h="203200"/>
+      <a:bevelB w="165100" h="254000"/>
+    </dgm:sp3d>
+    <dgm:txPr/>
+    <dgm:style>
+      <a:lnRef idx="0">
+        <a:scrgbClr r="0" g="0" b="0"/>
+      </a:lnRef>
+      <a:fillRef idx="1">
+        <a:scrgbClr r="0" g="0" b="0"/>
+      </a:fillRef>
+      <a:effectRef idx="0">
+        <a:scrgbClr r="0" g="0" b="0"/>
+      </a:effectRef>
+      <a:fontRef idx="minor"/>
+    </dgm:style>
+  </dgm:styleLbl>
+  <dgm:styleLbl name="solidFgAcc1">
+    <dgm:scene3d>
+      <a:camera prst="orthographicFront">
+        <a:rot lat="0" lon="0" rev="0"/>
+      </a:camera>
+      <a:lightRig rig="contrasting" dir="t">
+        <a:rot lat="0" lon="0" rev="1200000"/>
+      </a:lightRig>
+    </dgm:scene3d>
+    <dgm:sp3d z="300000" contourW="12700" prstMaterial="flat">
+      <a:bevelT w="177800" h="254000"/>
+      <a:bevelB w="152400"/>
+    </dgm:sp3d>
+    <dgm:txPr/>
+    <dgm:style>
+      <a:lnRef idx="0">
+        <a:scrgbClr r="0" g="0" b="0"/>
+      </a:lnRef>
+      <a:fillRef idx="1">
+        <a:scrgbClr r="0" g="0" b="0"/>
+      </a:fillRef>
+      <a:effectRef idx="0">
+        <a:scrgbClr r="0" g="0" b="0"/>
+      </a:effectRef>
+      <a:fontRef idx="minor"/>
+    </dgm:style>
+  </dgm:styleLbl>
+  <dgm:styleLbl name="solidAlignAcc1">
+    <dgm:scene3d>
+      <a:camera prst="orthographicFront">
+        <a:rot lat="0" lon="0" rev="0"/>
+      </a:camera>
+      <a:lightRig rig="contrasting" dir="t">
+        <a:rot lat="0" lon="0" rev="1200000"/>
+      </a:lightRig>
+    </dgm:scene3d>
+    <dgm:sp3d contourW="19050" prstMaterial="metal">
+      <a:bevelT w="88900" h="203200"/>
+      <a:bevelB w="165100" h="254000"/>
+    </dgm:sp3d>
+    <dgm:txPr/>
+    <dgm:style>
+      <a:lnRef idx="0">
+        <a:scrgbClr r="0" g="0" b="0"/>
+      </a:lnRef>
+      <a:fillRef idx="1">
+        <a:scrgbClr r="0" g="0" b="0"/>
+      </a:fillRef>
+      <a:effectRef idx="0">
+        <a:scrgbClr r="0" g="0" b="0"/>
+      </a:effectRef>
+      <a:fontRef idx="minor"/>
+    </dgm:style>
+  </dgm:styleLbl>
+  <dgm:styleLbl name="solidBgAcc1">
+    <dgm:scene3d>
+      <a:camera prst="orthographicFront">
+        <a:rot lat="0" lon="0" rev="0"/>
+      </a:camera>
+      <a:lightRig rig="contrasting" dir="t">
+        <a:rot lat="0" lon="0" rev="1200000"/>
+      </a:lightRig>
+    </dgm:scene3d>
+    <dgm:sp3d z="-300000" contourW="19050" prstMaterial="metal">
+      <a:bevelT w="88900" h="203200"/>
+      <a:bevelB w="165100" h="254000"/>
+    </dgm:sp3d>
+    <dgm:txPr/>
+    <dgm:style>
+      <a:lnRef idx="0">
+        <a:scrgbClr r="0" g="0" b="0"/>
+      </a:lnRef>
+      <a:fillRef idx="1">
+        <a:scrgbClr r="0" g="0" b="0"/>
+      </a:fillRef>
+      <a:effectRef idx="0">
+        <a:scrgbClr r="0" g="0" b="0"/>
+      </a:effectRef>
+      <a:fontRef idx="minor"/>
+    </dgm:style>
+  </dgm:styleLbl>
+  <dgm:styleLbl name="fgAccFollowNode1">
+    <dgm:scene3d>
+      <a:camera prst="orthographicFront">
+        <a:rot lat="0" lon="0" rev="0"/>
+      </a:camera>
+      <a:lightRig rig="contrasting" dir="t">
+        <a:rot lat="0" lon="0" rev="1200000"/>
+      </a:lightRig>
+    </dgm:scene3d>
+    <dgm:sp3d z="300000" contourW="19050" prstMaterial="metal">
+      <a:bevelT w="88900" h="203200"/>
+      <a:bevelB w="165100" h="254000"/>
+    </dgm:sp3d>
+    <dgm:txPr/>
+    <dgm:style>
+      <a:lnRef idx="0">
+        <a:scrgbClr r="0" g="0" b="0"/>
+      </a:lnRef>
+      <a:fillRef idx="1">
+        <a:scrgbClr r="0" g="0" b="0"/>
+      </a:fillRef>
+      <a:effectRef idx="0">
+        <a:scrgbClr r="0" g="0" b="0"/>
+      </a:effectRef>
+      <a:fontRef idx="minor"/>
+    </dgm:style>
+  </dgm:styleLbl>
+  <dgm:styleLbl name="alignAccFollowNode1">
+    <dgm:scene3d>
+      <a:camera prst="orthographicFront">
+        <a:rot lat="0" lon="0" rev="0"/>
+      </a:camera>
+      <a:lightRig rig="contrasting" dir="t">
+        <a:rot lat="0" lon="0" rev="1200000"/>
+      </a:lightRig>
+    </dgm:scene3d>
+    <dgm:sp3d contourW="19050" prstMaterial="metal">
+      <a:bevelT w="88900" h="203200"/>
+      <a:bevelB w="165100" h="254000"/>
+    </dgm:sp3d>
+    <dgm:txPr/>
+    <dgm:style>
+      <a:lnRef idx="0">
+        <a:scrgbClr r="0" g="0" b="0"/>
+      </a:lnRef>
+      <a:fillRef idx="1">
+        <a:scrgbClr r="0" g="0" b="0"/>
+      </a:fillRef>
+      <a:effectRef idx="0">
+        <a:scrgbClr r="0" g="0" b="0"/>
+      </a:effectRef>
+      <a:fontRef idx="minor"/>
+    </dgm:style>
+  </dgm:styleLbl>
+  <dgm:styleLbl name="bgAccFollowNode1">
+    <dgm:scene3d>
+      <a:camera prst="orthographicFront">
+        <a:rot lat="0" lon="0" rev="0"/>
+      </a:camera>
+      <a:lightRig rig="contrasting" dir="t">
+        <a:rot lat="0" lon="0" rev="1200000"/>
+      </a:lightRig>
+    </dgm:scene3d>
+    <dgm:sp3d z="-300000" contourW="19050" prstMaterial="metal">
+      <a:bevelT w="88900" h="203200"/>
+      <a:bevelB w="165100" h="254000"/>
+    </dgm:sp3d>
+    <dgm:txPr/>
+    <dgm:style>
+      <a:lnRef idx="0">
+        <a:scrgbClr r="0" g="0" b="0"/>
+      </a:lnRef>
+      <a:fillRef idx="1">
+        <a:scrgbClr r="0" g="0" b="0"/>
+      </a:fillRef>
+      <a:effectRef idx="0">
+        <a:scrgbClr r="0" g="0" b="0"/>
+      </a:effectRef>
+      <a:fontRef idx="minor"/>
+    </dgm:style>
+  </dgm:styleLbl>
+  <dgm:styleLbl name="fgAcc0">
+    <dgm:scene3d>
+      <a:camera prst="orthographicFront">
+        <a:rot lat="0" lon="0" rev="0"/>
+      </a:camera>
+      <a:lightRig rig="contrasting" dir="t">
+        <a:rot lat="0" lon="0" rev="1200000"/>
+      </a:lightRig>
+    </dgm:scene3d>
+    <dgm:sp3d z="300000" contourW="19050" prstMaterial="metal">
+      <a:bevelT w="88900" h="203200"/>
+      <a:bevelB w="165100" h="254000"/>
+    </dgm:sp3d>
+    <dgm:txPr/>
+    <dgm:style>
+      <a:lnRef idx="0">
+        <a:scrgbClr r="0" g="0" b="0"/>
+      </a:lnRef>
+      <a:fillRef idx="1">
+        <a:scrgbClr r="0" g="0" b="0"/>
+      </a:fillRef>
+      <a:effectRef idx="0">
+        <a:scrgbClr r="0" g="0" b="0"/>
+      </a:effectRef>
+      <a:fontRef idx="minor"/>
+    </dgm:style>
+  </dgm:styleLbl>
+  <dgm:styleLbl name="fgAcc2">
+    <dgm:scene3d>
+      <a:camera prst="orthographicFront">
+        <a:rot lat="0" lon="0" rev="0"/>
+      </a:camera>
+      <a:lightRig rig="contrasting" dir="t">
+        <a:rot lat="0" lon="0" rev="1200000"/>
+      </a:lightRig>
+    </dgm:scene3d>
+    <dgm:sp3d z="300000" contourW="19050" prstMaterial="metal">
+      <a:bevelT w="88900" h="203200"/>
+      <a:bevelB w="165100" h="254000"/>
+    </dgm:sp3d>
+    <dgm:txPr/>
+    <dgm:style>
+      <a:lnRef idx="0">
+        <a:scrgbClr r="0" g="0" b="0"/>
+      </a:lnRef>
+      <a:fillRef idx="1">
+        <a:scrgbClr r="0" g="0" b="0"/>
+      </a:fillRef>
+      <a:effectRef idx="0">
+        <a:scrgbClr r="0" g="0" b="0"/>
+      </a:effectRef>
+      <a:fontRef idx="minor"/>
+    </dgm:style>
+  </dgm:styleLbl>
+  <dgm:styleLbl name="fgAcc3">
+    <dgm:scene3d>
+      <a:camera prst="orthographicFront">
+        <a:rot lat="0" lon="0" rev="0"/>
+      </a:camera>
+      <a:lightRig rig="contrasting" dir="t">
+        <a:rot lat="0" lon="0" rev="1200000"/>
+      </a:lightRig>
+    </dgm:scene3d>
+    <dgm:sp3d z="300000" contourW="19050" prstMaterial="metal">
+      <a:bevelT w="88900" h="203200"/>
+      <a:bevelB w="165100" h="254000"/>
+    </dgm:sp3d>
+    <dgm:txPr/>
+    <dgm:style>
+      <a:lnRef idx="0">
+        <a:scrgbClr r="0" g="0" b="0"/>
+      </a:lnRef>
+      <a:fillRef idx="1">
+        <a:scrgbClr r="0" g="0" b="0"/>
+      </a:fillRef>
+      <a:effectRef idx="0">
+        <a:scrgbClr r="0" g="0" b="0"/>
+      </a:effectRef>
+      <a:fontRef idx="minor"/>
+    </dgm:style>
+  </dgm:styleLbl>
+  <dgm:styleLbl name="fgAcc4">
+    <dgm:scene3d>
+      <a:camera prst="orthographicFront">
+        <a:rot lat="0" lon="0" rev="0"/>
+      </a:camera>
+      <a:lightRig rig="contrasting" dir="t">
+        <a:rot lat="0" lon="0" rev="1200000"/>
+      </a:lightRig>
+    </dgm:scene3d>
+    <dgm:sp3d z="300000" contourW="19050" prstMaterial="metal">
+      <a:bevelT w="88900" h="203200"/>
+      <a:bevelB w="165100" h="254000"/>
+    </dgm:sp3d>
+    <dgm:txPr/>
+    <dgm:style>
+      <a:lnRef idx="0">
+        <a:scrgbClr r="0" g="0" b="0"/>
+      </a:lnRef>
+      <a:fillRef idx="1">
+        <a:scrgbClr r="0" g="0" b="0"/>
+      </a:fillRef>
+      <a:effectRef idx="0">
+        <a:scrgbClr r="0" g="0" b="0"/>
+      </a:effectRef>
+      <a:fontRef idx="minor"/>
+    </dgm:style>
+  </dgm:styleLbl>
+  <dgm:styleLbl name="bgShp">
+    <dgm:scene3d>
+      <a:camera prst="orthographicFront">
+        <a:rot lat="0" lon="0" rev="0"/>
+      </a:camera>
+      <a:lightRig rig="contrasting" dir="t">
+        <a:rot lat="0" lon="0" rev="1200000"/>
+      </a:lightRig>
+    </dgm:scene3d>
+    <dgm:sp3d z="-300000" prstMaterial="plastic"/>
+    <dgm:txPr/>
+    <dgm:style>
+      <a:lnRef idx="1">
+        <a:scrgbClr r="0" g="0" b="0"/>
+      </a:lnRef>
+      <a:fillRef idx="1">
+        <a:scrgbClr r="0" g="0" b="0"/>
+      </a:fillRef>
+      <a:effectRef idx="0">
+        <a:scrgbClr r="0" g="0" b="0"/>
+      </a:effectRef>
+      <a:fontRef idx="minor"/>
+    </dgm:style>
+  </dgm:styleLbl>
+  <dgm:styleLbl name="dkBgShp">
+    <dgm:scene3d>
+      <a:camera prst="orthographicFront">
+        <a:rot lat="0" lon="0" rev="0"/>
+      </a:camera>
+      <a:lightRig rig="contrasting" dir="t">
+        <a:rot lat="0" lon="0" rev="1200000"/>
+      </a:lightRig>
+    </dgm:scene3d>
+    <dgm:sp3d contourW="12700" prstMaterial="flat">
+      <a:bevelT w="100800" h="154000"/>
+      <a:bevelB w="152400"/>
+    </dgm:sp3d>
+    <dgm:txPr/>
+    <dgm:style>
+      <a:lnRef idx="0">
+        <a:scrgbClr r="0" g="0" b="0"/>
+      </a:lnRef>
+      <a:fillRef idx="1">
+        <a:scrgbClr r="0" g="0" b="0"/>
+      </a:fillRef>
+      <a:effectRef idx="0">
+        <a:scrgbClr r="0" g="0" b="0"/>
+      </a:effectRef>
+      <a:fontRef idx="minor"/>
+    </dgm:style>
+  </dgm:styleLbl>
+  <dgm:styleLbl name="trBgShp">
+    <dgm:scene3d>
+      <a:camera prst="orthographicFront">
+        <a:rot lat="0" lon="0" rev="0"/>
+      </a:camera>
+      <a:lightRig rig="contrasting" dir="t">
+        <a:rot lat="0" lon="0" rev="1200000"/>
+      </a:lightRig>
+    </dgm:scene3d>
+    <dgm:sp3d z="-152400" prstMaterial="matte"/>
+    <dgm:txPr/>
+    <dgm:style>
+      <a:lnRef idx="1">
+        <a:scrgbClr r="0" g="0" b="0"/>
+      </a:lnRef>
+      <a:fillRef idx="1">
+        <a:scrgbClr r="0" g="0" b="0"/>
+      </a:fillRef>
+      <a:effectRef idx="0">
+        <a:scrgbClr r="0" g="0" b="0"/>
+      </a:effectRef>
+      <a:fontRef idx="minor"/>
+    </dgm:style>
+  </dgm:styleLbl>
+  <dgm:styleLbl name="fgShp">
+    <dgm:scene3d>
+      <a:camera prst="orthographicFront">
+        <a:rot lat="0" lon="0" rev="0"/>
+      </a:camera>
+      <a:lightRig rig="contrasting" dir="t">
+        <a:rot lat="0" lon="0" rev="1200000"/>
+      </a:lightRig>
+    </dgm:scene3d>
+    <dgm:sp3d z="300000" contourW="19050" prstMaterial="metal">
+      <a:bevelT w="88900" h="203200"/>
+      <a:bevelB w="165100" h="254000"/>
+    </dgm:sp3d>
+    <dgm:txPr/>
+    <dgm:style>
+      <a:lnRef idx="0">
+        <a:scrgbClr r="0" g="0" b="0"/>
+      </a:lnRef>
+      <a:fillRef idx="1">
+        <a:scrgbClr r="0" g="0" b="0"/>
+      </a:fillRef>
+      <a:effectRef idx="0">
+        <a:scrgbClr r="0" g="0" b="0"/>
+      </a:effectRef>
+      <a:fontRef idx="minor"/>
+    </dgm:style>
+  </dgm:styleLbl>
+  <dgm:styleLbl name="revTx">
+    <dgm:scene3d>
+      <a:camera prst="orthographicFront"/>
+      <a:lightRig rig="threePt" dir="t"/>
+    </dgm:scene3d>
+    <dgm:sp3d/>
+    <dgm:txPr/>
+    <dgm:style>
+      <a:lnRef idx="1">
         <a:scrgbClr r="0" g="0" b="0"/>
       </a:lnRef>
       <a:fillRef idx="0">
@@ -10392,8 +15223,8 @@
         </p:blipFill>
         <p:spPr bwMode="auto">
           <a:xfrm>
-            <a:off x="5769247" y="3920614"/>
-            <a:ext cx="6156053" cy="1261990"/>
+            <a:off x="4898400" y="4512365"/>
+            <a:ext cx="7293600" cy="1495187"/>
           </a:xfrm>
           <a:prstGeom prst="rect">
             <a:avLst/>
@@ -10424,6 +15255,64 @@
 </file>
 
 <file path=ppt/slides/slide5.xml><?xml version="1.0" encoding="utf-8"?>
+<p:sld xmlns:a="http://schemas.openxmlformats.org/drawingml/2006/main" xmlns:r="http://schemas.openxmlformats.org/officeDocument/2006/relationships" xmlns:p="http://schemas.openxmlformats.org/presentationml/2006/main">
+  <p:cSld>
+    <p:spTree>
+      <p:nvGrpSpPr>
+        <p:cNvPr id="1" name=""/>
+        <p:cNvGrpSpPr/>
+        <p:nvPr/>
+      </p:nvGrpSpPr>
+      <p:grpSpPr>
+        <a:xfrm>
+          <a:off x="0" y="0"/>
+          <a:ext cx="0" cy="0"/>
+          <a:chOff x="0" y="0"/>
+          <a:chExt cx="0" cy="0"/>
+        </a:xfrm>
+      </p:grpSpPr>
+      <p:graphicFrame>
+        <p:nvGraphicFramePr>
+          <p:cNvPr id="5" name="Diagram 4">
+            <a:extLst>
+              <a:ext uri="{FF2B5EF4-FFF2-40B4-BE49-F238E27FC236}">
+                <a16:creationId xmlns:a16="http://schemas.microsoft.com/office/drawing/2014/main" id="{E6A2BB21-8A07-4B06-A554-22557AD98C58}"/>
+              </a:ext>
+            </a:extLst>
+          </p:cNvPr>
+          <p:cNvGraphicFramePr/>
+          <p:nvPr>
+            <p:extLst>
+              <p:ext uri="{D42A27DB-BD31-4B8C-83A1-F6EECF244321}">
+                <p14:modId xmlns:p14="http://schemas.microsoft.com/office/powerpoint/2010/main" val="3075672289"/>
+              </p:ext>
+            </p:extLst>
+          </p:nvPr>
+        </p:nvGraphicFramePr>
+        <p:xfrm>
+          <a:off x="1057275" y="428626"/>
+          <a:ext cx="9329738" cy="6215062"/>
+        </p:xfrm>
+        <a:graphic>
+          <a:graphicData uri="http://schemas.openxmlformats.org/drawingml/2006/diagram">
+            <dgm:relIds xmlns:dgm="http://schemas.openxmlformats.org/drawingml/2006/diagram" xmlns:r="http://schemas.openxmlformats.org/officeDocument/2006/relationships" r:dm="rId2" r:lo="rId3" r:qs="rId4" r:cs="rId5"/>
+          </a:graphicData>
+        </a:graphic>
+      </p:graphicFrame>
+    </p:spTree>
+    <p:extLst>
+      <p:ext uri="{BB962C8B-B14F-4D97-AF65-F5344CB8AC3E}">
+        <p14:creationId xmlns:p14="http://schemas.microsoft.com/office/powerpoint/2010/main" val="4121376493"/>
+      </p:ext>
+    </p:extLst>
+  </p:cSld>
+  <p:clrMapOvr>
+    <a:masterClrMapping/>
+  </p:clrMapOvr>
+</p:sld>
+</file>
+
+<file path=ppt/slides/slide6.xml><?xml version="1.0" encoding="utf-8"?>
 <p:sld xmlns:a="http://schemas.openxmlformats.org/drawingml/2006/main" xmlns:r="http://schemas.openxmlformats.org/officeDocument/2006/relationships" xmlns:p="http://schemas.openxmlformats.org/presentationml/2006/main">
   <p:cSld>
     <p:bg>
@@ -10818,36 +15707,6 @@
     <p:extLst>
       <p:ext uri="{BB962C8B-B14F-4D97-AF65-F5344CB8AC3E}">
         <p14:creationId xmlns:p14="http://schemas.microsoft.com/office/powerpoint/2010/main" val="469985477"/>
-      </p:ext>
-    </p:extLst>
-  </p:cSld>
-  <p:clrMapOvr>
-    <a:masterClrMapping/>
-  </p:clrMapOvr>
-</p:sld>
-</file>
-
-<file path=ppt/slides/slide6.xml><?xml version="1.0" encoding="utf-8"?>
-<p:sld xmlns:a="http://schemas.openxmlformats.org/drawingml/2006/main" xmlns:r="http://schemas.openxmlformats.org/officeDocument/2006/relationships" xmlns:p="http://schemas.openxmlformats.org/presentationml/2006/main">
-  <p:cSld>
-    <p:spTree>
-      <p:nvGrpSpPr>
-        <p:cNvPr id="1" name=""/>
-        <p:cNvGrpSpPr/>
-        <p:nvPr/>
-      </p:nvGrpSpPr>
-      <p:grpSpPr>
-        <a:xfrm>
-          <a:off x="0" y="0"/>
-          <a:ext cx="0" cy="0"/>
-          <a:chOff x="0" y="0"/>
-          <a:chExt cx="0" cy="0"/>
-        </a:xfrm>
-      </p:grpSpPr>
-    </p:spTree>
-    <p:extLst>
-      <p:ext uri="{BB962C8B-B14F-4D97-AF65-F5344CB8AC3E}">
-        <p14:creationId xmlns:p14="http://schemas.microsoft.com/office/powerpoint/2010/main" val="4121376493"/>
       </p:ext>
     </p:extLst>
   </p:cSld>

--- a/CapstoneIV/CycleGAN.pptx
+++ b/CapstoneIV/CycleGAN.pptx
@@ -8882,7 +8882,7 @@
           <a:p>
             <a:fld id="{5259CC51-9F48-48A0-AC7F-A9E5E6463074}" type="datetimeFigureOut">
               <a:rPr lang="en-US" smtClean="0"/>
-              <a:t>11/7/2020</a:t>
+              <a:t>11/8/2020</a:t>
             </a:fld>
             <a:endParaRPr lang="en-US"/>
           </a:p>
@@ -9385,7 +9385,7 @@
           <a:p>
             <a:fld id="{613CC088-13F7-4DBF-916C-2F872CD919DE}" type="datetimeFigureOut">
               <a:rPr lang="en-US" smtClean="0"/>
-              <a:t>11/7/2020</a:t>
+              <a:t>11/8/2020</a:t>
             </a:fld>
             <a:endParaRPr lang="en-US"/>
           </a:p>
@@ -9583,7 +9583,7 @@
           <a:p>
             <a:fld id="{613CC088-13F7-4DBF-916C-2F872CD919DE}" type="datetimeFigureOut">
               <a:rPr lang="en-US" smtClean="0"/>
-              <a:t>11/7/2020</a:t>
+              <a:t>11/8/2020</a:t>
             </a:fld>
             <a:endParaRPr lang="en-US"/>
           </a:p>
@@ -9791,7 +9791,7 @@
           <a:p>
             <a:fld id="{613CC088-13F7-4DBF-916C-2F872CD919DE}" type="datetimeFigureOut">
               <a:rPr lang="en-US" smtClean="0"/>
-              <a:t>11/7/2020</a:t>
+              <a:t>11/8/2020</a:t>
             </a:fld>
             <a:endParaRPr lang="en-US"/>
           </a:p>
@@ -9989,7 +9989,7 @@
           <a:p>
             <a:fld id="{613CC088-13F7-4DBF-916C-2F872CD919DE}" type="datetimeFigureOut">
               <a:rPr lang="en-US" smtClean="0"/>
-              <a:t>11/7/2020</a:t>
+              <a:t>11/8/2020</a:t>
             </a:fld>
             <a:endParaRPr lang="en-US"/>
           </a:p>
@@ -10264,7 +10264,7 @@
           <a:p>
             <a:fld id="{613CC088-13F7-4DBF-916C-2F872CD919DE}" type="datetimeFigureOut">
               <a:rPr lang="en-US" smtClean="0"/>
-              <a:t>11/7/2020</a:t>
+              <a:t>11/8/2020</a:t>
             </a:fld>
             <a:endParaRPr lang="en-US"/>
           </a:p>
@@ -10529,7 +10529,7 @@
           <a:p>
             <a:fld id="{613CC088-13F7-4DBF-916C-2F872CD919DE}" type="datetimeFigureOut">
               <a:rPr lang="en-US" smtClean="0"/>
-              <a:t>11/7/2020</a:t>
+              <a:t>11/8/2020</a:t>
             </a:fld>
             <a:endParaRPr lang="en-US"/>
           </a:p>
@@ -10941,7 +10941,7 @@
           <a:p>
             <a:fld id="{613CC088-13F7-4DBF-916C-2F872CD919DE}" type="datetimeFigureOut">
               <a:rPr lang="en-US" smtClean="0"/>
-              <a:t>11/7/2020</a:t>
+              <a:t>11/8/2020</a:t>
             </a:fld>
             <a:endParaRPr lang="en-US"/>
           </a:p>
@@ -11082,7 +11082,7 @@
           <a:p>
             <a:fld id="{613CC088-13F7-4DBF-916C-2F872CD919DE}" type="datetimeFigureOut">
               <a:rPr lang="en-US" smtClean="0"/>
-              <a:t>11/7/2020</a:t>
+              <a:t>11/8/2020</a:t>
             </a:fld>
             <a:endParaRPr lang="en-US"/>
           </a:p>
@@ -11195,7 +11195,7 @@
           <a:p>
             <a:fld id="{613CC088-13F7-4DBF-916C-2F872CD919DE}" type="datetimeFigureOut">
               <a:rPr lang="en-US" smtClean="0"/>
-              <a:t>11/7/2020</a:t>
+              <a:t>11/8/2020</a:t>
             </a:fld>
             <a:endParaRPr lang="en-US"/>
           </a:p>
@@ -11506,7 +11506,7 @@
           <a:p>
             <a:fld id="{613CC088-13F7-4DBF-916C-2F872CD919DE}" type="datetimeFigureOut">
               <a:rPr lang="en-US" smtClean="0"/>
-              <a:t>11/7/2020</a:t>
+              <a:t>11/8/2020</a:t>
             </a:fld>
             <a:endParaRPr lang="en-US"/>
           </a:p>
@@ -11794,7 +11794,7 @@
           <a:p>
             <a:fld id="{613CC088-13F7-4DBF-916C-2F872CD919DE}" type="datetimeFigureOut">
               <a:rPr lang="en-US" smtClean="0"/>
-              <a:t>11/7/2020</a:t>
+              <a:t>11/8/2020</a:t>
             </a:fld>
             <a:endParaRPr lang="en-US"/>
           </a:p>
@@ -12035,7 +12035,7 @@
           <a:p>
             <a:fld id="{613CC088-13F7-4DBF-916C-2F872CD919DE}" type="datetimeFigureOut">
               <a:rPr lang="en-US" smtClean="0"/>
-              <a:t>11/7/2020</a:t>
+              <a:t>11/8/2020</a:t>
             </a:fld>
             <a:endParaRPr lang="en-US"/>
           </a:p>
@@ -15151,10 +15151,10 @@
       </p:sp>
       <p:pic>
         <p:nvPicPr>
-          <p:cNvPr id="3076" name="Picture 4">
+          <p:cNvPr id="2050" name="Picture 2">
             <a:extLst>
               <a:ext uri="{FF2B5EF4-FFF2-40B4-BE49-F238E27FC236}">
-                <a16:creationId xmlns:a16="http://schemas.microsoft.com/office/drawing/2014/main" id="{89C8E809-A7AE-4E9D-8353-EC590659F5D2}"/>
+                <a16:creationId xmlns:a16="http://schemas.microsoft.com/office/drawing/2014/main" id="{B09AB6C2-5DC4-4D90-9705-5860FDEC4835}"/>
               </a:ext>
             </a:extLst>
           </p:cNvPr>
@@ -15171,14 +15171,15 @@
               </a:ext>
             </a:extLst>
           </a:blip>
+          <a:srcRect/>
           <a:stretch>
             <a:fillRect/>
           </a:stretch>
         </p:blipFill>
         <p:spPr bwMode="auto">
           <a:xfrm>
-            <a:off x="2098210" y="1675341"/>
-            <a:ext cx="2468434" cy="2420410"/>
+            <a:off x="4566644" y="5038834"/>
+            <a:ext cx="7429499" cy="1515170"/>
           </a:xfrm>
           <a:prstGeom prst="rect">
             <a:avLst/>
@@ -15197,10 +15198,10 @@
       </p:pic>
       <p:pic>
         <p:nvPicPr>
-          <p:cNvPr id="3074" name="Picture 2">
+          <p:cNvPr id="2052" name="Picture 4">
             <a:extLst>
               <a:ext uri="{FF2B5EF4-FFF2-40B4-BE49-F238E27FC236}">
-                <a16:creationId xmlns:a16="http://schemas.microsoft.com/office/drawing/2014/main" id="{F80AD205-D373-41CA-907F-5A224A3C6920}"/>
+                <a16:creationId xmlns:a16="http://schemas.microsoft.com/office/drawing/2014/main" id="{CF0BCDBC-9ED7-4F66-B01C-3F07F7D9602F}"/>
               </a:ext>
             </a:extLst>
           </p:cNvPr>
@@ -15217,14 +15218,15 @@
               </a:ext>
             </a:extLst>
           </a:blip>
+          <a:srcRect/>
           <a:stretch>
             <a:fillRect/>
           </a:stretch>
         </p:blipFill>
         <p:spPr bwMode="auto">
           <a:xfrm>
-            <a:off x="4898400" y="4512365"/>
-            <a:ext cx="7293600" cy="1495187"/>
+            <a:off x="1937619" y="1657349"/>
+            <a:ext cx="2629025" cy="2577877"/>
           </a:xfrm>
           <a:prstGeom prst="rect">
             <a:avLst/>
@@ -15337,21 +15339,21 @@
           <a:chExt cx="0" cy="0"/>
         </a:xfrm>
       </p:grpSpPr>
-      <p:sp>
-        <p:nvSpPr>
-          <p:cNvPr id="12" name="Rectangle 11">
+      <p:cxnSp>
+        <p:nvCxnSpPr>
+          <p:cNvPr id="23" name="Straight Connector 22">
             <a:extLst>
               <a:ext uri="{FF2B5EF4-FFF2-40B4-BE49-F238E27FC236}">
-                <a16:creationId xmlns:a16="http://schemas.microsoft.com/office/drawing/2014/main" id="{56827C3C-D52F-46CE-A441-3CD6A1A6A0A2}"/>
+                <a16:creationId xmlns:a16="http://schemas.microsoft.com/office/drawing/2014/main" id="{DCD67800-37AC-4E14-89B0-F79DCB3FB86D}"/>
               </a:ext>
               <a:ext uri="{C183D7F6-B498-43B3-948B-1728B52AA6E4}">
                 <adec:decorative xmlns:adec="http://schemas.microsoft.com/office/drawing/2017/decorative" val="1"/>
               </a:ext>
             </a:extLst>
           </p:cNvPr>
-          <p:cNvSpPr>
-            <a:spLocks noGrp="1" noRot="1" noChangeAspect="1" noMove="1" noResize="1" noEditPoints="1" noAdjustHandles="1" noChangeArrowheads="1" noChangeShapeType="1" noTextEdit="1"/>
-          </p:cNvSpPr>
+          <p:cNvCxnSpPr>
+            <a:cxnSpLocks noGrp="1" noRot="1" noChangeAspect="1" noMove="1" noResize="1" noEditPoints="1" noAdjustHandles="1" noChangeArrowheads="1" noChangeShapeType="1"/>
+          </p:cNvCxnSpPr>
           <p:nvPr>
             <p:extLst>
               <p:ext uri="{386F3935-93C4-4BCD-93E2-E3B085C9AB24}">
@@ -15359,126 +15361,42 @@
               </p:ext>
             </p:extLst>
           </p:nvPr>
-        </p:nvSpPr>
+        </p:nvCxnSpPr>
         <p:spPr>
           <a:xfrm>
-            <a:off x="3137" y="0"/>
-            <a:ext cx="12192000" cy="6858000"/>
+            <a:off x="4165600" y="1573887"/>
+            <a:ext cx="0" cy="3710227"/>
           </a:xfrm>
-          <a:prstGeom prst="rect">
+          <a:prstGeom prst="line">
             <a:avLst/>
           </a:prstGeom>
-          <a:solidFill>
-            <a:schemeClr val="bg1">
-              <a:lumMod val="85000"/>
-              <a:alpha val="90000"/>
-            </a:schemeClr>
-          </a:solidFill>
-          <a:ln>
-            <a:noFill/>
+          <a:ln w="19050">
+            <a:solidFill>
+              <a:srgbClr val="7F7F7F"/>
+            </a:solidFill>
           </a:ln>
         </p:spPr>
         <p:style>
-          <a:lnRef idx="2">
-            <a:schemeClr val="accent1">
-              <a:shade val="50000"/>
-            </a:schemeClr>
+          <a:lnRef idx="1">
+            <a:schemeClr val="accent1"/>
           </a:lnRef>
-          <a:fillRef idx="1">
+          <a:fillRef idx="0">
             <a:schemeClr val="accent1"/>
           </a:fillRef>
           <a:effectRef idx="0">
             <a:schemeClr val="accent1"/>
           </a:effectRef>
           <a:fontRef idx="minor">
-            <a:schemeClr val="lt1"/>
+            <a:schemeClr val="tx1"/>
           </a:fontRef>
         </p:style>
-        <p:txBody>
-          <a:bodyPr rtlCol="0" anchor="ctr"/>
-          <a:lstStyle/>
-          <a:p>
-            <a:pPr algn="ctr"/>
-            <a:endParaRPr lang="en-US"/>
-          </a:p>
-        </p:txBody>
-      </p:sp>
-      <p:sp>
-        <p:nvSpPr>
-          <p:cNvPr id="14" name="Rectangle 13">
+      </p:cxnSp>
+      <p:pic>
+        <p:nvPicPr>
+          <p:cNvPr id="7" name="Picture 6">
             <a:extLst>
               <a:ext uri="{FF2B5EF4-FFF2-40B4-BE49-F238E27FC236}">
-                <a16:creationId xmlns:a16="http://schemas.microsoft.com/office/drawing/2014/main" id="{F52A8B51-0A89-497B-B882-6658E029A3F9}"/>
-              </a:ext>
-              <a:ext uri="{C183D7F6-B498-43B3-948B-1728B52AA6E4}">
-                <adec:decorative xmlns:adec="http://schemas.microsoft.com/office/drawing/2017/decorative" val="1"/>
-              </a:ext>
-            </a:extLst>
-          </p:cNvPr>
-          <p:cNvSpPr>
-            <a:spLocks noGrp="1" noRot="1" noChangeAspect="1" noMove="1" noResize="1" noEditPoints="1" noAdjustHandles="1" noChangeArrowheads="1" noChangeShapeType="1" noTextEdit="1"/>
-          </p:cNvSpPr>
-          <p:nvPr>
-            <p:extLst>
-              <p:ext uri="{386F3935-93C4-4BCD-93E2-E3B085C9AB24}">
-                <p16:designElem xmlns:p16="http://schemas.microsoft.com/office/powerpoint/2015/main" val="1"/>
-              </p:ext>
-            </p:extLst>
-          </p:nvPr>
-        </p:nvSpPr>
-        <p:spPr>
-          <a:xfrm>
-            <a:off x="643467" y="643466"/>
-            <a:ext cx="3522548" cy="5571067"/>
-          </a:xfrm>
-          <a:prstGeom prst="rect">
-            <a:avLst/>
-          </a:prstGeom>
-          <a:solidFill>
-            <a:srgbClr val="FFFFFF"/>
-          </a:solidFill>
-          <a:ln w="9525">
-            <a:noFill/>
-          </a:ln>
-          <a:effectLst>
-            <a:outerShdw blurRad="63500" dist="17780" dir="5400000" algn="t" rotWithShape="0">
-              <a:prstClr val="black">
-                <a:alpha val="43000"/>
-              </a:prstClr>
-            </a:outerShdw>
-          </a:effectLst>
-        </p:spPr>
-        <p:style>
-          <a:lnRef idx="2">
-            <a:schemeClr val="accent1">
-              <a:shade val="50000"/>
-            </a:schemeClr>
-          </a:lnRef>
-          <a:fillRef idx="1">
-            <a:schemeClr val="accent1"/>
-          </a:fillRef>
-          <a:effectRef idx="0">
-            <a:schemeClr val="accent1"/>
-          </a:effectRef>
-          <a:fontRef idx="minor">
-            <a:schemeClr val="lt1"/>
-          </a:fontRef>
-        </p:style>
-        <p:txBody>
-          <a:bodyPr rtlCol="0" anchor="ctr"/>
-          <a:lstStyle/>
-          <a:p>
-            <a:pPr algn="ctr"/>
-            <a:endParaRPr lang="en-US"/>
-          </a:p>
-        </p:txBody>
-      </p:sp>
-      <p:pic>
-        <p:nvPicPr>
-          <p:cNvPr id="3" name="Picture 2">
-            <a:extLst>
-              <a:ext uri="{FF2B5EF4-FFF2-40B4-BE49-F238E27FC236}">
-                <a16:creationId xmlns:a16="http://schemas.microsoft.com/office/drawing/2014/main" id="{5ED41C7C-81C4-4EF7-AC63-62829A904DA1}"/>
+                <a16:creationId xmlns:a16="http://schemas.microsoft.com/office/drawing/2014/main" id="{796794C3-7DB4-4423-8FD5-984326B5DEFE}"/>
               </a:ext>
             </a:extLst>
           </p:cNvPr>
@@ -15495,29 +15413,29 @@
         </p:blipFill>
         <p:spPr>
           <a:xfrm>
-            <a:off x="1640963" y="965199"/>
-            <a:ext cx="1527556" cy="4927601"/>
+            <a:off x="5112340" y="1123527"/>
+            <a:ext cx="1934016" cy="4604800"/>
           </a:xfrm>
           <a:prstGeom prst="rect">
             <a:avLst/>
           </a:prstGeom>
         </p:spPr>
       </p:pic>
-      <p:sp>
-        <p:nvSpPr>
-          <p:cNvPr id="16" name="Rectangle 15">
+      <p:cxnSp>
+        <p:nvCxnSpPr>
+          <p:cNvPr id="25" name="Straight Connector 24">
             <a:extLst>
               <a:ext uri="{FF2B5EF4-FFF2-40B4-BE49-F238E27FC236}">
-                <a16:creationId xmlns:a16="http://schemas.microsoft.com/office/drawing/2014/main" id="{EB1CEFBF-6F09-4052-862B-E219DA15757E}"/>
+                <a16:creationId xmlns:a16="http://schemas.microsoft.com/office/drawing/2014/main" id="{20F1788F-A5AE-4188-8274-F7F2E3833ECD}"/>
               </a:ext>
               <a:ext uri="{C183D7F6-B498-43B3-948B-1728B52AA6E4}">
                 <adec:decorative xmlns:adec="http://schemas.microsoft.com/office/drawing/2017/decorative" val="1"/>
               </a:ext>
             </a:extLst>
           </p:cNvPr>
-          <p:cNvSpPr>
-            <a:spLocks noGrp="1" noRot="1" noChangeAspect="1" noMove="1" noResize="1" noEditPoints="1" noAdjustHandles="1" noChangeArrowheads="1" noChangeShapeType="1" noTextEdit="1"/>
-          </p:cNvSpPr>
+          <p:cNvCxnSpPr>
+            <a:cxnSpLocks noGrp="1" noRot="1" noChangeAspect="1" noMove="1" noResize="1" noEditPoints="1" noAdjustHandles="1" noChangeArrowheads="1" noChangeShapeType="1"/>
+          </p:cNvCxnSpPr>
           <p:nvPr>
             <p:extLst>
               <p:ext uri="{386F3935-93C4-4BCD-93E2-E3B085C9AB24}">
@@ -15525,54 +15443,36 @@
               </p:ext>
             </p:extLst>
           </p:nvPr>
-        </p:nvSpPr>
+        </p:nvCxnSpPr>
         <p:spPr>
           <a:xfrm>
-            <a:off x="4326882" y="643466"/>
-            <a:ext cx="3522548" cy="5571067"/>
+            <a:off x="7995920" y="1573887"/>
+            <a:ext cx="0" cy="3710227"/>
           </a:xfrm>
-          <a:prstGeom prst="rect">
+          <a:prstGeom prst="line">
             <a:avLst/>
           </a:prstGeom>
-          <a:solidFill>
-            <a:srgbClr val="FFFFFF"/>
-          </a:solidFill>
-          <a:ln w="9525">
-            <a:noFill/>
+          <a:ln w="19050">
+            <a:solidFill>
+              <a:srgbClr val="7F7F7F"/>
+            </a:solidFill>
           </a:ln>
-          <a:effectLst>
-            <a:outerShdw blurRad="63500" dist="17780" dir="5400000" algn="t" rotWithShape="0">
-              <a:prstClr val="black">
-                <a:alpha val="43000"/>
-              </a:prstClr>
-            </a:outerShdw>
-          </a:effectLst>
         </p:spPr>
         <p:style>
-          <a:lnRef idx="2">
-            <a:schemeClr val="accent1">
-              <a:shade val="50000"/>
-            </a:schemeClr>
+          <a:lnRef idx="1">
+            <a:schemeClr val="accent1"/>
           </a:lnRef>
-          <a:fillRef idx="1">
+          <a:fillRef idx="0">
             <a:schemeClr val="accent1"/>
           </a:fillRef>
           <a:effectRef idx="0">
             <a:schemeClr val="accent1"/>
           </a:effectRef>
           <a:fontRef idx="minor">
-            <a:schemeClr val="lt1"/>
+            <a:schemeClr val="tx1"/>
           </a:fontRef>
         </p:style>
-        <p:txBody>
-          <a:bodyPr rtlCol="0" anchor="ctr"/>
-          <a:lstStyle/>
-          <a:p>
-            <a:pPr algn="ctr"/>
-            <a:endParaRPr lang="en-US"/>
-          </a:p>
-        </p:txBody>
-      </p:sp>
+      </p:cxnSp>
       <p:pic>
         <p:nvPicPr>
           <p:cNvPr id="5" name="Picture 4">
@@ -15595,108 +15495,8 @@
         </p:blipFill>
         <p:spPr>
           <a:xfrm>
-            <a:off x="5133237" y="965199"/>
-            <a:ext cx="1909838" cy="4928616"/>
-          </a:xfrm>
-          <a:prstGeom prst="rect">
-            <a:avLst/>
-          </a:prstGeom>
-        </p:spPr>
-      </p:pic>
-      <p:sp>
-        <p:nvSpPr>
-          <p:cNvPr id="18" name="Rectangle 17">
-            <a:extLst>
-              <a:ext uri="{FF2B5EF4-FFF2-40B4-BE49-F238E27FC236}">
-                <a16:creationId xmlns:a16="http://schemas.microsoft.com/office/drawing/2014/main" id="{BCB5D417-2A71-445D-B4C7-9E814D633D33}"/>
-              </a:ext>
-              <a:ext uri="{C183D7F6-B498-43B3-948B-1728B52AA6E4}">
-                <adec:decorative xmlns:adec="http://schemas.microsoft.com/office/drawing/2017/decorative" val="1"/>
-              </a:ext>
-            </a:extLst>
-          </p:cNvPr>
-          <p:cNvSpPr>
-            <a:spLocks noGrp="1" noRot="1" noChangeAspect="1" noMove="1" noResize="1" noEditPoints="1" noAdjustHandles="1" noChangeArrowheads="1" noChangeShapeType="1" noTextEdit="1"/>
-          </p:cNvSpPr>
-          <p:nvPr>
-            <p:extLst>
-              <p:ext uri="{386F3935-93C4-4BCD-93E2-E3B085C9AB24}">
-                <p16:designElem xmlns:p16="http://schemas.microsoft.com/office/powerpoint/2015/main" val="1"/>
-              </p:ext>
-            </p:extLst>
-          </p:nvPr>
-        </p:nvSpPr>
-        <p:spPr>
-          <a:xfrm>
-            <a:off x="8022847" y="643466"/>
-            <a:ext cx="3522548" cy="5571067"/>
-          </a:xfrm>
-          <a:prstGeom prst="rect">
-            <a:avLst/>
-          </a:prstGeom>
-          <a:solidFill>
-            <a:srgbClr val="FFFFFF"/>
-          </a:solidFill>
-          <a:ln w="9525">
-            <a:noFill/>
-          </a:ln>
-          <a:effectLst>
-            <a:outerShdw blurRad="63500" dist="17780" dir="5400000" algn="t" rotWithShape="0">
-              <a:prstClr val="black">
-                <a:alpha val="43000"/>
-              </a:prstClr>
-            </a:outerShdw>
-          </a:effectLst>
-        </p:spPr>
-        <p:style>
-          <a:lnRef idx="2">
-            <a:schemeClr val="accent1">
-              <a:shade val="50000"/>
-            </a:schemeClr>
-          </a:lnRef>
-          <a:fillRef idx="1">
-            <a:schemeClr val="accent1"/>
-          </a:fillRef>
-          <a:effectRef idx="0">
-            <a:schemeClr val="accent1"/>
-          </a:effectRef>
-          <a:fontRef idx="minor">
-            <a:schemeClr val="lt1"/>
-          </a:fontRef>
-        </p:style>
-        <p:txBody>
-          <a:bodyPr rtlCol="0" anchor="ctr"/>
-          <a:lstStyle/>
-          <a:p>
-            <a:pPr algn="ctr"/>
-            <a:endParaRPr lang="en-US"/>
-          </a:p>
-        </p:txBody>
-      </p:sp>
-      <p:pic>
-        <p:nvPicPr>
-          <p:cNvPr id="7" name="Picture 6">
-            <a:extLst>
-              <a:ext uri="{FF2B5EF4-FFF2-40B4-BE49-F238E27FC236}">
-                <a16:creationId xmlns:a16="http://schemas.microsoft.com/office/drawing/2014/main" id="{796794C3-7DB4-4423-8FD5-984326B5DEFE}"/>
-              </a:ext>
-            </a:extLst>
-          </p:cNvPr>
-          <p:cNvPicPr>
-            <a:picLocks noChangeAspect="1"/>
-          </p:cNvPicPr>
-          <p:nvPr/>
-        </p:nvPicPr>
-        <p:blipFill>
-          <a:blip r:embed="rId4"/>
-          <a:stretch>
-            <a:fillRect/>
-          </a:stretch>
-        </p:blipFill>
-        <p:spPr>
-          <a:xfrm>
-            <a:off x="8749325" y="965199"/>
-            <a:ext cx="2069592" cy="4927601"/>
+            <a:off x="9028716" y="1123528"/>
+            <a:ext cx="1784360" cy="4604800"/>
           </a:xfrm>
           <a:prstGeom prst="rect">
             <a:avLst/>
@@ -17273,10 +17073,10 @@
       </p:grpSpPr>
       <p:pic>
         <p:nvPicPr>
-          <p:cNvPr id="5122" name="Picture 2">
+          <p:cNvPr id="1026" name="Picture 2">
             <a:extLst>
               <a:ext uri="{FF2B5EF4-FFF2-40B4-BE49-F238E27FC236}">
-                <a16:creationId xmlns:a16="http://schemas.microsoft.com/office/drawing/2014/main" id="{DCF6AEA9-FA6E-4189-B0B5-05E61A7391C0}"/>
+                <a16:creationId xmlns:a16="http://schemas.microsoft.com/office/drawing/2014/main" id="{4AB5A959-DAB7-49B3-A2C0-7B15CD4C1704}"/>
               </a:ext>
             </a:extLst>
           </p:cNvPr>
@@ -17300,8 +17100,8 @@
         </p:blipFill>
         <p:spPr bwMode="auto">
           <a:xfrm>
-            <a:off x="2390635" y="424873"/>
-            <a:ext cx="6147077" cy="6204527"/>
+            <a:off x="2698750" y="157162"/>
+            <a:ext cx="6638793" cy="6700838"/>
           </a:xfrm>
           <a:prstGeom prst="rect">
             <a:avLst/>

--- a/CapstoneIV/CycleGAN.pptx
+++ b/CapstoneIV/CycleGAN.pptx
@@ -15339,21 +15339,21 @@
           <a:chExt cx="0" cy="0"/>
         </a:xfrm>
       </p:grpSpPr>
-      <p:cxnSp>
-        <p:nvCxnSpPr>
-          <p:cNvPr id="23" name="Straight Connector 22">
+      <p:sp>
+        <p:nvSpPr>
+          <p:cNvPr id="30" name="Rectangle 29">
             <a:extLst>
               <a:ext uri="{FF2B5EF4-FFF2-40B4-BE49-F238E27FC236}">
-                <a16:creationId xmlns:a16="http://schemas.microsoft.com/office/drawing/2014/main" id="{DCD67800-37AC-4E14-89B0-F79DCB3FB86D}"/>
+                <a16:creationId xmlns:a16="http://schemas.microsoft.com/office/drawing/2014/main" id="{A9F529C3-C941-49FD-8C67-82F134F64BDB}"/>
               </a:ext>
               <a:ext uri="{C183D7F6-B498-43B3-948B-1728B52AA6E4}">
                 <adec:decorative xmlns:adec="http://schemas.microsoft.com/office/drawing/2017/decorative" val="1"/>
               </a:ext>
             </a:extLst>
           </p:cNvPr>
-          <p:cNvCxnSpPr>
-            <a:cxnSpLocks noGrp="1" noRot="1" noChangeAspect="1" noMove="1" noResize="1" noEditPoints="1" noAdjustHandles="1" noChangeArrowheads="1" noChangeShapeType="1"/>
-          </p:cNvCxnSpPr>
+          <p:cNvSpPr>
+            <a:spLocks noGrp="1" noRot="1" noChangeAspect="1" noMove="1" noResize="1" noEditPoints="1" noAdjustHandles="1" noChangeArrowheads="1" noChangeShapeType="1" noTextEdit="1"/>
+          </p:cNvSpPr>
           <p:nvPr>
             <p:extLst>
               <p:ext uri="{386F3935-93C4-4BCD-93E2-E3B085C9AB24}">
@@ -15361,36 +15361,121 @@
               </p:ext>
             </p:extLst>
           </p:nvPr>
-        </p:nvCxnSpPr>
+        </p:nvSpPr>
         <p:spPr>
           <a:xfrm>
-            <a:off x="4165600" y="1573887"/>
-            <a:ext cx="0" cy="3710227"/>
+            <a:off x="0" y="0"/>
+            <a:ext cx="12192000" cy="6858000"/>
           </a:xfrm>
-          <a:prstGeom prst="line">
+          <a:prstGeom prst="rect">
             <a:avLst/>
           </a:prstGeom>
-          <a:ln w="19050">
-            <a:solidFill>
-              <a:srgbClr val="7F7F7F"/>
-            </a:solidFill>
+          <a:solidFill>
+            <a:schemeClr val="tx1">
+              <a:lumMod val="50000"/>
+              <a:lumOff val="50000"/>
+              <a:alpha val="30000"/>
+            </a:schemeClr>
+          </a:solidFill>
+          <a:ln>
+            <a:noFill/>
           </a:ln>
         </p:spPr>
         <p:style>
-          <a:lnRef idx="1">
-            <a:schemeClr val="accent1"/>
+          <a:lnRef idx="2">
+            <a:schemeClr val="accent1">
+              <a:shade val="50000"/>
+            </a:schemeClr>
           </a:lnRef>
-          <a:fillRef idx="0">
+          <a:fillRef idx="1">
             <a:schemeClr val="accent1"/>
           </a:fillRef>
           <a:effectRef idx="0">
             <a:schemeClr val="accent1"/>
           </a:effectRef>
           <a:fontRef idx="minor">
-            <a:schemeClr val="tx1"/>
+            <a:schemeClr val="lt1"/>
           </a:fontRef>
         </p:style>
-      </p:cxnSp>
+        <p:txBody>
+          <a:bodyPr rtlCol="0" anchor="ctr"/>
+          <a:lstStyle/>
+          <a:p>
+            <a:pPr algn="ctr"/>
+            <a:endParaRPr lang="en-US"/>
+          </a:p>
+        </p:txBody>
+      </p:sp>
+      <p:sp>
+        <p:nvSpPr>
+          <p:cNvPr id="32" name="Rectangle 31">
+            <a:extLst>
+              <a:ext uri="{FF2B5EF4-FFF2-40B4-BE49-F238E27FC236}">
+                <a16:creationId xmlns:a16="http://schemas.microsoft.com/office/drawing/2014/main" id="{20586029-32A0-47E5-9AEC-AE3ABA6B94D0}"/>
+              </a:ext>
+              <a:ext uri="{C183D7F6-B498-43B3-948B-1728B52AA6E4}">
+                <adec:decorative xmlns:adec="http://schemas.microsoft.com/office/drawing/2017/decorative" val="1"/>
+              </a:ext>
+            </a:extLst>
+          </p:cNvPr>
+          <p:cNvSpPr>
+            <a:spLocks noGrp="1" noRot="1" noChangeAspect="1" noMove="1" noResize="1" noEditPoints="1" noAdjustHandles="1" noChangeArrowheads="1" noChangeShapeType="1" noTextEdit="1"/>
+          </p:cNvSpPr>
+          <p:nvPr>
+            <p:extLst>
+              <p:ext uri="{386F3935-93C4-4BCD-93E2-E3B085C9AB24}">
+                <p16:designElem xmlns:p16="http://schemas.microsoft.com/office/powerpoint/2015/main" val="1"/>
+              </p:ext>
+            </p:extLst>
+          </p:nvPr>
+        </p:nvSpPr>
+        <p:spPr>
+          <a:xfrm>
+            <a:off x="477012" y="480060"/>
+            <a:ext cx="11237976" cy="5897880"/>
+          </a:xfrm>
+          <a:prstGeom prst="rect">
+            <a:avLst/>
+          </a:prstGeom>
+          <a:solidFill>
+            <a:srgbClr val="FFFFFF"/>
+          </a:solidFill>
+          <a:ln w="9525">
+            <a:noFill/>
+          </a:ln>
+          <a:effectLst>
+            <a:outerShdw blurRad="63500" dist="17780" dir="5400000" algn="t" rotWithShape="0">
+              <a:prstClr val="black">
+                <a:alpha val="43000"/>
+              </a:prstClr>
+            </a:outerShdw>
+          </a:effectLst>
+        </p:spPr>
+        <p:style>
+          <a:lnRef idx="2">
+            <a:schemeClr val="accent1">
+              <a:shade val="50000"/>
+            </a:schemeClr>
+          </a:lnRef>
+          <a:fillRef idx="1">
+            <a:schemeClr val="accent1"/>
+          </a:fillRef>
+          <a:effectRef idx="0">
+            <a:schemeClr val="accent1"/>
+          </a:effectRef>
+          <a:fontRef idx="minor">
+            <a:schemeClr val="lt1"/>
+          </a:fontRef>
+        </p:style>
+        <p:txBody>
+          <a:bodyPr rtlCol="0" anchor="ctr"/>
+          <a:lstStyle/>
+          <a:p>
+            <a:pPr algn="ctr"/>
+            <a:endParaRPr lang="en-US"/>
+          </a:p>
+        </p:txBody>
+      </p:sp>
       <p:pic>
         <p:nvPicPr>
           <p:cNvPr id="7" name="Picture 6">
@@ -15413,8 +15498,8 @@
         </p:blipFill>
         <p:spPr>
           <a:xfrm>
-            <a:off x="5112340" y="1123527"/>
-            <a:ext cx="1934016" cy="4604800"/>
+            <a:off x="2120901" y="643466"/>
+            <a:ext cx="2339847" cy="5571066"/>
           </a:xfrm>
           <a:prstGeom prst="rect">
             <a:avLst/>
@@ -15423,10 +15508,10 @@
       </p:pic>
       <p:cxnSp>
         <p:nvCxnSpPr>
-          <p:cNvPr id="25" name="Straight Connector 24">
+          <p:cNvPr id="34" name="Straight Connector 33">
             <a:extLst>
               <a:ext uri="{FF2B5EF4-FFF2-40B4-BE49-F238E27FC236}">
-                <a16:creationId xmlns:a16="http://schemas.microsoft.com/office/drawing/2014/main" id="{20F1788F-A5AE-4188-8274-F7F2E3833ECD}"/>
+                <a16:creationId xmlns:a16="http://schemas.microsoft.com/office/drawing/2014/main" id="{8C730EAB-A532-4295-A302-FB4B90DB9F5E}"/>
               </a:ext>
               <a:ext uri="{C183D7F6-B498-43B3-948B-1728B52AA6E4}">
                 <adec:decorative xmlns:adec="http://schemas.microsoft.com/office/drawing/2017/decorative" val="1"/>
@@ -15446,15 +15531,15 @@
         </p:nvCxnSpPr>
         <p:spPr>
           <a:xfrm>
-            <a:off x="7995920" y="1573887"/>
-            <a:ext cx="0" cy="3710227"/>
+            <a:off x="6079958" y="1143000"/>
+            <a:ext cx="0" cy="4572000"/>
           </a:xfrm>
           <a:prstGeom prst="line">
             <a:avLst/>
           </a:prstGeom>
-          <a:ln w="19050">
+          <a:ln>
             <a:solidFill>
-              <a:srgbClr val="7F7F7F"/>
+              <a:srgbClr val="4E4E4E"/>
             </a:solidFill>
           </a:ln>
         </p:spPr>
@@ -15495,8 +15580,8 @@
         </p:blipFill>
         <p:spPr>
           <a:xfrm>
-            <a:off x="9028716" y="1123528"/>
-            <a:ext cx="1784360" cy="4604800"/>
+            <a:off x="7821780" y="643467"/>
+            <a:ext cx="2158788" cy="5571066"/>
           </a:xfrm>
           <a:prstGeom prst="rect">
             <a:avLst/>
